--- a/docs/QRCode.pptx
+++ b/docs/QRCode.pptx
@@ -11287,8 +11287,8 @@
         </p:nvGrpSpPr>
         <p:grpSpPr>
           <a:xfrm>
-            <a:off x="9345912" y="605136"/>
-            <a:ext cx="1759908" cy="444674"/>
+            <a:off x="9237249" y="211261"/>
+            <a:ext cx="1759908" cy="361019"/>
             <a:chOff x="8348389" y="237994"/>
             <a:chExt cx="1759908" cy="444674"/>
           </a:xfrm>
@@ -11341,7 +11341,7 @@
             <a:lstStyle/>
             <a:p>
               <a:pPr algn="ctr"/>
-              <a:endParaRPr lang="en-US" sz="1600" dirty="0"/>
+              <a:endParaRPr lang="en-US" sz="1400" dirty="0"/>
             </a:p>
           </p:txBody>
         </p:sp>
@@ -11359,8 +11359,8 @@
           </p:nvSpPr>
           <p:spPr>
             <a:xfrm>
-              <a:off x="8810472" y="291054"/>
-              <a:ext cx="835742" cy="338554"/>
+              <a:off x="8863427" y="297651"/>
+              <a:ext cx="675441" cy="276999"/>
             </a:xfrm>
             <a:prstGeom prst="rect">
               <a:avLst/>
@@ -11374,13 +11374,13 @@
             <a:lstStyle/>
             <a:p>
               <a:r>
-                <a:rPr lang="en-US" altLang="zh-CN" sz="1600" dirty="0">
+                <a:rPr lang="en-US" altLang="zh-CN" sz="1200" dirty="0">
                   <a:latin typeface="Arial" panose="020B0604020202020204" pitchFamily="34" charset="0"/>
                   <a:cs typeface="Arial" panose="020B0604020202020204" pitchFamily="34" charset="0"/>
                 </a:rPr>
                 <a:t>START</a:t>
               </a:r>
-              <a:endParaRPr lang="en-US" sz="1600" dirty="0">
+              <a:endParaRPr lang="en-US" sz="1200" dirty="0">
                 <a:latin typeface="Arial" panose="020B0604020202020204" pitchFamily="34" charset="0"/>
                 <a:cs typeface="Arial" panose="020B0604020202020204" pitchFamily="34" charset="0"/>
               </a:endParaRPr>
@@ -11402,10 +11402,10 @@
         </p:nvGrpSpPr>
         <p:grpSpPr>
           <a:xfrm>
-            <a:off x="9345913" y="1511342"/>
-            <a:ext cx="1759907" cy="554733"/>
-            <a:chOff x="8348390" y="1192648"/>
-            <a:chExt cx="1759907" cy="554733"/>
+            <a:off x="9237250" y="775356"/>
+            <a:ext cx="1759907" cy="464852"/>
+            <a:chOff x="8348390" y="1178042"/>
+            <a:chExt cx="1759907" cy="569339"/>
           </a:xfrm>
         </p:grpSpPr>
         <p:sp>
@@ -11456,7 +11456,7 @@
             <a:lstStyle/>
             <a:p>
               <a:pPr algn="ctr"/>
-              <a:endParaRPr lang="en-US" sz="1600"/>
+              <a:endParaRPr lang="en-US" sz="1200"/>
             </a:p>
           </p:txBody>
         </p:sp>
@@ -11474,8 +11474,8 @@
           </p:nvSpPr>
           <p:spPr>
             <a:xfrm>
-              <a:off x="8516575" y="1280278"/>
-              <a:ext cx="1415772" cy="338554"/>
+              <a:off x="8692190" y="1178042"/>
+              <a:ext cx="1154483" cy="461665"/>
             </a:xfrm>
             <a:prstGeom prst="rect">
               <a:avLst/>
@@ -11489,27 +11489,61 @@
             <a:lstStyle/>
             <a:p>
               <a:r>
-                <a:rPr lang="en-US" altLang="zh-CN" sz="1600" dirty="0">
+                <a:rPr lang="en-US" altLang="zh-CN" sz="1200" dirty="0">
                   <a:latin typeface="Arial" panose="020B0604020202020204" pitchFamily="34" charset="0"/>
                   <a:cs typeface="Arial" panose="020B0604020202020204" pitchFamily="34" charset="0"/>
                 </a:rPr>
                 <a:t>render</a:t>
               </a:r>
               <a:r>
-                <a:rPr lang="zh-CN" altLang="en-US" sz="1600" dirty="0">
+                <a:rPr lang="zh-CN" altLang="en-US" sz="1200" dirty="0">
                   <a:latin typeface="Arial" panose="020B0604020202020204" pitchFamily="34" charset="0"/>
                   <a:cs typeface="Arial" panose="020B0604020202020204" pitchFamily="34" charset="0"/>
                 </a:rPr>
                 <a:t> </a:t>
               </a:r>
               <a:r>
-                <a:rPr lang="en-US" altLang="zh-CN" sz="1600" dirty="0" err="1">
+                <a:rPr lang="en-US" altLang="zh-CN" sz="1200" dirty="0">
                   <a:latin typeface="Arial" panose="020B0604020202020204" pitchFamily="34" charset="0"/>
                   <a:cs typeface="Arial" panose="020B0604020202020204" pitchFamily="34" charset="0"/>
                 </a:rPr>
-                <a:t>SignIn</a:t>
+                <a:t>button</a:t>
               </a:r>
-              <a:endParaRPr lang="en-US" sz="1600" dirty="0">
+              <a:r>
+                <a:rPr lang="zh-CN" altLang="en-US" sz="1200" dirty="0">
+                  <a:latin typeface="Arial" panose="020B0604020202020204" pitchFamily="34" charset="0"/>
+                  <a:cs typeface="Arial" panose="020B0604020202020204" pitchFamily="34" charset="0"/>
+                </a:rPr>
+                <a:t> </a:t>
+              </a:r>
+              <a:endParaRPr lang="en-NZ" altLang="zh-CN" sz="1200" dirty="0">
+                <a:latin typeface="Arial" panose="020B0604020202020204" pitchFamily="34" charset="0"/>
+                <a:cs typeface="Arial" panose="020B0604020202020204" pitchFamily="34" charset="0"/>
+              </a:endParaRPr>
+            </a:p>
+            <a:p>
+              <a:r>
+                <a:rPr lang="en-US" altLang="zh-CN" sz="1200" dirty="0">
+                  <a:latin typeface="Arial" panose="020B0604020202020204" pitchFamily="34" charset="0"/>
+                  <a:cs typeface="Arial" panose="020B0604020202020204" pitchFamily="34" charset="0"/>
+                </a:rPr>
+                <a:t>and</a:t>
+              </a:r>
+              <a:r>
+                <a:rPr lang="zh-CN" altLang="en-US" sz="1200" dirty="0">
+                  <a:latin typeface="Arial" panose="020B0604020202020204" pitchFamily="34" charset="0"/>
+                  <a:cs typeface="Arial" panose="020B0604020202020204" pitchFamily="34" charset="0"/>
+                </a:rPr>
+                <a:t> </a:t>
+              </a:r>
+              <a:r>
+                <a:rPr lang="en-US" altLang="zh-CN" sz="1200" dirty="0">
+                  <a:latin typeface="Arial" panose="020B0604020202020204" pitchFamily="34" charset="0"/>
+                  <a:cs typeface="Arial" panose="020B0604020202020204" pitchFamily="34" charset="0"/>
+                </a:rPr>
+                <a:t>dropdown</a:t>
+              </a:r>
+              <a:endParaRPr lang="en-NZ" altLang="zh-CN" sz="1200" dirty="0">
                 <a:latin typeface="Arial" panose="020B0604020202020204" pitchFamily="34" charset="0"/>
                 <a:cs typeface="Arial" panose="020B0604020202020204" pitchFamily="34" charset="0"/>
               </a:endParaRPr>
@@ -11531,8 +11565,8 @@
         </p:nvGrpSpPr>
         <p:grpSpPr>
           <a:xfrm>
-            <a:off x="9345913" y="2463752"/>
-            <a:ext cx="1759907" cy="554733"/>
+            <a:off x="9243305" y="2633950"/>
+            <a:ext cx="1759907" cy="417090"/>
             <a:chOff x="8348390" y="2096610"/>
             <a:chExt cx="1759907" cy="554733"/>
           </a:xfrm>
@@ -11585,7 +11619,7 @@
             <a:lstStyle/>
             <a:p>
               <a:pPr algn="ctr"/>
-              <a:endParaRPr lang="en-US" sz="1600"/>
+              <a:endParaRPr lang="en-US" sz="1200"/>
             </a:p>
           </p:txBody>
         </p:sp>
@@ -11603,8 +11637,8 @@
           </p:nvSpPr>
           <p:spPr>
             <a:xfrm>
-              <a:off x="8458114" y="2204699"/>
-              <a:ext cx="1632178" cy="338554"/>
+              <a:off x="8536420" y="2204699"/>
+              <a:ext cx="1327608" cy="276999"/>
             </a:xfrm>
             <a:prstGeom prst="rect">
               <a:avLst/>
@@ -11618,41 +11652,41 @@
             <a:lstStyle/>
             <a:p>
               <a:r>
-                <a:rPr lang="en-US" altLang="zh-CN" sz="1600" dirty="0">
+                <a:rPr lang="en-US" altLang="zh-CN" sz="1200" dirty="0">
                   <a:latin typeface="Arial" panose="020B0604020202020204" pitchFamily="34" charset="0"/>
                   <a:cs typeface="Arial" panose="020B0604020202020204" pitchFamily="34" charset="0"/>
                 </a:rPr>
-                <a:t>Google</a:t>
+                <a:t>render</a:t>
               </a:r>
               <a:r>
-                <a:rPr lang="zh-CN" altLang="en-US" sz="1600" dirty="0">
+                <a:rPr lang="zh-CN" altLang="en-US" sz="1200" dirty="0">
                   <a:latin typeface="Arial" panose="020B0604020202020204" pitchFamily="34" charset="0"/>
                   <a:cs typeface="Arial" panose="020B0604020202020204" pitchFamily="34" charset="0"/>
                 </a:rPr>
                 <a:t> </a:t>
               </a:r>
               <a:r>
-                <a:rPr lang="en-US" altLang="zh-CN" sz="1600" dirty="0" err="1">
+                <a:rPr lang="en-US" altLang="zh-CN" sz="1200" dirty="0">
                   <a:latin typeface="Arial" panose="020B0604020202020204" pitchFamily="34" charset="0"/>
                   <a:cs typeface="Arial" panose="020B0604020202020204" pitchFamily="34" charset="0"/>
                 </a:rPr>
-                <a:t>api</a:t>
+                <a:t>error</a:t>
               </a:r>
               <a:r>
-                <a:rPr lang="zh-CN" altLang="en-US" sz="1600" dirty="0">
+                <a:rPr lang="zh-CN" altLang="en-US" sz="1200" dirty="0">
                   <a:latin typeface="Arial" panose="020B0604020202020204" pitchFamily="34" charset="0"/>
                   <a:cs typeface="Arial" panose="020B0604020202020204" pitchFamily="34" charset="0"/>
                 </a:rPr>
                 <a:t> </a:t>
               </a:r>
               <a:r>
-                <a:rPr lang="en-US" altLang="zh-CN" sz="1600" dirty="0">
+                <a:rPr lang="en-US" altLang="zh-CN" sz="1200" dirty="0">
                   <a:latin typeface="Arial" panose="020B0604020202020204" pitchFamily="34" charset="0"/>
                   <a:cs typeface="Arial" panose="020B0604020202020204" pitchFamily="34" charset="0"/>
                 </a:rPr>
-                <a:t>auth</a:t>
+                <a:t>msg</a:t>
               </a:r>
-              <a:endParaRPr lang="en-US" sz="1600" dirty="0">
+              <a:endParaRPr lang="en-US" sz="1200" dirty="0">
                 <a:latin typeface="Arial" panose="020B0604020202020204" pitchFamily="34" charset="0"/>
                 <a:cs typeface="Arial" panose="020B0604020202020204" pitchFamily="34" charset="0"/>
               </a:endParaRPr>
@@ -11674,7 +11708,7 @@
         </p:nvGrpSpPr>
         <p:grpSpPr>
           <a:xfrm>
-            <a:off x="9107453" y="3417230"/>
+            <a:off x="9004845" y="3484971"/>
             <a:ext cx="2242159" cy="870559"/>
             <a:chOff x="8152322" y="3050088"/>
             <a:chExt cx="2242159" cy="870559"/>
@@ -11728,7 +11762,7 @@
             <a:lstStyle/>
             <a:p>
               <a:pPr algn="ctr"/>
-              <a:endParaRPr lang="en-US" sz="1600"/>
+              <a:endParaRPr lang="en-US" sz="1200"/>
             </a:p>
           </p:txBody>
         </p:sp>
@@ -11746,8 +11780,8 @@
           </p:nvSpPr>
           <p:spPr>
             <a:xfrm>
-              <a:off x="8371551" y="3316090"/>
-              <a:ext cx="1803699" cy="338554"/>
+              <a:off x="8358676" y="3341800"/>
+              <a:ext cx="1879041" cy="276999"/>
             </a:xfrm>
             <a:prstGeom prst="rect">
               <a:avLst/>
@@ -11761,55 +11795,41 @@
             <a:lstStyle/>
             <a:p>
               <a:r>
-                <a:rPr lang="en-US" altLang="zh-CN" sz="1600" dirty="0">
+                <a:rPr lang="en-US" altLang="zh-CN" sz="1200" dirty="0">
                   <a:latin typeface="Arial" panose="020B0604020202020204" pitchFamily="34" charset="0"/>
                   <a:cs typeface="Arial" panose="020B0604020202020204" pitchFamily="34" charset="0"/>
                 </a:rPr>
-                <a:t>Is</a:t>
+                <a:t>selected</a:t>
               </a:r>
               <a:r>
-                <a:rPr lang="zh-CN" altLang="en-US" sz="1600" dirty="0">
+                <a:rPr lang="zh-CN" altLang="en-US" sz="1200" dirty="0">
                   <a:latin typeface="Arial" panose="020B0604020202020204" pitchFamily="34" charset="0"/>
                   <a:cs typeface="Arial" panose="020B0604020202020204" pitchFamily="34" charset="0"/>
                 </a:rPr>
                 <a:t> </a:t>
               </a:r>
               <a:r>
-                <a:rPr lang="en-US" altLang="zh-CN" sz="1600" dirty="0">
+                <a:rPr lang="en-US" altLang="zh-CN" sz="1200" dirty="0">
                   <a:latin typeface="Arial" panose="020B0604020202020204" pitchFamily="34" charset="0"/>
                   <a:cs typeface="Arial" panose="020B0604020202020204" pitchFamily="34" charset="0"/>
                 </a:rPr>
-                <a:t>user</a:t>
+                <a:t>value</a:t>
               </a:r>
               <a:r>
-                <a:rPr lang="zh-CN" altLang="en-US" sz="1600" dirty="0">
+                <a:rPr lang="zh-CN" altLang="en-US" sz="1200" dirty="0">
                   <a:latin typeface="Arial" panose="020B0604020202020204" pitchFamily="34" charset="0"/>
                   <a:cs typeface="Arial" panose="020B0604020202020204" pitchFamily="34" charset="0"/>
                 </a:rPr>
                 <a:t> </a:t>
               </a:r>
               <a:r>
-                <a:rPr lang="en-US" altLang="zh-CN" sz="1600" dirty="0">
+                <a:rPr lang="en-US" altLang="zh-CN" sz="1200" dirty="0">
                   <a:latin typeface="Arial" panose="020B0604020202020204" pitchFamily="34" charset="0"/>
                   <a:cs typeface="Arial" panose="020B0604020202020204" pitchFamily="34" charset="0"/>
                 </a:rPr>
-                <a:t>logged</a:t>
+                <a:t>changed?</a:t>
               </a:r>
-              <a:r>
-                <a:rPr lang="zh-CN" altLang="en-US" sz="1600" dirty="0">
-                  <a:latin typeface="Arial" panose="020B0604020202020204" pitchFamily="34" charset="0"/>
-                  <a:cs typeface="Arial" panose="020B0604020202020204" pitchFamily="34" charset="0"/>
-                </a:rPr>
-                <a:t> </a:t>
-              </a:r>
-              <a:r>
-                <a:rPr lang="en-US" altLang="zh-CN" sz="1600" dirty="0">
-                  <a:latin typeface="Arial" panose="020B0604020202020204" pitchFamily="34" charset="0"/>
-                  <a:cs typeface="Arial" panose="020B0604020202020204" pitchFamily="34" charset="0"/>
-                </a:rPr>
-                <a:t>in?</a:t>
-              </a:r>
-              <a:endParaRPr lang="en-US" sz="1600" dirty="0">
+              <a:endParaRPr lang="en-US" sz="1200" dirty="0">
                 <a:latin typeface="Arial" panose="020B0604020202020204" pitchFamily="34" charset="0"/>
                 <a:cs typeface="Arial" panose="020B0604020202020204" pitchFamily="34" charset="0"/>
               </a:endParaRPr>
@@ -11831,7 +11851,7 @@
         </p:nvGrpSpPr>
         <p:grpSpPr>
           <a:xfrm>
-            <a:off x="6559974" y="4773993"/>
+            <a:off x="6457366" y="4841734"/>
             <a:ext cx="2157607" cy="554733"/>
             <a:chOff x="5562451" y="4406851"/>
             <a:chExt cx="2157607" cy="554733"/>
@@ -11885,7 +11905,7 @@
             <a:lstStyle/>
             <a:p>
               <a:pPr algn="ctr"/>
-              <a:endParaRPr lang="en-US" sz="1600"/>
+              <a:endParaRPr lang="en-US" sz="1200"/>
             </a:p>
           </p:txBody>
         </p:sp>
@@ -11904,7 +11924,7 @@
           <p:spPr>
             <a:xfrm>
               <a:off x="5701192" y="4514941"/>
-              <a:ext cx="1963999" cy="338554"/>
+              <a:ext cx="1933543" cy="276999"/>
             </a:xfrm>
             <a:prstGeom prst="rect">
               <a:avLst/>
@@ -11918,41 +11938,69 @@
             <a:lstStyle/>
             <a:p>
               <a:r>
-                <a:rPr lang="en-US" altLang="zh-CN" sz="1600" dirty="0">
+                <a:rPr lang="en-US" altLang="zh-CN" sz="1200" dirty="0">
                   <a:latin typeface="Arial" panose="020B0604020202020204" pitchFamily="34" charset="0"/>
                   <a:cs typeface="Arial" panose="020B0604020202020204" pitchFamily="34" charset="0"/>
                 </a:rPr>
-                <a:t>render</a:t>
+                <a:t>do</a:t>
               </a:r>
               <a:r>
-                <a:rPr lang="zh-CN" altLang="en-US" sz="1600" dirty="0">
+                <a:rPr lang="zh-CN" altLang="en-US" sz="1200" dirty="0">
                   <a:latin typeface="Arial" panose="020B0604020202020204" pitchFamily="34" charset="0"/>
                   <a:cs typeface="Arial" panose="020B0604020202020204" pitchFamily="34" charset="0"/>
                 </a:rPr>
                 <a:t> </a:t>
               </a:r>
               <a:r>
-                <a:rPr lang="en-US" altLang="zh-CN" sz="1600" dirty="0">
+                <a:rPr lang="en-US" altLang="zh-CN" sz="1200" dirty="0">
                   <a:latin typeface="Arial" panose="020B0604020202020204" pitchFamily="34" charset="0"/>
                   <a:cs typeface="Arial" panose="020B0604020202020204" pitchFamily="34" charset="0"/>
                 </a:rPr>
-                <a:t>Login</a:t>
+                <a:t>not</a:t>
               </a:r>
               <a:r>
-                <a:rPr lang="zh-CN" altLang="en-US" sz="1600" dirty="0">
+                <a:rPr lang="zh-CN" altLang="en-US" sz="1200" dirty="0">
                   <a:latin typeface="Arial" panose="020B0604020202020204" pitchFamily="34" charset="0"/>
                   <a:cs typeface="Arial" panose="020B0604020202020204" pitchFamily="34" charset="0"/>
                 </a:rPr>
                 <a:t> </a:t>
               </a:r>
               <a:r>
-                <a:rPr lang="en-US" altLang="zh-CN" sz="1600" dirty="0">
+                <a:rPr lang="en-US" altLang="zh-CN" sz="1200" dirty="0">
                   <a:latin typeface="Arial" panose="020B0604020202020204" pitchFamily="34" charset="0"/>
                   <a:cs typeface="Arial" panose="020B0604020202020204" pitchFamily="34" charset="0"/>
                 </a:rPr>
-                <a:t>button</a:t>
+                <a:t>re-render</a:t>
               </a:r>
-              <a:endParaRPr lang="en-US" sz="1600" dirty="0">
+              <a:r>
+                <a:rPr lang="zh-CN" altLang="en-US" sz="1200" dirty="0">
+                  <a:latin typeface="Arial" panose="020B0604020202020204" pitchFamily="34" charset="0"/>
+                  <a:cs typeface="Arial" panose="020B0604020202020204" pitchFamily="34" charset="0"/>
+                </a:rPr>
+                <a:t> </a:t>
+              </a:r>
+              <a:r>
+                <a:rPr lang="en-US" altLang="zh-CN" sz="1200" dirty="0">
+                  <a:latin typeface="Arial" panose="020B0604020202020204" pitchFamily="34" charset="0"/>
+                  <a:cs typeface="Arial" panose="020B0604020202020204" pitchFamily="34" charset="0"/>
+                </a:rPr>
+                <a:t>QR</a:t>
+              </a:r>
+              <a:r>
+                <a:rPr lang="zh-CN" altLang="en-US" sz="1200" dirty="0">
+                  <a:latin typeface="Arial" panose="020B0604020202020204" pitchFamily="34" charset="0"/>
+                  <a:cs typeface="Arial" panose="020B0604020202020204" pitchFamily="34" charset="0"/>
+                </a:rPr>
+                <a:t> </a:t>
+              </a:r>
+              <a:r>
+                <a:rPr lang="en-US" altLang="zh-CN" sz="1200" dirty="0">
+                  <a:latin typeface="Arial" panose="020B0604020202020204" pitchFamily="34" charset="0"/>
+                  <a:cs typeface="Arial" panose="020B0604020202020204" pitchFamily="34" charset="0"/>
+                </a:rPr>
+                <a:t>code</a:t>
+              </a:r>
+              <a:endParaRPr lang="en-US" sz="1200" dirty="0">
                 <a:latin typeface="Arial" panose="020B0604020202020204" pitchFamily="34" charset="0"/>
                 <a:cs typeface="Arial" panose="020B0604020202020204" pitchFamily="34" charset="0"/>
               </a:endParaRPr>
@@ -11974,8 +12022,8 @@
         </p:nvGrpSpPr>
         <p:grpSpPr>
           <a:xfrm>
-            <a:off x="8984439" y="4775993"/>
-            <a:ext cx="2488183" cy="836260"/>
+            <a:off x="9248412" y="4624039"/>
+            <a:ext cx="1759907" cy="443410"/>
             <a:chOff x="8029308" y="4408851"/>
             <a:chExt cx="2488183" cy="836260"/>
           </a:xfrm>
@@ -12028,7 +12076,7 @@
             <a:lstStyle/>
             <a:p>
               <a:pPr algn="ctr"/>
-              <a:endParaRPr lang="en-US" sz="1600"/>
+              <a:endParaRPr lang="en-US" sz="1200"/>
             </a:p>
           </p:txBody>
         </p:sp>
@@ -12046,8 +12094,8 @@
           </p:nvSpPr>
           <p:spPr>
             <a:xfrm>
-              <a:off x="8355700" y="4514941"/>
-              <a:ext cx="2132315" cy="584775"/>
+              <a:off x="8127561" y="4598795"/>
+              <a:ext cx="1728358" cy="276999"/>
             </a:xfrm>
             <a:prstGeom prst="rect">
               <a:avLst/>
@@ -12061,64 +12109,68 @@
             <a:lstStyle/>
             <a:p>
               <a:r>
-                <a:rPr lang="en-US" altLang="zh-CN" sz="1600" dirty="0">
+                <a:rPr lang="en-US" altLang="zh-CN" sz="1200" dirty="0">
                   <a:latin typeface="Arial" panose="020B0604020202020204" pitchFamily="34" charset="0"/>
                   <a:cs typeface="Arial" panose="020B0604020202020204" pitchFamily="34" charset="0"/>
                 </a:rPr>
                 <a:t>render</a:t>
               </a:r>
               <a:r>
-                <a:rPr lang="zh-CN" altLang="en-US" sz="1600" dirty="0">
+                <a:rPr lang="zh-CN" altLang="en-US" sz="1200" dirty="0">
                   <a:latin typeface="Arial" panose="020B0604020202020204" pitchFamily="34" charset="0"/>
                   <a:cs typeface="Arial" panose="020B0604020202020204" pitchFamily="34" charset="0"/>
                 </a:rPr>
                 <a:t> </a:t>
               </a:r>
               <a:r>
-                <a:rPr lang="en-US" altLang="zh-CN" sz="1600" dirty="0" err="1">
+                <a:rPr lang="en-US" altLang="zh-CN" sz="1200" dirty="0">
                   <a:latin typeface="Arial" panose="020B0604020202020204" pitchFamily="34" charset="0"/>
                   <a:cs typeface="Arial" panose="020B0604020202020204" pitchFamily="34" charset="0"/>
                 </a:rPr>
-                <a:t>UserProfile</a:t>
-              </a:r>
-              <a:endParaRPr lang="en-US" altLang="zh-CN" sz="1600" dirty="0">
-                <a:latin typeface="Arial" panose="020B0604020202020204" pitchFamily="34" charset="0"/>
-                <a:cs typeface="Arial" panose="020B0604020202020204" pitchFamily="34" charset="0"/>
-              </a:endParaRPr>
-            </a:p>
-            <a:p>
-              <a:r>
-                <a:rPr lang="zh-CN" altLang="en-US" sz="1600" dirty="0">
-                  <a:latin typeface="Arial" panose="020B0604020202020204" pitchFamily="34" charset="0"/>
-                  <a:cs typeface="Arial" panose="020B0604020202020204" pitchFamily="34" charset="0"/>
-                </a:rPr>
-                <a:t>            </a:t>
+                <a:t>a</a:t>
               </a:r>
               <a:r>
-                <a:rPr lang="en-US" altLang="zh-CN" sz="1600" dirty="0">
-                  <a:latin typeface="Arial" panose="020B0604020202020204" pitchFamily="34" charset="0"/>
-                  <a:cs typeface="Arial" panose="020B0604020202020204" pitchFamily="34" charset="0"/>
-                </a:rPr>
-                <a:t>Logout</a:t>
-              </a:r>
-              <a:r>
-                <a:rPr lang="zh-CN" altLang="en-US" sz="1600" dirty="0">
+                <a:rPr lang="zh-CN" altLang="en-US" sz="1200" dirty="0">
                   <a:latin typeface="Arial" panose="020B0604020202020204" pitchFamily="34" charset="0"/>
                   <a:cs typeface="Arial" panose="020B0604020202020204" pitchFamily="34" charset="0"/>
                 </a:rPr>
                 <a:t> </a:t>
               </a:r>
               <a:r>
-                <a:rPr lang="en-US" altLang="zh-CN" sz="1600" dirty="0">
+                <a:rPr lang="en-US" altLang="zh-CN" sz="1200" dirty="0">
                   <a:latin typeface="Arial" panose="020B0604020202020204" pitchFamily="34" charset="0"/>
                   <a:cs typeface="Arial" panose="020B0604020202020204" pitchFamily="34" charset="0"/>
                 </a:rPr>
-                <a:t>button</a:t>
+                <a:t>new</a:t>
               </a:r>
-              <a:endParaRPr lang="en-US" sz="1600" dirty="0">
-                <a:latin typeface="Arial" panose="020B0604020202020204" pitchFamily="34" charset="0"/>
-                <a:cs typeface="Arial" panose="020B0604020202020204" pitchFamily="34" charset="0"/>
-              </a:endParaRPr>
+              <a:r>
+                <a:rPr lang="zh-CN" altLang="en-US" sz="1200" dirty="0">
+                  <a:latin typeface="Arial" panose="020B0604020202020204" pitchFamily="34" charset="0"/>
+                  <a:cs typeface="Arial" panose="020B0604020202020204" pitchFamily="34" charset="0"/>
+                </a:rPr>
+                <a:t> </a:t>
+              </a:r>
+              <a:r>
+                <a:rPr lang="en-US" altLang="zh-CN" sz="1200" dirty="0">
+                  <a:latin typeface="Arial" panose="020B0604020202020204" pitchFamily="34" charset="0"/>
+                  <a:cs typeface="Arial" panose="020B0604020202020204" pitchFamily="34" charset="0"/>
+                </a:rPr>
+                <a:t>QR</a:t>
+              </a:r>
+              <a:r>
+                <a:rPr lang="zh-CN" altLang="en-US" sz="1200" dirty="0">
+                  <a:latin typeface="Arial" panose="020B0604020202020204" pitchFamily="34" charset="0"/>
+                  <a:cs typeface="Arial" panose="020B0604020202020204" pitchFamily="34" charset="0"/>
+                </a:rPr>
+                <a:t> </a:t>
+              </a:r>
+              <a:r>
+                <a:rPr lang="en-US" altLang="zh-CN" sz="1200" dirty="0">
+                  <a:latin typeface="Arial" panose="020B0604020202020204" pitchFamily="34" charset="0"/>
+                  <a:cs typeface="Arial" panose="020B0604020202020204" pitchFamily="34" charset="0"/>
+                </a:rPr>
+                <a:t>code</a:t>
+              </a:r>
             </a:p>
           </p:txBody>
         </p:sp>
@@ -12137,7 +12189,7 @@
         </p:nvGrpSpPr>
         <p:grpSpPr>
           <a:xfrm>
-            <a:off x="9351020" y="6153068"/>
+            <a:off x="9255136" y="6220809"/>
             <a:ext cx="1759907" cy="444674"/>
             <a:chOff x="8353497" y="5481126"/>
             <a:chExt cx="1759907" cy="444674"/>
@@ -12191,7 +12243,7 @@
             <a:lstStyle/>
             <a:p>
               <a:pPr algn="ctr"/>
-              <a:endParaRPr lang="en-US" sz="1600" dirty="0"/>
+              <a:endParaRPr lang="en-US" sz="1200" dirty="0"/>
             </a:p>
           </p:txBody>
         </p:sp>
@@ -12210,7 +12262,7 @@
           <p:spPr>
             <a:xfrm>
               <a:off x="8925513" y="5532411"/>
-              <a:ext cx="615874" cy="338554"/>
+              <a:ext cx="508473" cy="276999"/>
             </a:xfrm>
             <a:prstGeom prst="rect">
               <a:avLst/>
@@ -12224,13 +12276,13 @@
             <a:lstStyle/>
             <a:p>
               <a:r>
-                <a:rPr lang="en-US" altLang="zh-CN" sz="1600" dirty="0">
+                <a:rPr lang="en-US" altLang="zh-CN" sz="1200" dirty="0">
                   <a:latin typeface="Arial" panose="020B0604020202020204" pitchFamily="34" charset="0"/>
                   <a:cs typeface="Arial" panose="020B0604020202020204" pitchFamily="34" charset="0"/>
                 </a:rPr>
                 <a:t>END</a:t>
               </a:r>
-              <a:endParaRPr lang="en-US" sz="1600" dirty="0">
+              <a:endParaRPr lang="en-US" sz="1200" dirty="0">
                 <a:latin typeface="Arial" panose="020B0604020202020204" pitchFamily="34" charset="0"/>
                 <a:cs typeface="Arial" panose="020B0604020202020204" pitchFamily="34" charset="0"/>
               </a:endParaRPr>
@@ -12255,8 +12307,8 @@
         </p:nvCxnSpPr>
         <p:spPr>
           <a:xfrm>
-            <a:off x="10225866" y="1049810"/>
-            <a:ext cx="1" cy="461532"/>
+            <a:off x="10117203" y="572280"/>
+            <a:ext cx="1" cy="215001"/>
           </a:xfrm>
           <a:prstGeom prst="straightConnector1">
             <a:avLst/>
@@ -12292,14 +12344,14 @@
           <p:cNvCxnSpPr>
             <a:cxnSpLocks/>
             <a:stCxn id="7" idx="2"/>
-            <a:endCxn id="36" idx="0"/>
+            <a:endCxn id="55" idx="0"/>
           </p:cNvCxnSpPr>
           <p:nvPr/>
         </p:nvCxnSpPr>
         <p:spPr>
           <a:xfrm>
-            <a:off x="10225867" y="2066075"/>
-            <a:ext cx="0" cy="397677"/>
+            <a:off x="10117204" y="1240208"/>
+            <a:ext cx="2600" cy="237603"/>
           </a:xfrm>
           <a:prstGeom prst="straightConnector1">
             <a:avLst/>
@@ -12341,8 +12393,8 @@
         </p:nvCxnSpPr>
         <p:spPr>
           <a:xfrm>
-            <a:off x="10225867" y="3018485"/>
-            <a:ext cx="2666" cy="398745"/>
+            <a:off x="10123259" y="3051040"/>
+            <a:ext cx="2666" cy="433931"/>
           </a:xfrm>
           <a:prstGeom prst="straightConnector1">
             <a:avLst/>
@@ -12383,9 +12435,9 @@
           <p:nvPr/>
         </p:nvCxnSpPr>
         <p:spPr>
-          <a:xfrm flipH="1">
-            <a:off x="10228531" y="4287789"/>
-            <a:ext cx="2" cy="488204"/>
+          <a:xfrm>
+            <a:off x="10125925" y="4355530"/>
+            <a:ext cx="2441" cy="268509"/>
           </a:xfrm>
           <a:prstGeom prst="straightConnector1">
             <a:avLst/>
@@ -12426,7 +12478,7 @@
         </p:nvCxnSpPr>
         <p:spPr>
           <a:xfrm rot="10800000" flipV="1">
-            <a:off x="7638779" y="3852509"/>
+            <a:off x="7536171" y="3920250"/>
             <a:ext cx="1468675" cy="921483"/>
           </a:xfrm>
           <a:prstGeom prst="bentConnector2">
@@ -12468,8 +12520,8 @@
         </p:nvSpPr>
         <p:spPr>
           <a:xfrm>
-            <a:off x="10198671" y="4310490"/>
-            <a:ext cx="338554" cy="369332"/>
+            <a:off x="10096063" y="4347341"/>
+            <a:ext cx="287258" cy="276999"/>
           </a:xfrm>
           <a:prstGeom prst="rect">
             <a:avLst/>
@@ -12483,13 +12535,13 @@
           <a:lstStyle/>
           <a:p>
             <a:r>
-              <a:rPr lang="en-US" altLang="zh-CN" dirty="0">
+              <a:rPr lang="en-US" altLang="zh-CN" sz="1200" dirty="0">
                 <a:latin typeface="Arial" panose="020B0604020202020204" pitchFamily="34" charset="0"/>
                 <a:cs typeface="Arial" panose="020B0604020202020204" pitchFamily="34" charset="0"/>
               </a:rPr>
               <a:t>Y</a:t>
             </a:r>
-            <a:endParaRPr lang="en-US" dirty="0">
+            <a:endParaRPr lang="en-US" sz="1200" dirty="0">
               <a:latin typeface="Arial" panose="020B0604020202020204" pitchFamily="34" charset="0"/>
               <a:cs typeface="Arial" panose="020B0604020202020204" pitchFamily="34" charset="0"/>
             </a:endParaRPr>
@@ -12510,8 +12562,8 @@
         </p:nvSpPr>
         <p:spPr>
           <a:xfrm>
-            <a:off x="8312583" y="3850508"/>
-            <a:ext cx="351378" cy="369332"/>
+            <a:off x="8209975" y="3918249"/>
+            <a:ext cx="295274" cy="276999"/>
           </a:xfrm>
           <a:prstGeom prst="rect">
             <a:avLst/>
@@ -12525,13 +12577,13 @@
           <a:lstStyle/>
           <a:p>
             <a:r>
-              <a:rPr lang="en-US" altLang="zh-CN" dirty="0">
+              <a:rPr lang="en-US" altLang="zh-CN" sz="1200" dirty="0">
                 <a:latin typeface="Arial" panose="020B0604020202020204" pitchFamily="34" charset="0"/>
                 <a:cs typeface="Arial" panose="020B0604020202020204" pitchFamily="34" charset="0"/>
               </a:rPr>
               <a:t>N</a:t>
             </a:r>
-            <a:endParaRPr lang="en-US" dirty="0">
+            <a:endParaRPr lang="en-US" sz="1200" dirty="0">
               <a:latin typeface="Arial" panose="020B0604020202020204" pitchFamily="34" charset="0"/>
               <a:cs typeface="Arial" panose="020B0604020202020204" pitchFamily="34" charset="0"/>
             </a:endParaRPr>
@@ -12549,15 +12601,15 @@
           </p:cNvPr>
           <p:cNvCxnSpPr>
             <a:cxnSpLocks/>
-            <a:stCxn id="42" idx="2"/>
+            <a:stCxn id="83" idx="2"/>
             <a:endCxn id="46" idx="0"/>
           </p:cNvCxnSpPr>
           <p:nvPr/>
         </p:nvCxnSpPr>
         <p:spPr>
           <a:xfrm>
-            <a:off x="10228531" y="5612253"/>
-            <a:ext cx="2443" cy="540815"/>
+            <a:off x="10128366" y="5756700"/>
+            <a:ext cx="6724" cy="464109"/>
           </a:xfrm>
           <a:prstGeom prst="straightConnector1">
             <a:avLst/>
@@ -12598,7 +12650,7 @@
         </p:nvCxnSpPr>
         <p:spPr>
           <a:xfrm rot="16200000" flipH="1">
-            <a:off x="8654955" y="4312549"/>
+            <a:off x="8552347" y="4380290"/>
             <a:ext cx="554734" cy="2587088"/>
           </a:xfrm>
           <a:prstGeom prst="bentConnector2">
@@ -12640,7 +12692,7 @@
         </p:nvGrpSpPr>
         <p:grpSpPr>
           <a:xfrm>
-            <a:off x="9205092" y="710461"/>
+            <a:off x="9096429" y="268138"/>
             <a:ext cx="2525549" cy="247274"/>
             <a:chOff x="5422802" y="1394635"/>
             <a:chExt cx="2525549" cy="247274"/>
@@ -12687,7 +12739,7 @@
             <a:lstStyle/>
             <a:p>
               <a:pPr algn="ctr"/>
-              <a:endParaRPr lang="en-US"/>
+              <a:endParaRPr lang="en-US" sz="1200"/>
             </a:p>
           </p:txBody>
         </p:sp>
@@ -12733,7 +12785,7 @@
             <a:lstStyle/>
             <a:p>
               <a:pPr algn="ctr"/>
-              <a:endParaRPr lang="en-US"/>
+              <a:endParaRPr lang="en-US" sz="1200"/>
             </a:p>
           </p:txBody>
         </p:sp>
@@ -12752,7 +12804,7 @@
         </p:nvGrpSpPr>
         <p:grpSpPr>
           <a:xfrm>
-            <a:off x="9201113" y="1661745"/>
+            <a:off x="9092450" y="879806"/>
             <a:ext cx="2525549" cy="247274"/>
             <a:chOff x="5422802" y="1394635"/>
             <a:chExt cx="2525549" cy="247274"/>
@@ -12799,7 +12851,7 @@
             <a:lstStyle/>
             <a:p>
               <a:pPr algn="ctr"/>
-              <a:endParaRPr lang="en-US"/>
+              <a:endParaRPr lang="en-US" sz="1200"/>
             </a:p>
           </p:txBody>
         </p:sp>
@@ -12845,7 +12897,7 @@
             <a:lstStyle/>
             <a:p>
               <a:pPr algn="ctr"/>
-              <a:endParaRPr lang="en-US"/>
+              <a:endParaRPr lang="en-US" sz="1200"/>
             </a:p>
           </p:txBody>
         </p:sp>
@@ -12864,7 +12916,7 @@
         </p:nvGrpSpPr>
         <p:grpSpPr>
           <a:xfrm>
-            <a:off x="9189775" y="2594919"/>
+            <a:off x="9087167" y="2716670"/>
             <a:ext cx="2525549" cy="247274"/>
             <a:chOff x="5422802" y="1394635"/>
             <a:chExt cx="2525549" cy="247274"/>
@@ -12911,7 +12963,7 @@
             <a:lstStyle/>
             <a:p>
               <a:pPr algn="ctr"/>
-              <a:endParaRPr lang="en-US"/>
+              <a:endParaRPr lang="en-US" sz="1200"/>
             </a:p>
           </p:txBody>
         </p:sp>
@@ -12957,7 +13009,7 @@
             <a:lstStyle/>
             <a:p>
               <a:pPr algn="ctr"/>
-              <a:endParaRPr lang="en-US"/>
+              <a:endParaRPr lang="en-US" sz="1200"/>
             </a:p>
           </p:txBody>
         </p:sp>
@@ -12976,7 +13028,7 @@
         </p:nvGrpSpPr>
         <p:grpSpPr>
           <a:xfrm>
-            <a:off x="9078540" y="3733057"/>
+            <a:off x="8975932" y="3800798"/>
             <a:ext cx="2818651" cy="247274"/>
             <a:chOff x="9057759" y="3739987"/>
             <a:chExt cx="2818651" cy="247274"/>
@@ -13023,7 +13075,7 @@
             <a:lstStyle/>
             <a:p>
               <a:pPr algn="ctr"/>
-              <a:endParaRPr lang="en-US"/>
+              <a:endParaRPr lang="en-US" sz="1200"/>
             </a:p>
           </p:txBody>
         </p:sp>
@@ -13069,17 +13121,17 @@
             <a:lstStyle/>
             <a:p>
               <a:pPr algn="ctr"/>
-              <a:endParaRPr lang="en-US"/>
+              <a:endParaRPr lang="en-US" sz="1200"/>
             </a:p>
           </p:txBody>
         </p:sp>
       </p:grpSp>
       <p:grpSp>
         <p:nvGrpSpPr>
-          <p:cNvPr id="69" name="Group 68">
-            <a:extLst>
-              <a:ext uri="{FF2B5EF4-FFF2-40B4-BE49-F238E27FC236}">
-                <a16:creationId xmlns:a16="http://schemas.microsoft.com/office/drawing/2014/main" id="{430153C0-9E28-3B49-B56D-46B154D0CECA}"/>
+          <p:cNvPr id="53" name="Group 52">
+            <a:extLst>
+              <a:ext uri="{FF2B5EF4-FFF2-40B4-BE49-F238E27FC236}">
+                <a16:creationId xmlns:a16="http://schemas.microsoft.com/office/drawing/2014/main" id="{2348957E-CB10-6846-874D-66B09376AAFD}"/>
               </a:ext>
             </a:extLst>
           </p:cNvPr>
@@ -13088,10 +13140,10 @@
         </p:nvGrpSpPr>
         <p:grpSpPr>
           <a:xfrm>
-            <a:off x="8834715" y="4920752"/>
-            <a:ext cx="3269805" cy="247274"/>
-            <a:chOff x="2392352" y="5672256"/>
-            <a:chExt cx="3269805" cy="247274"/>
+            <a:off x="9156294" y="4721240"/>
+            <a:ext cx="2452081" cy="247274"/>
+            <a:chOff x="9156294" y="4733596"/>
+            <a:chExt cx="2452081" cy="247274"/>
           </a:xfrm>
         </p:grpSpPr>
         <p:sp>
@@ -13108,8 +13160,8 @@
           </p:nvSpPr>
           <p:spPr>
             <a:xfrm>
-              <a:off x="2392352" y="5672256"/>
-              <a:ext cx="2772978" cy="247274"/>
+              <a:off x="9156294" y="4733596"/>
+              <a:ext cx="1955254" cy="247274"/>
             </a:xfrm>
             <a:prstGeom prst="bracketPair">
               <a:avLst/>
@@ -13135,7 +13187,7 @@
             <a:lstStyle/>
             <a:p>
               <a:pPr algn="ctr"/>
-              <a:endParaRPr lang="en-US"/>
+              <a:endParaRPr lang="en-US" sz="1200"/>
             </a:p>
           </p:txBody>
         </p:sp>
@@ -13153,7 +13205,7 @@
           </p:nvSpPr>
           <p:spPr>
             <a:xfrm>
-              <a:off x="5237588" y="5696474"/>
+              <a:off x="11183806" y="4757814"/>
               <a:ext cx="424569" cy="198838"/>
             </a:xfrm>
             <a:prstGeom prst="leftArrow">
@@ -13181,7 +13233,7 @@
             <a:lstStyle/>
             <a:p>
               <a:pPr algn="ctr"/>
-              <a:endParaRPr lang="en-US"/>
+              <a:endParaRPr lang="en-US" sz="1200"/>
             </a:p>
           </p:txBody>
         </p:sp>
@@ -13200,7 +13252,7 @@
         </p:nvGrpSpPr>
         <p:grpSpPr>
           <a:xfrm>
-            <a:off x="5966317" y="4911922"/>
+            <a:off x="5863709" y="4979663"/>
             <a:ext cx="2832268" cy="239401"/>
             <a:chOff x="5945536" y="4918852"/>
             <a:chExt cx="2832268" cy="239401"/>
@@ -13247,7 +13299,7 @@
             <a:lstStyle/>
             <a:p>
               <a:pPr algn="ctr"/>
-              <a:endParaRPr lang="en-US"/>
+              <a:endParaRPr lang="en-US" sz="1200"/>
             </a:p>
           </p:txBody>
         </p:sp>
@@ -13293,107 +13345,760 @@
             <a:lstStyle/>
             <a:p>
               <a:pPr algn="ctr"/>
-              <a:endParaRPr lang="en-US"/>
+              <a:endParaRPr lang="en-US" sz="1200"/>
             </a:p>
           </p:txBody>
         </p:sp>
       </p:grpSp>
-      <p:pic>
-        <p:nvPicPr>
-          <p:cNvPr id="74" name="Picture 73">
-            <a:extLst>
-              <a:ext uri="{FF2B5EF4-FFF2-40B4-BE49-F238E27FC236}">
-                <a16:creationId xmlns:a16="http://schemas.microsoft.com/office/drawing/2014/main" id="{E371D574-3AFD-494E-83B9-9394446928C4}"/>
-              </a:ext>
-            </a:extLst>
-          </p:cNvPr>
-          <p:cNvPicPr>
-            <a:picLocks noChangeAspect="1"/>
-          </p:cNvPicPr>
+      <p:grpSp>
+        <p:nvGrpSpPr>
+          <p:cNvPr id="54" name="Group 53">
+            <a:extLst>
+              <a:ext uri="{FF2B5EF4-FFF2-40B4-BE49-F238E27FC236}">
+                <a16:creationId xmlns:a16="http://schemas.microsoft.com/office/drawing/2014/main" id="{DB2BAC3F-D817-A343-9653-BF3A4F63F11F}"/>
+              </a:ext>
+            </a:extLst>
+          </p:cNvPr>
+          <p:cNvGrpSpPr/>
           <p:nvPr/>
-        </p:nvPicPr>
-        <p:blipFill rotWithShape="1">
-          <a:blip r:embed="rId2"/>
-          <a:srcRect l="1" r="-158" b="64345"/>
-          <a:stretch/>
-        </p:blipFill>
+        </p:nvGrpSpPr>
+        <p:grpSpPr>
+          <a:xfrm>
+            <a:off x="9071329" y="1477811"/>
+            <a:ext cx="2096949" cy="910594"/>
+            <a:chOff x="8152322" y="3050088"/>
+            <a:chExt cx="2242159" cy="870559"/>
+          </a:xfrm>
+        </p:grpSpPr>
+        <p:sp>
+          <p:nvSpPr>
+            <p:cNvPr id="55" name="Decision 54">
+              <a:extLst>
+                <a:ext uri="{FF2B5EF4-FFF2-40B4-BE49-F238E27FC236}">
+                  <a16:creationId xmlns:a16="http://schemas.microsoft.com/office/drawing/2014/main" id="{0B51A6E3-A246-7A40-BECD-411B176E8F10}"/>
+                </a:ext>
+              </a:extLst>
+            </p:cNvPr>
+            <p:cNvSpPr/>
+            <p:nvPr/>
+          </p:nvSpPr>
+          <p:spPr>
+            <a:xfrm>
+              <a:off x="8152322" y="3050088"/>
+              <a:ext cx="2242159" cy="870559"/>
+            </a:xfrm>
+            <a:prstGeom prst="flowChartDecision">
+              <a:avLst/>
+            </a:prstGeom>
+            <a:noFill/>
+            <a:ln>
+              <a:solidFill>
+                <a:schemeClr val="tx1"/>
+              </a:solidFill>
+            </a:ln>
+          </p:spPr>
+          <p:style>
+            <a:lnRef idx="2">
+              <a:schemeClr val="accent1">
+                <a:shade val="50000"/>
+              </a:schemeClr>
+            </a:lnRef>
+            <a:fillRef idx="1">
+              <a:schemeClr val="accent1"/>
+            </a:fillRef>
+            <a:effectRef idx="0">
+              <a:schemeClr val="accent1"/>
+            </a:effectRef>
+            <a:fontRef idx="minor">
+              <a:schemeClr val="lt1"/>
+            </a:fontRef>
+          </p:style>
+          <p:txBody>
+            <a:bodyPr rtlCol="0" anchor="ctr"/>
+            <a:lstStyle/>
+            <a:p>
+              <a:pPr algn="ctr"/>
+              <a:endParaRPr lang="en-US" sz="1200"/>
+            </a:p>
+          </p:txBody>
+        </p:sp>
+        <p:sp>
+          <p:nvSpPr>
+            <p:cNvPr id="62" name="TextBox 61">
+              <a:extLst>
+                <a:ext uri="{FF2B5EF4-FFF2-40B4-BE49-F238E27FC236}">
+                  <a16:creationId xmlns:a16="http://schemas.microsoft.com/office/drawing/2014/main" id="{CF578357-DA7E-C042-A97B-0555191483DA}"/>
+                </a:ext>
+              </a:extLst>
+            </p:cNvPr>
+            <p:cNvSpPr txBox="1"/>
+            <p:nvPr/>
+          </p:nvSpPr>
+          <p:spPr>
+            <a:xfrm>
+              <a:off x="8469931" y="3263548"/>
+              <a:ext cx="1582484" cy="346924"/>
+            </a:xfrm>
+            <a:prstGeom prst="rect">
+              <a:avLst/>
+            </a:prstGeom>
+            <a:noFill/>
+          </p:spPr>
+          <p:txBody>
+            <a:bodyPr wrap="none" rtlCol="0">
+              <a:spAutoFit/>
+            </a:bodyPr>
+            <a:lstStyle/>
+            <a:p>
+              <a:pPr algn="ctr"/>
+              <a:r>
+                <a:rPr lang="en-US" altLang="zh-CN" sz="1200" dirty="0">
+                  <a:latin typeface="Arial" panose="020B0604020202020204" pitchFamily="34" charset="0"/>
+                  <a:cs typeface="Arial" panose="020B0604020202020204" pitchFamily="34" charset="0"/>
+                </a:rPr>
+                <a:t>button</a:t>
+              </a:r>
+              <a:r>
+                <a:rPr lang="zh-CN" altLang="en-US" sz="1200" dirty="0">
+                  <a:latin typeface="Arial" panose="020B0604020202020204" pitchFamily="34" charset="0"/>
+                  <a:cs typeface="Arial" panose="020B0604020202020204" pitchFamily="34" charset="0"/>
+                </a:rPr>
+                <a:t> </a:t>
+              </a:r>
+              <a:r>
+                <a:rPr lang="en-US" altLang="zh-CN" sz="1200" dirty="0">
+                  <a:latin typeface="Arial" panose="020B0604020202020204" pitchFamily="34" charset="0"/>
+                  <a:cs typeface="Arial" panose="020B0604020202020204" pitchFamily="34" charset="0"/>
+                </a:rPr>
+                <a:t>clicked</a:t>
+              </a:r>
+            </a:p>
+            <a:p>
+              <a:pPr algn="ctr"/>
+              <a:r>
+                <a:rPr lang="en-US" altLang="zh-CN" sz="1200" dirty="0">
+                  <a:latin typeface="Arial" panose="020B0604020202020204" pitchFamily="34" charset="0"/>
+                  <a:cs typeface="Arial" panose="020B0604020202020204" pitchFamily="34" charset="0"/>
+                </a:rPr>
+                <a:t>no</a:t>
+              </a:r>
+              <a:r>
+                <a:rPr lang="zh-CN" altLang="en-US" sz="1200" dirty="0">
+                  <a:latin typeface="Arial" panose="020B0604020202020204" pitchFamily="34" charset="0"/>
+                  <a:cs typeface="Arial" panose="020B0604020202020204" pitchFamily="34" charset="0"/>
+                </a:rPr>
+                <a:t> </a:t>
+              </a:r>
+              <a:r>
+                <a:rPr lang="en-US" altLang="zh-CN" sz="1200" dirty="0">
+                  <a:latin typeface="Arial" panose="020B0604020202020204" pitchFamily="34" charset="0"/>
+                  <a:cs typeface="Arial" panose="020B0604020202020204" pitchFamily="34" charset="0"/>
+                </a:rPr>
+                <a:t>option</a:t>
+              </a:r>
+              <a:r>
+                <a:rPr lang="zh-CN" altLang="en-US" sz="1200" dirty="0">
+                  <a:latin typeface="Arial" panose="020B0604020202020204" pitchFamily="34" charset="0"/>
+                  <a:cs typeface="Arial" panose="020B0604020202020204" pitchFamily="34" charset="0"/>
+                </a:rPr>
+                <a:t> </a:t>
+              </a:r>
+              <a:r>
+                <a:rPr lang="en-US" altLang="zh-CN" sz="1200" dirty="0">
+                  <a:latin typeface="Arial" panose="020B0604020202020204" pitchFamily="34" charset="0"/>
+                  <a:cs typeface="Arial" panose="020B0604020202020204" pitchFamily="34" charset="0"/>
+                </a:rPr>
+                <a:t>is</a:t>
+              </a:r>
+              <a:r>
+                <a:rPr lang="zh-CN" altLang="en-US" sz="1200" dirty="0">
+                  <a:latin typeface="Arial" panose="020B0604020202020204" pitchFamily="34" charset="0"/>
+                  <a:cs typeface="Arial" panose="020B0604020202020204" pitchFamily="34" charset="0"/>
+                </a:rPr>
+                <a:t> </a:t>
+              </a:r>
+              <a:r>
+                <a:rPr lang="en-US" altLang="zh-CN" sz="1200" dirty="0">
+                  <a:latin typeface="Arial" panose="020B0604020202020204" pitchFamily="34" charset="0"/>
+                  <a:cs typeface="Arial" panose="020B0604020202020204" pitchFamily="34" charset="0"/>
+                </a:rPr>
+                <a:t>selected</a:t>
+              </a:r>
+              <a:endParaRPr lang="en-US" sz="1200" dirty="0">
+                <a:latin typeface="Arial" panose="020B0604020202020204" pitchFamily="34" charset="0"/>
+                <a:cs typeface="Arial" panose="020B0604020202020204" pitchFamily="34" charset="0"/>
+              </a:endParaRPr>
+            </a:p>
+          </p:txBody>
+        </p:sp>
+      </p:grpSp>
+      <p:grpSp>
+        <p:nvGrpSpPr>
+          <p:cNvPr id="66" name="Group 65">
+            <a:extLst>
+              <a:ext uri="{FF2B5EF4-FFF2-40B4-BE49-F238E27FC236}">
+                <a16:creationId xmlns:a16="http://schemas.microsoft.com/office/drawing/2014/main" id="{A7291B01-A438-2642-92BD-398E22B7FB4A}"/>
+              </a:ext>
+            </a:extLst>
+          </p:cNvPr>
+          <p:cNvGrpSpPr/>
+          <p:nvPr/>
+        </p:nvGrpSpPr>
+        <p:grpSpPr>
+          <a:xfrm>
+            <a:off x="8974565" y="1812031"/>
+            <a:ext cx="2818651" cy="247274"/>
+            <a:chOff x="9057759" y="3739987"/>
+            <a:chExt cx="2818651" cy="247274"/>
+          </a:xfrm>
+        </p:grpSpPr>
+        <p:sp>
+          <p:nvSpPr>
+            <p:cNvPr id="70" name="Double Bracket 69">
+              <a:extLst>
+                <a:ext uri="{FF2B5EF4-FFF2-40B4-BE49-F238E27FC236}">
+                  <a16:creationId xmlns:a16="http://schemas.microsoft.com/office/drawing/2014/main" id="{45025543-E712-BB42-9A51-CBD24E2B65BB}"/>
+                </a:ext>
+              </a:extLst>
+            </p:cNvPr>
+            <p:cNvSpPr/>
+            <p:nvPr/>
+          </p:nvSpPr>
+          <p:spPr>
+            <a:xfrm>
+              <a:off x="9057759" y="3739987"/>
+              <a:ext cx="2321823" cy="247274"/>
+            </a:xfrm>
+            <a:prstGeom prst="bracketPair">
+              <a:avLst/>
+            </a:prstGeom>
+            <a:ln w="38100"/>
+          </p:spPr>
+          <p:style>
+            <a:lnRef idx="2">
+              <a:schemeClr val="accent2"/>
+            </a:lnRef>
+            <a:fillRef idx="0">
+              <a:schemeClr val="accent2"/>
+            </a:fillRef>
+            <a:effectRef idx="1">
+              <a:schemeClr val="accent2"/>
+            </a:effectRef>
+            <a:fontRef idx="minor">
+              <a:schemeClr val="tx1"/>
+            </a:fontRef>
+          </p:style>
+          <p:txBody>
+            <a:bodyPr rtlCol="0" anchor="ctr"/>
+            <a:lstStyle/>
+            <a:p>
+              <a:pPr algn="ctr"/>
+              <a:endParaRPr lang="en-US" sz="1200"/>
+            </a:p>
+          </p:txBody>
+        </p:sp>
+        <p:sp>
+          <p:nvSpPr>
+            <p:cNvPr id="76" name="Left Arrow 75">
+              <a:extLst>
+                <a:ext uri="{FF2B5EF4-FFF2-40B4-BE49-F238E27FC236}">
+                  <a16:creationId xmlns:a16="http://schemas.microsoft.com/office/drawing/2014/main" id="{8D0BF5CC-989F-134C-90CE-D11A9E7CFF8A}"/>
+                </a:ext>
+              </a:extLst>
+            </p:cNvPr>
+            <p:cNvSpPr/>
+            <p:nvPr/>
+          </p:nvSpPr>
+          <p:spPr>
+            <a:xfrm>
+              <a:off x="11451841" y="3764205"/>
+              <a:ext cx="424569" cy="198838"/>
+            </a:xfrm>
+            <a:prstGeom prst="leftArrow">
+              <a:avLst/>
+            </a:prstGeom>
+          </p:spPr>
+          <p:style>
+            <a:lnRef idx="2">
+              <a:schemeClr val="accent2">
+                <a:shade val="50000"/>
+              </a:schemeClr>
+            </a:lnRef>
+            <a:fillRef idx="1">
+              <a:schemeClr val="accent2"/>
+            </a:fillRef>
+            <a:effectRef idx="0">
+              <a:schemeClr val="accent2"/>
+            </a:effectRef>
+            <a:fontRef idx="minor">
+              <a:schemeClr val="lt1"/>
+            </a:fontRef>
+          </p:style>
+          <p:txBody>
+            <a:bodyPr rtlCol="0" anchor="ctr"/>
+            <a:lstStyle/>
+            <a:p>
+              <a:pPr algn="ctr"/>
+              <a:endParaRPr lang="en-US" sz="1200"/>
+            </a:p>
+          </p:txBody>
+        </p:sp>
+      </p:grpSp>
+      <p:cxnSp>
+        <p:nvCxnSpPr>
+          <p:cNvPr id="78" name="Straight Arrow Connector 77">
+            <a:extLst>
+              <a:ext uri="{FF2B5EF4-FFF2-40B4-BE49-F238E27FC236}">
+                <a16:creationId xmlns:a16="http://schemas.microsoft.com/office/drawing/2014/main" id="{DE81EDE1-2250-C24E-90F2-25CEFECA4172}"/>
+              </a:ext>
+            </a:extLst>
+          </p:cNvPr>
+          <p:cNvCxnSpPr>
+            <a:cxnSpLocks/>
+            <a:stCxn id="55" idx="2"/>
+            <a:endCxn id="36" idx="0"/>
+          </p:cNvCxnSpPr>
+          <p:nvPr/>
+        </p:nvCxnSpPr>
         <p:spPr>
           <a:xfrm>
-            <a:off x="644665" y="2768021"/>
-            <a:ext cx="4474586" cy="1719427"/>
+            <a:off x="10119804" y="2388405"/>
+            <a:ext cx="3455" cy="245545"/>
+          </a:xfrm>
+          <a:prstGeom prst="straightConnector1">
+            <a:avLst/>
+          </a:prstGeom>
+          <a:ln>
+            <a:tailEnd type="triangle"/>
+          </a:ln>
+        </p:spPr>
+        <p:style>
+          <a:lnRef idx="1">
+            <a:schemeClr val="dk1"/>
+          </a:lnRef>
+          <a:fillRef idx="0">
+            <a:schemeClr val="dk1"/>
+          </a:fillRef>
+          <a:effectRef idx="0">
+            <a:schemeClr val="dk1"/>
+          </a:effectRef>
+          <a:fontRef idx="minor">
+            <a:schemeClr val="tx1"/>
+          </a:fontRef>
+        </p:style>
+      </p:cxnSp>
+      <p:cxnSp>
+        <p:nvCxnSpPr>
+          <p:cNvPr id="79" name="Elbow Connector 78">
+            <a:extLst>
+              <a:ext uri="{FF2B5EF4-FFF2-40B4-BE49-F238E27FC236}">
+                <a16:creationId xmlns:a16="http://schemas.microsoft.com/office/drawing/2014/main" id="{33EE9902-831F-2B4B-A6CB-1D24F6A9344D}"/>
+              </a:ext>
+            </a:extLst>
+          </p:cNvPr>
+          <p:cNvCxnSpPr>
+            <a:cxnSpLocks/>
+            <a:stCxn id="55" idx="1"/>
+          </p:cNvCxnSpPr>
+          <p:nvPr/>
+        </p:nvCxnSpPr>
+        <p:spPr>
+          <a:xfrm rot="10800000" flipH="1" flipV="1">
+            <a:off x="9071328" y="1933107"/>
+            <a:ext cx="1053263" cy="1316369"/>
+          </a:xfrm>
+          <a:prstGeom prst="bentConnector4">
+            <a:avLst>
+              <a:gd name="adj1" fmla="val -21704"/>
+              <a:gd name="adj2" fmla="val 100148"/>
+            </a:avLst>
+          </a:prstGeom>
+          <a:ln>
+            <a:solidFill>
+              <a:schemeClr val="tx1"/>
+            </a:solidFill>
+            <a:tailEnd type="triangle"/>
+          </a:ln>
+        </p:spPr>
+        <p:style>
+          <a:lnRef idx="1">
+            <a:schemeClr val="accent1"/>
+          </a:lnRef>
+          <a:fillRef idx="0">
+            <a:schemeClr val="accent1"/>
+          </a:fillRef>
+          <a:effectRef idx="0">
+            <a:schemeClr val="accent1"/>
+          </a:effectRef>
+          <a:fontRef idx="minor">
+            <a:schemeClr val="tx1"/>
+          </a:fontRef>
+        </p:style>
+      </p:cxnSp>
+      <p:sp>
+        <p:nvSpPr>
+          <p:cNvPr id="80" name="TextBox 79">
+            <a:extLst>
+              <a:ext uri="{FF2B5EF4-FFF2-40B4-BE49-F238E27FC236}">
+                <a16:creationId xmlns:a16="http://schemas.microsoft.com/office/drawing/2014/main" id="{5FFFF5C9-8BC5-1342-AAC4-4CAF5CDDFBF8}"/>
+              </a:ext>
+            </a:extLst>
+          </p:cNvPr>
+          <p:cNvSpPr txBox="1"/>
+          <p:nvPr/>
+        </p:nvSpPr>
+        <p:spPr>
+          <a:xfrm>
+            <a:off x="10090007" y="2368680"/>
+            <a:ext cx="287258" cy="276999"/>
           </a:xfrm>
           <a:prstGeom prst="rect">
             <a:avLst/>
           </a:prstGeom>
-          <a:effectLst>
-            <a:outerShdw blurRad="50800" dist="38100" dir="2700000" algn="tl" rotWithShape="0">
-              <a:prstClr val="black">
-                <a:alpha val="40000"/>
-              </a:prstClr>
-            </a:outerShdw>
-          </a:effectLst>
+          <a:noFill/>
         </p:spPr>
-      </p:pic>
-      <p:pic>
-        <p:nvPicPr>
-          <p:cNvPr id="75" name="Picture 74">
-            <a:extLst>
-              <a:ext uri="{FF2B5EF4-FFF2-40B4-BE49-F238E27FC236}">
-                <a16:creationId xmlns:a16="http://schemas.microsoft.com/office/drawing/2014/main" id="{85ECA55F-79AF-384D-ADD5-AD18DE77200F}"/>
-              </a:ext>
-            </a:extLst>
-          </p:cNvPr>
-          <p:cNvPicPr>
-            <a:picLocks noChangeAspect="1"/>
-          </p:cNvPicPr>
+        <p:txBody>
+          <a:bodyPr wrap="none" rtlCol="0">
+            <a:spAutoFit/>
+          </a:bodyPr>
+          <a:lstStyle/>
+          <a:p>
+            <a:r>
+              <a:rPr lang="en-US" altLang="zh-CN" sz="1200" dirty="0">
+                <a:latin typeface="Arial" panose="020B0604020202020204" pitchFamily="34" charset="0"/>
+                <a:cs typeface="Arial" panose="020B0604020202020204" pitchFamily="34" charset="0"/>
+              </a:rPr>
+              <a:t>Y</a:t>
+            </a:r>
+            <a:endParaRPr lang="en-US" sz="1200" dirty="0">
+              <a:latin typeface="Arial" panose="020B0604020202020204" pitchFamily="34" charset="0"/>
+              <a:cs typeface="Arial" panose="020B0604020202020204" pitchFamily="34" charset="0"/>
+            </a:endParaRPr>
+          </a:p>
+        </p:txBody>
+      </p:sp>
+      <p:sp>
+        <p:nvSpPr>
+          <p:cNvPr id="81" name="TextBox 80">
+            <a:extLst>
+              <a:ext uri="{FF2B5EF4-FFF2-40B4-BE49-F238E27FC236}">
+                <a16:creationId xmlns:a16="http://schemas.microsoft.com/office/drawing/2014/main" id="{10E49FA8-164E-4E4A-9CC5-49626F656FBE}"/>
+              </a:ext>
+            </a:extLst>
+          </p:cNvPr>
+          <p:cNvSpPr txBox="1"/>
           <p:nvPr/>
-        </p:nvPicPr>
-        <p:blipFill>
-          <a:blip r:embed="rId3"/>
-          <a:stretch>
-            <a:fillRect/>
-          </a:stretch>
-        </p:blipFill>
+        </p:nvSpPr>
         <p:spPr>
           <a:xfrm>
-            <a:off x="1522403" y="2862121"/>
-            <a:ext cx="2576810" cy="1527843"/>
+            <a:off x="8548340" y="2310621"/>
+            <a:ext cx="295274" cy="276999"/>
           </a:xfrm>
           <a:prstGeom prst="rect">
             <a:avLst/>
           </a:prstGeom>
+          <a:noFill/>
         </p:spPr>
-      </p:pic>
-      <p:pic>
-        <p:nvPicPr>
-          <p:cNvPr id="77" name="Picture 76">
-            <a:extLst>
-              <a:ext uri="{FF2B5EF4-FFF2-40B4-BE49-F238E27FC236}">
-                <a16:creationId xmlns:a16="http://schemas.microsoft.com/office/drawing/2014/main" id="{6DB01C0A-E47B-3D40-BE0C-8D4FF8AE3D85}"/>
-              </a:ext>
-            </a:extLst>
-          </p:cNvPr>
-          <p:cNvPicPr>
-            <a:picLocks noChangeAspect="1"/>
-          </p:cNvPicPr>
+        <p:txBody>
+          <a:bodyPr wrap="none" rtlCol="0">
+            <a:spAutoFit/>
+          </a:bodyPr>
+          <a:lstStyle/>
+          <a:p>
+            <a:r>
+              <a:rPr lang="en-US" altLang="zh-CN" sz="1200" dirty="0">
+                <a:latin typeface="Arial" panose="020B0604020202020204" pitchFamily="34" charset="0"/>
+                <a:cs typeface="Arial" panose="020B0604020202020204" pitchFamily="34" charset="0"/>
+              </a:rPr>
+              <a:t>N</a:t>
+            </a:r>
+            <a:endParaRPr lang="en-US" sz="1200" dirty="0">
+              <a:latin typeface="Arial" panose="020B0604020202020204" pitchFamily="34" charset="0"/>
+              <a:cs typeface="Arial" panose="020B0604020202020204" pitchFamily="34" charset="0"/>
+            </a:endParaRPr>
+          </a:p>
+        </p:txBody>
+      </p:sp>
+      <p:grpSp>
+        <p:nvGrpSpPr>
+          <p:cNvPr id="82" name="Group 81">
+            <a:extLst>
+              <a:ext uri="{FF2B5EF4-FFF2-40B4-BE49-F238E27FC236}">
+                <a16:creationId xmlns:a16="http://schemas.microsoft.com/office/drawing/2014/main" id="{FA57F273-8A60-474F-911D-D54251453B35}"/>
+              </a:ext>
+            </a:extLst>
+          </p:cNvPr>
+          <p:cNvGrpSpPr/>
           <p:nvPr/>
-        </p:nvPicPr>
-        <p:blipFill>
-          <a:blip r:embed="rId4"/>
-          <a:stretch>
-            <a:fillRect/>
-          </a:stretch>
-        </p:blipFill>
+        </p:nvGrpSpPr>
+        <p:grpSpPr>
+          <a:xfrm>
+            <a:off x="9248414" y="5312343"/>
+            <a:ext cx="1759904" cy="444357"/>
+            <a:chOff x="7987001" y="4408851"/>
+            <a:chExt cx="2530491" cy="836260"/>
+          </a:xfrm>
+        </p:grpSpPr>
+        <p:sp>
+          <p:nvSpPr>
+            <p:cNvPr id="83" name="Process 82">
+              <a:extLst>
+                <a:ext uri="{FF2B5EF4-FFF2-40B4-BE49-F238E27FC236}">
+                  <a16:creationId xmlns:a16="http://schemas.microsoft.com/office/drawing/2014/main" id="{99B1CB5F-EB29-4B46-83ED-528C6CE8819E}"/>
+                </a:ext>
+              </a:extLst>
+            </p:cNvPr>
+            <p:cNvSpPr/>
+            <p:nvPr/>
+          </p:nvSpPr>
+          <p:spPr>
+            <a:xfrm>
+              <a:off x="7987001" y="4408851"/>
+              <a:ext cx="2530491" cy="836260"/>
+            </a:xfrm>
+            <a:prstGeom prst="flowChartProcess">
+              <a:avLst/>
+            </a:prstGeom>
+            <a:noFill/>
+            <a:ln>
+              <a:solidFill>
+                <a:schemeClr val="tx1"/>
+              </a:solidFill>
+            </a:ln>
+          </p:spPr>
+          <p:style>
+            <a:lnRef idx="2">
+              <a:schemeClr val="accent1">
+                <a:shade val="50000"/>
+              </a:schemeClr>
+            </a:lnRef>
+            <a:fillRef idx="1">
+              <a:schemeClr val="accent1"/>
+            </a:fillRef>
+            <a:effectRef idx="0">
+              <a:schemeClr val="accent1"/>
+            </a:effectRef>
+            <a:fontRef idx="minor">
+              <a:schemeClr val="lt1"/>
+            </a:fontRef>
+          </p:style>
+          <p:txBody>
+            <a:bodyPr rtlCol="0" anchor="ctr"/>
+            <a:lstStyle/>
+            <a:p>
+              <a:pPr algn="ctr"/>
+              <a:endParaRPr lang="en-US" sz="1200"/>
+            </a:p>
+          </p:txBody>
+        </p:sp>
+        <p:sp>
+          <p:nvSpPr>
+            <p:cNvPr id="84" name="TextBox 83">
+              <a:extLst>
+                <a:ext uri="{FF2B5EF4-FFF2-40B4-BE49-F238E27FC236}">
+                  <a16:creationId xmlns:a16="http://schemas.microsoft.com/office/drawing/2014/main" id="{1D152ED8-7E9F-AF44-903D-5F32C23F75FC}"/>
+                </a:ext>
+              </a:extLst>
+            </p:cNvPr>
+            <p:cNvSpPr txBox="1"/>
+            <p:nvPr/>
+          </p:nvSpPr>
+          <p:spPr>
+            <a:xfrm>
+              <a:off x="8419891" y="4577858"/>
+              <a:ext cx="1707015" cy="431804"/>
+            </a:xfrm>
+            <a:prstGeom prst="rect">
+              <a:avLst/>
+            </a:prstGeom>
+            <a:noFill/>
+          </p:spPr>
+          <p:txBody>
+            <a:bodyPr wrap="none" rtlCol="0">
+              <a:spAutoFit/>
+            </a:bodyPr>
+            <a:lstStyle/>
+            <a:p>
+              <a:r>
+                <a:rPr lang="en-US" altLang="zh-CN" sz="1200" dirty="0">
+                  <a:latin typeface="Arial" panose="020B0604020202020204" pitchFamily="34" charset="0"/>
+                  <a:cs typeface="Arial" panose="020B0604020202020204" pitchFamily="34" charset="0"/>
+                </a:rPr>
+                <a:t>show</a:t>
+              </a:r>
+              <a:r>
+                <a:rPr lang="zh-CN" altLang="en-US" sz="1200" dirty="0">
+                  <a:latin typeface="Arial" panose="020B0604020202020204" pitchFamily="34" charset="0"/>
+                  <a:cs typeface="Arial" panose="020B0604020202020204" pitchFamily="34" charset="0"/>
+                </a:rPr>
+                <a:t> </a:t>
+              </a:r>
+              <a:r>
+                <a:rPr lang="en-US" altLang="zh-CN" sz="1200" dirty="0">
+                  <a:latin typeface="Arial" panose="020B0604020202020204" pitchFamily="34" charset="0"/>
+                  <a:cs typeface="Arial" panose="020B0604020202020204" pitchFamily="34" charset="0"/>
+                </a:rPr>
+                <a:t>message</a:t>
+              </a:r>
+            </a:p>
+          </p:txBody>
+        </p:sp>
+      </p:grpSp>
+      <p:cxnSp>
+        <p:nvCxnSpPr>
+          <p:cNvPr id="85" name="Straight Arrow Connector 84">
+            <a:extLst>
+              <a:ext uri="{FF2B5EF4-FFF2-40B4-BE49-F238E27FC236}">
+                <a16:creationId xmlns:a16="http://schemas.microsoft.com/office/drawing/2014/main" id="{EA58DA3E-EE5B-CE4A-9E3D-D36B6BDEE46B}"/>
+              </a:ext>
+            </a:extLst>
+          </p:cNvPr>
+          <p:cNvCxnSpPr>
+            <a:cxnSpLocks/>
+            <a:stCxn id="42" idx="2"/>
+            <a:endCxn id="83" idx="0"/>
+          </p:cNvCxnSpPr>
+          <p:nvPr/>
+        </p:nvCxnSpPr>
         <p:spPr>
           <a:xfrm>
-            <a:off x="1522403" y="3743103"/>
-            <a:ext cx="2576810" cy="708429"/>
+            <a:off x="10128366" y="5067449"/>
+            <a:ext cx="0" cy="244894"/>
           </a:xfrm>
-          <a:prstGeom prst="rect">
+          <a:prstGeom prst="straightConnector1">
             <a:avLst/>
           </a:prstGeom>
+          <a:ln>
+            <a:tailEnd type="triangle"/>
+          </a:ln>
         </p:spPr>
-      </p:pic>
+        <p:style>
+          <a:lnRef idx="1">
+            <a:schemeClr val="dk1"/>
+          </a:lnRef>
+          <a:fillRef idx="0">
+            <a:schemeClr val="dk1"/>
+          </a:fillRef>
+          <a:effectRef idx="0">
+            <a:schemeClr val="dk1"/>
+          </a:effectRef>
+          <a:fontRef idx="minor">
+            <a:schemeClr val="tx1"/>
+          </a:fontRef>
+        </p:style>
+      </p:cxnSp>
+      <p:grpSp>
+        <p:nvGrpSpPr>
+          <p:cNvPr id="86" name="Group 85">
+            <a:extLst>
+              <a:ext uri="{FF2B5EF4-FFF2-40B4-BE49-F238E27FC236}">
+                <a16:creationId xmlns:a16="http://schemas.microsoft.com/office/drawing/2014/main" id="{5CBDECA1-FE9C-5446-8969-110789C86340}"/>
+              </a:ext>
+            </a:extLst>
+          </p:cNvPr>
+          <p:cNvGrpSpPr/>
+          <p:nvPr/>
+        </p:nvGrpSpPr>
+        <p:grpSpPr>
+          <a:xfrm>
+            <a:off x="9149878" y="5403033"/>
+            <a:ext cx="2452081" cy="247274"/>
+            <a:chOff x="9156294" y="4733596"/>
+            <a:chExt cx="2452081" cy="247274"/>
+          </a:xfrm>
+        </p:grpSpPr>
+        <p:sp>
+          <p:nvSpPr>
+            <p:cNvPr id="87" name="Double Bracket 86">
+              <a:extLst>
+                <a:ext uri="{FF2B5EF4-FFF2-40B4-BE49-F238E27FC236}">
+                  <a16:creationId xmlns:a16="http://schemas.microsoft.com/office/drawing/2014/main" id="{15F043FB-5383-024D-85B0-D68604C874F2}"/>
+                </a:ext>
+              </a:extLst>
+            </p:cNvPr>
+            <p:cNvSpPr/>
+            <p:nvPr/>
+          </p:nvSpPr>
+          <p:spPr>
+            <a:xfrm>
+              <a:off x="9156294" y="4733596"/>
+              <a:ext cx="1955254" cy="247274"/>
+            </a:xfrm>
+            <a:prstGeom prst="bracketPair">
+              <a:avLst/>
+            </a:prstGeom>
+            <a:ln w="38100"/>
+          </p:spPr>
+          <p:style>
+            <a:lnRef idx="2">
+              <a:schemeClr val="accent2"/>
+            </a:lnRef>
+            <a:fillRef idx="0">
+              <a:schemeClr val="accent2"/>
+            </a:fillRef>
+            <a:effectRef idx="1">
+              <a:schemeClr val="accent2"/>
+            </a:effectRef>
+            <a:fontRef idx="minor">
+              <a:schemeClr val="tx1"/>
+            </a:fontRef>
+          </p:style>
+          <p:txBody>
+            <a:bodyPr rtlCol="0" anchor="ctr"/>
+            <a:lstStyle/>
+            <a:p>
+              <a:pPr algn="ctr"/>
+              <a:endParaRPr lang="en-US" sz="1200"/>
+            </a:p>
+          </p:txBody>
+        </p:sp>
+        <p:sp>
+          <p:nvSpPr>
+            <p:cNvPr id="88" name="Left Arrow 87">
+              <a:extLst>
+                <a:ext uri="{FF2B5EF4-FFF2-40B4-BE49-F238E27FC236}">
+                  <a16:creationId xmlns:a16="http://schemas.microsoft.com/office/drawing/2014/main" id="{2C5080E0-6A89-AE40-A33C-02481D0292A0}"/>
+                </a:ext>
+              </a:extLst>
+            </p:cNvPr>
+            <p:cNvSpPr/>
+            <p:nvPr/>
+          </p:nvSpPr>
+          <p:spPr>
+            <a:xfrm>
+              <a:off x="11183806" y="4757814"/>
+              <a:ext cx="424569" cy="198838"/>
+            </a:xfrm>
+            <a:prstGeom prst="leftArrow">
+              <a:avLst/>
+            </a:prstGeom>
+          </p:spPr>
+          <p:style>
+            <a:lnRef idx="2">
+              <a:schemeClr val="accent2">
+                <a:shade val="50000"/>
+              </a:schemeClr>
+            </a:lnRef>
+            <a:fillRef idx="1">
+              <a:schemeClr val="accent2"/>
+            </a:fillRef>
+            <a:effectRef idx="0">
+              <a:schemeClr val="accent2"/>
+            </a:effectRef>
+            <a:fontRef idx="minor">
+              <a:schemeClr val="lt1"/>
+            </a:fontRef>
+          </p:style>
+          <p:txBody>
+            <a:bodyPr rtlCol="0" anchor="ctr"/>
+            <a:lstStyle/>
+            <a:p>
+              <a:pPr algn="ctr"/>
+              <a:endParaRPr lang="en-US" sz="1200"/>
+            </a:p>
+          </p:txBody>
+        </p:sp>
+      </p:grpSp>
     </p:spTree>
     <p:extLst>
       <p:ext uri="{BB962C8B-B14F-4D97-AF65-F5344CB8AC3E}">
@@ -13576,7 +14281,7 @@
                             </p:stCondLst>
                             <p:childTnLst>
                               <p:par>
-                                <p:cTn id="19" presetID="1" presetClass="entr" presetSubtype="0" fill="hold" nodeType="clickEffect">
+                                <p:cTn id="19" presetID="1" presetClass="exit" presetSubtype="0" fill="hold" nodeType="clickEffect">
                                   <p:stCondLst>
                                     <p:cond delay="0"/>
                                   </p:stCondLst>
@@ -13584,51 +14289,6 @@
                                     <p:set>
                                       <p:cBhvr>
                                         <p:cTn id="20" dur="1" fill="hold">
-                                          <p:stCondLst>
-                                            <p:cond delay="0"/>
-                                          </p:stCondLst>
-                                        </p:cTn>
-                                        <p:tgtEl>
-                                          <p:spTgt spid="74"/>
-                                        </p:tgtEl>
-                                        <p:attrNameLst>
-                                          <p:attrName>style.visibility</p:attrName>
-                                        </p:attrNameLst>
-                                      </p:cBhvr>
-                                      <p:to>
-                                        <p:strVal val="visible"/>
-                                      </p:to>
-                                    </p:set>
-                                  </p:childTnLst>
-                                </p:cTn>
-                              </p:par>
-                            </p:childTnLst>
-                          </p:cTn>
-                        </p:par>
-                      </p:childTnLst>
-                    </p:cTn>
-                  </p:par>
-                  <p:par>
-                    <p:cTn id="21" fill="hold">
-                      <p:stCondLst>
-                        <p:cond delay="indefinite"/>
-                      </p:stCondLst>
-                      <p:childTnLst>
-                        <p:par>
-                          <p:cTn id="22" fill="hold">
-                            <p:stCondLst>
-                              <p:cond delay="0"/>
-                            </p:stCondLst>
-                            <p:childTnLst>
-                              <p:par>
-                                <p:cTn id="23" presetID="1" presetClass="exit" presetSubtype="0" fill="hold" nodeType="clickEffect">
-                                  <p:stCondLst>
-                                    <p:cond delay="0"/>
-                                  </p:stCondLst>
-                                  <p:childTnLst>
-                                    <p:set>
-                                      <p:cBhvr>
-                                        <p:cTn id="24" dur="1" fill="hold">
                                           <p:stCondLst>
                                             <p:cond delay="0"/>
                                           </p:stCondLst>
@@ -13654,26 +14314,26 @@
                     </p:cTn>
                   </p:par>
                   <p:par>
-                    <p:cTn id="25" fill="hold">
+                    <p:cTn id="21" fill="hold">
                       <p:stCondLst>
                         <p:cond delay="indefinite"/>
                       </p:stCondLst>
                       <p:childTnLst>
                         <p:par>
-                          <p:cTn id="26" fill="hold">
+                          <p:cTn id="22" fill="hold">
                             <p:stCondLst>
                               <p:cond delay="0"/>
                             </p:stCondLst>
                             <p:childTnLst>
                               <p:par>
-                                <p:cTn id="27" presetID="3" presetClass="entr" presetSubtype="10" fill="hold" nodeType="clickEffect">
+                                <p:cTn id="23" presetID="3" presetClass="entr" presetSubtype="10" fill="hold" nodeType="clickEffect">
                                   <p:stCondLst>
                                     <p:cond delay="0"/>
                                   </p:stCondLst>
                                   <p:childTnLst>
                                     <p:set>
                                       <p:cBhvr>
-                                        <p:cTn id="28" dur="1" fill="hold">
+                                        <p:cTn id="24" dur="1" fill="hold">
                                           <p:stCondLst>
                                             <p:cond delay="0"/>
                                           </p:stCondLst>
@@ -13691,7 +14351,7 @@
                                     </p:set>
                                     <p:animEffect transition="in" filter="blinds(horizontal)">
                                       <p:cBhvr>
-                                        <p:cTn id="29" dur="500"/>
+                                        <p:cTn id="25" dur="500"/>
                                         <p:tgtEl>
                                           <p:spTgt spid="59"/>
                                         </p:tgtEl>
@@ -13707,26 +14367,26 @@
                     </p:cTn>
                   </p:par>
                   <p:par>
-                    <p:cTn id="30" fill="hold">
+                    <p:cTn id="26" fill="hold">
                       <p:stCondLst>
                         <p:cond delay="indefinite"/>
                       </p:stCondLst>
                       <p:childTnLst>
                         <p:par>
-                          <p:cTn id="31" fill="hold">
+                          <p:cTn id="27" fill="hold">
                             <p:stCondLst>
                               <p:cond delay="0"/>
                             </p:stCondLst>
                             <p:childTnLst>
                               <p:par>
-                                <p:cTn id="32" presetID="1" presetClass="exit" presetSubtype="0" fill="hold" nodeType="clickEffect">
+                                <p:cTn id="28" presetID="1" presetClass="exit" presetSubtype="0" fill="hold" nodeType="clickEffect">
                                   <p:stCondLst>
                                     <p:cond delay="0"/>
                                   </p:stCondLst>
                                   <p:childTnLst>
                                     <p:set>
                                       <p:cBhvr>
-                                        <p:cTn id="33" dur="1" fill="hold">
+                                        <p:cTn id="29" dur="1" fill="hold">
                                           <p:stCondLst>
                                             <p:cond delay="0"/>
                                           </p:stCondLst>
@@ -13752,26 +14412,26 @@
                     </p:cTn>
                   </p:par>
                   <p:par>
-                    <p:cTn id="34" fill="hold">
+                    <p:cTn id="30" fill="hold">
                       <p:stCondLst>
                         <p:cond delay="indefinite"/>
                       </p:stCondLst>
                       <p:childTnLst>
                         <p:par>
-                          <p:cTn id="35" fill="hold">
+                          <p:cTn id="31" fill="hold">
                             <p:stCondLst>
                               <p:cond delay="0"/>
                             </p:stCondLst>
                             <p:childTnLst>
                               <p:par>
-                                <p:cTn id="36" presetID="1" presetClass="entr" presetSubtype="0" fill="hold" nodeType="clickEffect">
+                                <p:cTn id="32" presetID="1" presetClass="entr" presetSubtype="0" fill="hold" nodeType="clickEffect">
                                   <p:stCondLst>
                                     <p:cond delay="0"/>
                                   </p:stCondLst>
                                   <p:childTnLst>
                                     <p:set>
                                       <p:cBhvr>
-                                        <p:cTn id="37" dur="1" fill="hold">
+                                        <p:cTn id="33" dur="1" fill="hold">
                                           <p:stCondLst>
                                             <p:cond delay="0"/>
                                           </p:stCondLst>
@@ -13797,26 +14457,26 @@
                     </p:cTn>
                   </p:par>
                   <p:par>
-                    <p:cTn id="38" fill="hold">
+                    <p:cTn id="34" fill="hold">
                       <p:stCondLst>
                         <p:cond delay="indefinite"/>
                       </p:stCondLst>
                       <p:childTnLst>
                         <p:par>
-                          <p:cTn id="39" fill="hold">
+                          <p:cTn id="35" fill="hold">
                             <p:stCondLst>
                               <p:cond delay="0"/>
                             </p:stCondLst>
                             <p:childTnLst>
                               <p:par>
-                                <p:cTn id="40" presetID="1" presetClass="exit" presetSubtype="0" fill="hold" nodeType="clickEffect">
+                                <p:cTn id="36" presetID="1" presetClass="exit" presetSubtype="0" fill="hold" nodeType="clickEffect">
                                   <p:stCondLst>
                                     <p:cond delay="0"/>
                                   </p:stCondLst>
                                   <p:childTnLst>
                                     <p:set>
                                       <p:cBhvr>
-                                        <p:cTn id="41" dur="1" fill="hold">
+                                        <p:cTn id="37" dur="1" fill="hold">
                                           <p:stCondLst>
                                             <p:cond delay="0"/>
                                           </p:stCondLst>
@@ -13830,6 +14490,51 @@
                                       </p:cBhvr>
                                       <p:to>
                                         <p:strVal val="hidden"/>
+                                      </p:to>
+                                    </p:set>
+                                  </p:childTnLst>
+                                </p:cTn>
+                              </p:par>
+                            </p:childTnLst>
+                          </p:cTn>
+                        </p:par>
+                      </p:childTnLst>
+                    </p:cTn>
+                  </p:par>
+                  <p:par>
+                    <p:cTn id="38" fill="hold">
+                      <p:stCondLst>
+                        <p:cond delay="indefinite"/>
+                      </p:stCondLst>
+                      <p:childTnLst>
+                        <p:par>
+                          <p:cTn id="39" fill="hold">
+                            <p:stCondLst>
+                              <p:cond delay="0"/>
+                            </p:stCondLst>
+                            <p:childTnLst>
+                              <p:par>
+                                <p:cTn id="40" presetID="1" presetClass="entr" presetSubtype="0" fill="hold" nodeType="clickEffect">
+                                  <p:stCondLst>
+                                    <p:cond delay="0"/>
+                                  </p:stCondLst>
+                                  <p:childTnLst>
+                                    <p:set>
+                                      <p:cBhvr>
+                                        <p:cTn id="41" dur="1" fill="hold">
+                                          <p:stCondLst>
+                                            <p:cond delay="0"/>
+                                          </p:stCondLst>
+                                        </p:cTn>
+                                        <p:tgtEl>
+                                          <p:spTgt spid="73"/>
+                                        </p:tgtEl>
+                                        <p:attrNameLst>
+                                          <p:attrName>style.visibility</p:attrName>
+                                        </p:attrNameLst>
+                                      </p:cBhvr>
+                                      <p:to>
+                                        <p:strVal val="visible"/>
                                       </p:to>
                                     </p:set>
                                   </p:childTnLst>
@@ -13867,7 +14572,7 @@
                                           </p:stCondLst>
                                         </p:cTn>
                                         <p:tgtEl>
-                                          <p:spTgt spid="69"/>
+                                          <p:spTgt spid="66"/>
                                         </p:tgtEl>
                                         <p:attrNameLst>
                                           <p:attrName>style.visibility</p:attrName>
@@ -13899,7 +14604,7 @@
                             </p:stCondLst>
                             <p:childTnLst>
                               <p:par>
-                                <p:cTn id="48" presetID="1" presetClass="entr" presetSubtype="0" fill="hold" nodeType="clickEffect">
+                                <p:cTn id="48" presetID="1" presetClass="exit" presetSubtype="0" fill="hold" nodeType="clickEffect">
                                   <p:stCondLst>
                                     <p:cond delay="0"/>
                                   </p:stCondLst>
@@ -13912,52 +14617,7 @@
                                           </p:stCondLst>
                                         </p:cTn>
                                         <p:tgtEl>
-                                          <p:spTgt spid="75"/>
-                                        </p:tgtEl>
-                                        <p:attrNameLst>
-                                          <p:attrName>style.visibility</p:attrName>
-                                        </p:attrNameLst>
-                                      </p:cBhvr>
-                                      <p:to>
-                                        <p:strVal val="visible"/>
-                                      </p:to>
-                                    </p:set>
-                                  </p:childTnLst>
-                                </p:cTn>
-                              </p:par>
-                            </p:childTnLst>
-                          </p:cTn>
-                        </p:par>
-                      </p:childTnLst>
-                    </p:cTn>
-                  </p:par>
-                  <p:par>
-                    <p:cTn id="50" fill="hold">
-                      <p:stCondLst>
-                        <p:cond delay="indefinite"/>
-                      </p:stCondLst>
-                      <p:childTnLst>
-                        <p:par>
-                          <p:cTn id="51" fill="hold">
-                            <p:stCondLst>
-                              <p:cond delay="0"/>
-                            </p:stCondLst>
-                            <p:childTnLst>
-                              <p:par>
-                                <p:cTn id="52" presetID="1" presetClass="exit" presetSubtype="0" fill="hold" nodeType="clickEffect">
-                                  <p:stCondLst>
-                                    <p:cond delay="0"/>
-                                  </p:stCondLst>
-                                  <p:childTnLst>
-                                    <p:set>
-                                      <p:cBhvr>
-                                        <p:cTn id="53" dur="1" fill="hold">
-                                          <p:stCondLst>
-                                            <p:cond delay="0"/>
-                                          </p:stCondLst>
-                                        </p:cTn>
-                                        <p:tgtEl>
-                                          <p:spTgt spid="69"/>
+                                          <p:spTgt spid="66"/>
                                         </p:tgtEl>
                                         <p:attrNameLst>
                                           <p:attrName>style.visibility</p:attrName>
@@ -13965,141 +14625,6 @@
                                       </p:cBhvr>
                                       <p:to>
                                         <p:strVal val="hidden"/>
-                                      </p:to>
-                                    </p:set>
-                                  </p:childTnLst>
-                                </p:cTn>
-                              </p:par>
-                            </p:childTnLst>
-                          </p:cTn>
-                        </p:par>
-                      </p:childTnLst>
-                    </p:cTn>
-                  </p:par>
-                  <p:par>
-                    <p:cTn id="54" fill="hold">
-                      <p:stCondLst>
-                        <p:cond delay="indefinite"/>
-                      </p:stCondLst>
-                      <p:childTnLst>
-                        <p:par>
-                          <p:cTn id="55" fill="hold">
-                            <p:stCondLst>
-                              <p:cond delay="0"/>
-                            </p:stCondLst>
-                            <p:childTnLst>
-                              <p:par>
-                                <p:cTn id="56" presetID="1" presetClass="entr" presetSubtype="0" fill="hold" nodeType="clickEffect">
-                                  <p:stCondLst>
-                                    <p:cond delay="0"/>
-                                  </p:stCondLst>
-                                  <p:childTnLst>
-                                    <p:set>
-                                      <p:cBhvr>
-                                        <p:cTn id="57" dur="1" fill="hold">
-                                          <p:stCondLst>
-                                            <p:cond delay="0"/>
-                                          </p:stCondLst>
-                                        </p:cTn>
-                                        <p:tgtEl>
-                                          <p:spTgt spid="73"/>
-                                        </p:tgtEl>
-                                        <p:attrNameLst>
-                                          <p:attrName>style.visibility</p:attrName>
-                                        </p:attrNameLst>
-                                      </p:cBhvr>
-                                      <p:to>
-                                        <p:strVal val="visible"/>
-                                      </p:to>
-                                    </p:set>
-                                  </p:childTnLst>
-                                </p:cTn>
-                              </p:par>
-                            </p:childTnLst>
-                          </p:cTn>
-                        </p:par>
-                      </p:childTnLst>
-                    </p:cTn>
-                  </p:par>
-                  <p:par>
-                    <p:cTn id="58" fill="hold">
-                      <p:stCondLst>
-                        <p:cond delay="indefinite"/>
-                      </p:stCondLst>
-                      <p:childTnLst>
-                        <p:par>
-                          <p:cTn id="59" fill="hold">
-                            <p:stCondLst>
-                              <p:cond delay="0"/>
-                            </p:stCondLst>
-                            <p:childTnLst>
-                              <p:par>
-                                <p:cTn id="60" presetID="1" presetClass="exit" presetSubtype="0" fill="hold" nodeType="clickEffect">
-                                  <p:stCondLst>
-                                    <p:cond delay="0"/>
-                                  </p:stCondLst>
-                                  <p:childTnLst>
-                                    <p:set>
-                                      <p:cBhvr>
-                                        <p:cTn id="61" dur="1" fill="hold">
-                                          <p:stCondLst>
-                                            <p:cond delay="0"/>
-                                          </p:stCondLst>
-                                        </p:cTn>
-                                        <p:tgtEl>
-                                          <p:spTgt spid="75"/>
-                                        </p:tgtEl>
-                                        <p:attrNameLst>
-                                          <p:attrName>style.visibility</p:attrName>
-                                        </p:attrNameLst>
-                                      </p:cBhvr>
-                                      <p:to>
-                                        <p:strVal val="hidden"/>
-                                      </p:to>
-                                    </p:set>
-                                  </p:childTnLst>
-                                </p:cTn>
-                              </p:par>
-                            </p:childTnLst>
-                          </p:cTn>
-                        </p:par>
-                      </p:childTnLst>
-                    </p:cTn>
-                  </p:par>
-                  <p:par>
-                    <p:cTn id="62" fill="hold">
-                      <p:stCondLst>
-                        <p:cond delay="indefinite"/>
-                      </p:stCondLst>
-                      <p:childTnLst>
-                        <p:par>
-                          <p:cTn id="63" fill="hold">
-                            <p:stCondLst>
-                              <p:cond delay="0"/>
-                            </p:stCondLst>
-                            <p:childTnLst>
-                              <p:par>
-                                <p:cTn id="64" presetID="1" presetClass="entr" presetSubtype="0" fill="hold" nodeType="clickEffect">
-                                  <p:stCondLst>
-                                    <p:cond delay="0"/>
-                                  </p:stCondLst>
-                                  <p:childTnLst>
-                                    <p:set>
-                                      <p:cBhvr>
-                                        <p:cTn id="65" dur="1" fill="hold">
-                                          <p:stCondLst>
-                                            <p:cond delay="0"/>
-                                          </p:stCondLst>
-                                        </p:cTn>
-                                        <p:tgtEl>
-                                          <p:spTgt spid="77"/>
-                                        </p:tgtEl>
-                                        <p:attrNameLst>
-                                          <p:attrName>style.visibility</p:attrName>
-                                        </p:attrNameLst>
-                                      </p:cBhvr>
-                                      <p:to>
-                                        <p:strVal val="visible"/>
                                       </p:to>
                                     </p:set>
                                   </p:childTnLst>

--- a/docs/QRCode.pptx
+++ b/docs/QRCode.pptx
@@ -4,12 +4,16 @@
   <p:sldMasterIdLst>
     <p:sldMasterId id="2147483648" r:id="rId1"/>
   </p:sldMasterIdLst>
+  <p:notesMasterIdLst>
+    <p:notesMasterId r:id="rId8"/>
+  </p:notesMasterIdLst>
   <p:sldIdLst>
     <p:sldId id="256" r:id="rId2"/>
     <p:sldId id="257" r:id="rId3"/>
     <p:sldId id="258" r:id="rId4"/>
     <p:sldId id="259" r:id="rId5"/>
     <p:sldId id="260" r:id="rId6"/>
+    <p:sldId id="261" r:id="rId7"/>
   </p:sldIdLst>
   <p:sldSz cx="12192000" cy="6858000"/>
   <p:notesSz cx="6858000" cy="9144000"/>
@@ -114,6 +118,524 @@
     </p:ext>
   </p:extLst>
 </p:presentation>
+</file>
+
+<file path=ppt/notesMasters/notesMaster1.xml><?xml version="1.0" encoding="utf-8"?>
+<p:notesMaster xmlns:a="http://schemas.openxmlformats.org/drawingml/2006/main" xmlns:r="http://schemas.openxmlformats.org/officeDocument/2006/relationships" xmlns:p="http://schemas.openxmlformats.org/presentationml/2006/main">
+  <p:cSld>
+    <p:bg>
+      <p:bgRef idx="1001">
+        <a:schemeClr val="bg1"/>
+      </p:bgRef>
+    </p:bg>
+    <p:spTree>
+      <p:nvGrpSpPr>
+        <p:cNvPr id="1" name=""/>
+        <p:cNvGrpSpPr/>
+        <p:nvPr/>
+      </p:nvGrpSpPr>
+      <p:grpSpPr>
+        <a:xfrm>
+          <a:off x="0" y="0"/>
+          <a:ext cx="0" cy="0"/>
+          <a:chOff x="0" y="0"/>
+          <a:chExt cx="0" cy="0"/>
+        </a:xfrm>
+      </p:grpSpPr>
+      <p:sp>
+        <p:nvSpPr>
+          <p:cNvPr id="2" name="Header Placeholder 1"/>
+          <p:cNvSpPr>
+            <a:spLocks noGrp="1"/>
+          </p:cNvSpPr>
+          <p:nvPr>
+            <p:ph type="hdr" sz="quarter"/>
+          </p:nvPr>
+        </p:nvSpPr>
+        <p:spPr>
+          <a:xfrm>
+            <a:off x="0" y="0"/>
+            <a:ext cx="2971800" cy="458788"/>
+          </a:xfrm>
+          <a:prstGeom prst="rect">
+            <a:avLst/>
+          </a:prstGeom>
+        </p:spPr>
+        <p:txBody>
+          <a:bodyPr vert="horz" lIns="91440" tIns="45720" rIns="91440" bIns="45720" rtlCol="0"/>
+          <a:lstStyle>
+            <a:lvl1pPr algn="l">
+              <a:defRPr sz="1200"/>
+            </a:lvl1pPr>
+          </a:lstStyle>
+          <a:p>
+            <a:endParaRPr lang="en-US"/>
+          </a:p>
+        </p:txBody>
+      </p:sp>
+      <p:sp>
+        <p:nvSpPr>
+          <p:cNvPr id="3" name="Date Placeholder 2"/>
+          <p:cNvSpPr>
+            <a:spLocks noGrp="1"/>
+          </p:cNvSpPr>
+          <p:nvPr>
+            <p:ph type="dt" idx="1"/>
+          </p:nvPr>
+        </p:nvSpPr>
+        <p:spPr>
+          <a:xfrm>
+            <a:off x="3884613" y="0"/>
+            <a:ext cx="2971800" cy="458788"/>
+          </a:xfrm>
+          <a:prstGeom prst="rect">
+            <a:avLst/>
+          </a:prstGeom>
+        </p:spPr>
+        <p:txBody>
+          <a:bodyPr vert="horz" lIns="91440" tIns="45720" rIns="91440" bIns="45720" rtlCol="0"/>
+          <a:lstStyle>
+            <a:lvl1pPr algn="r">
+              <a:defRPr sz="1200"/>
+            </a:lvl1pPr>
+          </a:lstStyle>
+          <a:p>
+            <a:fld id="{0EC48EE7-1059-4545-A118-5A5EE7178B35}" type="datetimeFigureOut">
+              <a:rPr lang="en-US" smtClean="0"/>
+              <a:t>7/20/22</a:t>
+            </a:fld>
+            <a:endParaRPr lang="en-US"/>
+          </a:p>
+        </p:txBody>
+      </p:sp>
+      <p:sp>
+        <p:nvSpPr>
+          <p:cNvPr id="4" name="Slide Image Placeholder 3"/>
+          <p:cNvSpPr>
+            <a:spLocks noGrp="1" noRot="1" noChangeAspect="1"/>
+          </p:cNvSpPr>
+          <p:nvPr>
+            <p:ph type="sldImg" idx="2"/>
+          </p:nvPr>
+        </p:nvSpPr>
+        <p:spPr>
+          <a:xfrm>
+            <a:off x="685800" y="1143000"/>
+            <a:ext cx="5486400" cy="3086100"/>
+          </a:xfrm>
+          <a:prstGeom prst="rect">
+            <a:avLst/>
+          </a:prstGeom>
+          <a:noFill/>
+          <a:ln w="12700">
+            <a:solidFill>
+              <a:prstClr val="black"/>
+            </a:solidFill>
+          </a:ln>
+        </p:spPr>
+        <p:txBody>
+          <a:bodyPr vert="horz" lIns="91440" tIns="45720" rIns="91440" bIns="45720" rtlCol="0" anchor="ctr"/>
+          <a:lstStyle/>
+          <a:p>
+            <a:endParaRPr lang="en-US"/>
+          </a:p>
+        </p:txBody>
+      </p:sp>
+      <p:sp>
+        <p:nvSpPr>
+          <p:cNvPr id="5" name="Notes Placeholder 4"/>
+          <p:cNvSpPr>
+            <a:spLocks noGrp="1"/>
+          </p:cNvSpPr>
+          <p:nvPr>
+            <p:ph type="body" sz="quarter" idx="3"/>
+          </p:nvPr>
+        </p:nvSpPr>
+        <p:spPr>
+          <a:xfrm>
+            <a:off x="685800" y="4400550"/>
+            <a:ext cx="5486400" cy="3600450"/>
+          </a:xfrm>
+          <a:prstGeom prst="rect">
+            <a:avLst/>
+          </a:prstGeom>
+        </p:spPr>
+        <p:txBody>
+          <a:bodyPr vert="horz" lIns="91440" tIns="45720" rIns="91440" bIns="45720" rtlCol="0"/>
+          <a:lstStyle/>
+          <a:p>
+            <a:pPr lvl="0"/>
+            <a:r>
+              <a:rPr lang="en-GB"/>
+              <a:t>Click to edit Master text styles</a:t>
+            </a:r>
+          </a:p>
+          <a:p>
+            <a:pPr lvl="1"/>
+            <a:r>
+              <a:rPr lang="en-GB"/>
+              <a:t>Second level</a:t>
+            </a:r>
+          </a:p>
+          <a:p>
+            <a:pPr lvl="2"/>
+            <a:r>
+              <a:rPr lang="en-GB"/>
+              <a:t>Third level</a:t>
+            </a:r>
+          </a:p>
+          <a:p>
+            <a:pPr lvl="3"/>
+            <a:r>
+              <a:rPr lang="en-GB"/>
+              <a:t>Fourth level</a:t>
+            </a:r>
+          </a:p>
+          <a:p>
+            <a:pPr lvl="4"/>
+            <a:r>
+              <a:rPr lang="en-GB"/>
+              <a:t>Fifth level</a:t>
+            </a:r>
+            <a:endParaRPr lang="en-US"/>
+          </a:p>
+        </p:txBody>
+      </p:sp>
+      <p:sp>
+        <p:nvSpPr>
+          <p:cNvPr id="6" name="Footer Placeholder 5"/>
+          <p:cNvSpPr>
+            <a:spLocks noGrp="1"/>
+          </p:cNvSpPr>
+          <p:nvPr>
+            <p:ph type="ftr" sz="quarter" idx="4"/>
+          </p:nvPr>
+        </p:nvSpPr>
+        <p:spPr>
+          <a:xfrm>
+            <a:off x="0" y="8685213"/>
+            <a:ext cx="2971800" cy="458787"/>
+          </a:xfrm>
+          <a:prstGeom prst="rect">
+            <a:avLst/>
+          </a:prstGeom>
+        </p:spPr>
+        <p:txBody>
+          <a:bodyPr vert="horz" lIns="91440" tIns="45720" rIns="91440" bIns="45720" rtlCol="0" anchor="b"/>
+          <a:lstStyle>
+            <a:lvl1pPr algn="l">
+              <a:defRPr sz="1200"/>
+            </a:lvl1pPr>
+          </a:lstStyle>
+          <a:p>
+            <a:endParaRPr lang="en-US"/>
+          </a:p>
+        </p:txBody>
+      </p:sp>
+      <p:sp>
+        <p:nvSpPr>
+          <p:cNvPr id="7" name="Slide Number Placeholder 6"/>
+          <p:cNvSpPr>
+            <a:spLocks noGrp="1"/>
+          </p:cNvSpPr>
+          <p:nvPr>
+            <p:ph type="sldNum" sz="quarter" idx="5"/>
+          </p:nvPr>
+        </p:nvSpPr>
+        <p:spPr>
+          <a:xfrm>
+            <a:off x="3884613" y="8685213"/>
+            <a:ext cx="2971800" cy="458787"/>
+          </a:xfrm>
+          <a:prstGeom prst="rect">
+            <a:avLst/>
+          </a:prstGeom>
+        </p:spPr>
+        <p:txBody>
+          <a:bodyPr vert="horz" lIns="91440" tIns="45720" rIns="91440" bIns="45720" rtlCol="0" anchor="b"/>
+          <a:lstStyle>
+            <a:lvl1pPr algn="r">
+              <a:defRPr sz="1200"/>
+            </a:lvl1pPr>
+          </a:lstStyle>
+          <a:p>
+            <a:fld id="{26FBBF15-D587-7F42-95AF-2D23FAA36CD1}" type="slidenum">
+              <a:rPr lang="en-US" smtClean="0"/>
+              <a:t>‹#›</a:t>
+            </a:fld>
+            <a:endParaRPr lang="en-US"/>
+          </a:p>
+        </p:txBody>
+      </p:sp>
+    </p:spTree>
+    <p:extLst>
+      <p:ext uri="{BB962C8B-B14F-4D97-AF65-F5344CB8AC3E}">
+        <p14:creationId xmlns:p14="http://schemas.microsoft.com/office/powerpoint/2010/main" val="2347798002"/>
+      </p:ext>
+    </p:extLst>
+  </p:cSld>
+  <p:clrMap bg1="lt1" tx1="dk1" bg2="lt2" tx2="dk2" accent1="accent1" accent2="accent2" accent3="accent3" accent4="accent4" accent5="accent5" accent6="accent6" hlink="hlink" folHlink="folHlink"/>
+  <p:notesStyle>
+    <a:lvl1pPr marL="0" algn="l" defTabSz="914400" rtl="0" eaLnBrk="1" latinLnBrk="0" hangingPunct="1">
+      <a:defRPr sz="1200" kern="1200">
+        <a:solidFill>
+          <a:schemeClr val="tx1"/>
+        </a:solidFill>
+        <a:latin typeface="+mn-lt"/>
+        <a:ea typeface="+mn-ea"/>
+        <a:cs typeface="+mn-cs"/>
+      </a:defRPr>
+    </a:lvl1pPr>
+    <a:lvl2pPr marL="457200" algn="l" defTabSz="914400" rtl="0" eaLnBrk="1" latinLnBrk="0" hangingPunct="1">
+      <a:defRPr sz="1200" kern="1200">
+        <a:solidFill>
+          <a:schemeClr val="tx1"/>
+        </a:solidFill>
+        <a:latin typeface="+mn-lt"/>
+        <a:ea typeface="+mn-ea"/>
+        <a:cs typeface="+mn-cs"/>
+      </a:defRPr>
+    </a:lvl2pPr>
+    <a:lvl3pPr marL="914400" algn="l" defTabSz="914400" rtl="0" eaLnBrk="1" latinLnBrk="0" hangingPunct="1">
+      <a:defRPr sz="1200" kern="1200">
+        <a:solidFill>
+          <a:schemeClr val="tx1"/>
+        </a:solidFill>
+        <a:latin typeface="+mn-lt"/>
+        <a:ea typeface="+mn-ea"/>
+        <a:cs typeface="+mn-cs"/>
+      </a:defRPr>
+    </a:lvl3pPr>
+    <a:lvl4pPr marL="1371600" algn="l" defTabSz="914400" rtl="0" eaLnBrk="1" latinLnBrk="0" hangingPunct="1">
+      <a:defRPr sz="1200" kern="1200">
+        <a:solidFill>
+          <a:schemeClr val="tx1"/>
+        </a:solidFill>
+        <a:latin typeface="+mn-lt"/>
+        <a:ea typeface="+mn-ea"/>
+        <a:cs typeface="+mn-cs"/>
+      </a:defRPr>
+    </a:lvl4pPr>
+    <a:lvl5pPr marL="1828800" algn="l" defTabSz="914400" rtl="0" eaLnBrk="1" latinLnBrk="0" hangingPunct="1">
+      <a:defRPr sz="1200" kern="1200">
+        <a:solidFill>
+          <a:schemeClr val="tx1"/>
+        </a:solidFill>
+        <a:latin typeface="+mn-lt"/>
+        <a:ea typeface="+mn-ea"/>
+        <a:cs typeface="+mn-cs"/>
+      </a:defRPr>
+    </a:lvl5pPr>
+    <a:lvl6pPr marL="2286000" algn="l" defTabSz="914400" rtl="0" eaLnBrk="1" latinLnBrk="0" hangingPunct="1">
+      <a:defRPr sz="1200" kern="1200">
+        <a:solidFill>
+          <a:schemeClr val="tx1"/>
+        </a:solidFill>
+        <a:latin typeface="+mn-lt"/>
+        <a:ea typeface="+mn-ea"/>
+        <a:cs typeface="+mn-cs"/>
+      </a:defRPr>
+    </a:lvl6pPr>
+    <a:lvl7pPr marL="2743200" algn="l" defTabSz="914400" rtl="0" eaLnBrk="1" latinLnBrk="0" hangingPunct="1">
+      <a:defRPr sz="1200" kern="1200">
+        <a:solidFill>
+          <a:schemeClr val="tx1"/>
+        </a:solidFill>
+        <a:latin typeface="+mn-lt"/>
+        <a:ea typeface="+mn-ea"/>
+        <a:cs typeface="+mn-cs"/>
+      </a:defRPr>
+    </a:lvl7pPr>
+    <a:lvl8pPr marL="3200400" algn="l" defTabSz="914400" rtl="0" eaLnBrk="1" latinLnBrk="0" hangingPunct="1">
+      <a:defRPr sz="1200" kern="1200">
+        <a:solidFill>
+          <a:schemeClr val="tx1"/>
+        </a:solidFill>
+        <a:latin typeface="+mn-lt"/>
+        <a:ea typeface="+mn-ea"/>
+        <a:cs typeface="+mn-cs"/>
+      </a:defRPr>
+    </a:lvl8pPr>
+    <a:lvl9pPr marL="3657600" algn="l" defTabSz="914400" rtl="0" eaLnBrk="1" latinLnBrk="0" hangingPunct="1">
+      <a:defRPr sz="1200" kern="1200">
+        <a:solidFill>
+          <a:schemeClr val="tx1"/>
+        </a:solidFill>
+        <a:latin typeface="+mn-lt"/>
+        <a:ea typeface="+mn-ea"/>
+        <a:cs typeface="+mn-cs"/>
+      </a:defRPr>
+    </a:lvl9pPr>
+  </p:notesStyle>
+</p:notesMaster>
+</file>
+
+<file path=ppt/notesSlides/notesSlide1.xml><?xml version="1.0" encoding="utf-8"?>
+<p:notes xmlns:a="http://schemas.openxmlformats.org/drawingml/2006/main" xmlns:r="http://schemas.openxmlformats.org/officeDocument/2006/relationships" xmlns:p="http://schemas.openxmlformats.org/presentationml/2006/main">
+  <p:cSld>
+    <p:spTree>
+      <p:nvGrpSpPr>
+        <p:cNvPr id="1" name=""/>
+        <p:cNvGrpSpPr/>
+        <p:nvPr/>
+      </p:nvGrpSpPr>
+      <p:grpSpPr>
+        <a:xfrm>
+          <a:off x="0" y="0"/>
+          <a:ext cx="0" cy="0"/>
+          <a:chOff x="0" y="0"/>
+          <a:chExt cx="0" cy="0"/>
+        </a:xfrm>
+      </p:grpSpPr>
+      <p:sp>
+        <p:nvSpPr>
+          <p:cNvPr id="2" name="Slide Image Placeholder 1"/>
+          <p:cNvSpPr>
+            <a:spLocks noGrp="1" noRot="1" noChangeAspect="1"/>
+          </p:cNvSpPr>
+          <p:nvPr>
+            <p:ph type="sldImg"/>
+          </p:nvPr>
+        </p:nvSpPr>
+        <p:spPr/>
+      </p:sp>
+      <p:sp>
+        <p:nvSpPr>
+          <p:cNvPr id="3" name="Notes Placeholder 2"/>
+          <p:cNvSpPr>
+            <a:spLocks noGrp="1"/>
+          </p:cNvSpPr>
+          <p:nvPr>
+            <p:ph type="body" idx="1"/>
+          </p:nvPr>
+        </p:nvSpPr>
+        <p:spPr/>
+        <p:txBody>
+          <a:bodyPr/>
+          <a:lstStyle/>
+          <a:p>
+            <a:endParaRPr lang="en-US" dirty="0"/>
+          </a:p>
+        </p:txBody>
+      </p:sp>
+      <p:sp>
+        <p:nvSpPr>
+          <p:cNvPr id="4" name="Slide Number Placeholder 3"/>
+          <p:cNvSpPr>
+            <a:spLocks noGrp="1"/>
+          </p:cNvSpPr>
+          <p:nvPr>
+            <p:ph type="sldNum" sz="quarter" idx="5"/>
+          </p:nvPr>
+        </p:nvSpPr>
+        <p:spPr/>
+        <p:txBody>
+          <a:bodyPr/>
+          <a:lstStyle/>
+          <a:p>
+            <a:fld id="{26FBBF15-D587-7F42-95AF-2D23FAA36CD1}" type="slidenum">
+              <a:rPr lang="en-US" smtClean="0"/>
+              <a:t>5</a:t>
+            </a:fld>
+            <a:endParaRPr lang="en-US"/>
+          </a:p>
+        </p:txBody>
+      </p:sp>
+    </p:spTree>
+    <p:extLst>
+      <p:ext uri="{BB962C8B-B14F-4D97-AF65-F5344CB8AC3E}">
+        <p14:creationId xmlns:p14="http://schemas.microsoft.com/office/powerpoint/2010/main" val="1518824785"/>
+      </p:ext>
+    </p:extLst>
+  </p:cSld>
+  <p:clrMapOvr>
+    <a:masterClrMapping/>
+  </p:clrMapOvr>
+</p:notes>
+</file>
+
+<file path=ppt/notesSlides/notesSlide2.xml><?xml version="1.0" encoding="utf-8"?>
+<p:notes xmlns:a="http://schemas.openxmlformats.org/drawingml/2006/main" xmlns:r="http://schemas.openxmlformats.org/officeDocument/2006/relationships" xmlns:p="http://schemas.openxmlformats.org/presentationml/2006/main">
+  <p:cSld>
+    <p:spTree>
+      <p:nvGrpSpPr>
+        <p:cNvPr id="1" name=""/>
+        <p:cNvGrpSpPr/>
+        <p:nvPr/>
+      </p:nvGrpSpPr>
+      <p:grpSpPr>
+        <a:xfrm>
+          <a:off x="0" y="0"/>
+          <a:ext cx="0" cy="0"/>
+          <a:chOff x="0" y="0"/>
+          <a:chExt cx="0" cy="0"/>
+        </a:xfrm>
+      </p:grpSpPr>
+      <p:sp>
+        <p:nvSpPr>
+          <p:cNvPr id="2" name="Slide Image Placeholder 1"/>
+          <p:cNvSpPr>
+            <a:spLocks noGrp="1" noRot="1" noChangeAspect="1"/>
+          </p:cNvSpPr>
+          <p:nvPr>
+            <p:ph type="sldImg"/>
+          </p:nvPr>
+        </p:nvSpPr>
+        <p:spPr/>
+      </p:sp>
+      <p:sp>
+        <p:nvSpPr>
+          <p:cNvPr id="3" name="Notes Placeholder 2"/>
+          <p:cNvSpPr>
+            <a:spLocks noGrp="1"/>
+          </p:cNvSpPr>
+          <p:nvPr>
+            <p:ph type="body" idx="1"/>
+          </p:nvPr>
+        </p:nvSpPr>
+        <p:spPr/>
+        <p:txBody>
+          <a:bodyPr/>
+          <a:lstStyle/>
+          <a:p>
+            <a:endParaRPr lang="en-US" dirty="0"/>
+          </a:p>
+        </p:txBody>
+      </p:sp>
+      <p:sp>
+        <p:nvSpPr>
+          <p:cNvPr id="4" name="Slide Number Placeholder 3"/>
+          <p:cNvSpPr>
+            <a:spLocks noGrp="1"/>
+          </p:cNvSpPr>
+          <p:nvPr>
+            <p:ph type="sldNum" sz="quarter" idx="5"/>
+          </p:nvPr>
+        </p:nvSpPr>
+        <p:spPr/>
+        <p:txBody>
+          <a:bodyPr/>
+          <a:lstStyle/>
+          <a:p>
+            <a:fld id="{26FBBF15-D587-7F42-95AF-2D23FAA36CD1}" type="slidenum">
+              <a:rPr lang="en-US" smtClean="0"/>
+              <a:t>6</a:t>
+            </a:fld>
+            <a:endParaRPr lang="en-US"/>
+          </a:p>
+        </p:txBody>
+      </p:sp>
+    </p:spTree>
+    <p:extLst>
+      <p:ext uri="{BB962C8B-B14F-4D97-AF65-F5344CB8AC3E}">
+        <p14:creationId xmlns:p14="http://schemas.microsoft.com/office/powerpoint/2010/main" val="2411767250"/>
+      </p:ext>
+    </p:extLst>
+  </p:cSld>
+  <p:clrMapOvr>
+    <a:masterClrMapping/>
+  </p:clrMapOvr>
+</p:notes>
 </file>
 
 <file path=ppt/slideLayouts/slideLayout1.xml><?xml version="1.0" encoding="utf-8"?>
@@ -265,7 +787,7 @@
           <a:p>
             <a:fld id="{F666A97E-4C60-DC4C-A42C-2CE969928CE5}" type="datetimeFigureOut">
               <a:rPr lang="en-US" smtClean="0"/>
-              <a:t>7/19/22</a:t>
+              <a:t>7/20/22</a:t>
             </a:fld>
             <a:endParaRPr lang="en-US"/>
           </a:p>
@@ -465,7 +987,7 @@
           <a:p>
             <a:fld id="{F666A97E-4C60-DC4C-A42C-2CE969928CE5}" type="datetimeFigureOut">
               <a:rPr lang="en-US" smtClean="0"/>
-              <a:t>7/19/22</a:t>
+              <a:t>7/20/22</a:t>
             </a:fld>
             <a:endParaRPr lang="en-US"/>
           </a:p>
@@ -675,7 +1197,7 @@
           <a:p>
             <a:fld id="{F666A97E-4C60-DC4C-A42C-2CE969928CE5}" type="datetimeFigureOut">
               <a:rPr lang="en-US" smtClean="0"/>
-              <a:t>7/19/22</a:t>
+              <a:t>7/20/22</a:t>
             </a:fld>
             <a:endParaRPr lang="en-US"/>
           </a:p>
@@ -875,7 +1397,7 @@
           <a:p>
             <a:fld id="{F666A97E-4C60-DC4C-A42C-2CE969928CE5}" type="datetimeFigureOut">
               <a:rPr lang="en-US" smtClean="0"/>
-              <a:t>7/19/22</a:t>
+              <a:t>7/20/22</a:t>
             </a:fld>
             <a:endParaRPr lang="en-US"/>
           </a:p>
@@ -1151,7 +1673,7 @@
           <a:p>
             <a:fld id="{F666A97E-4C60-DC4C-A42C-2CE969928CE5}" type="datetimeFigureOut">
               <a:rPr lang="en-US" smtClean="0"/>
-              <a:t>7/19/22</a:t>
+              <a:t>7/20/22</a:t>
             </a:fld>
             <a:endParaRPr lang="en-US"/>
           </a:p>
@@ -1419,7 +1941,7 @@
           <a:p>
             <a:fld id="{F666A97E-4C60-DC4C-A42C-2CE969928CE5}" type="datetimeFigureOut">
               <a:rPr lang="en-US" smtClean="0"/>
-              <a:t>7/19/22</a:t>
+              <a:t>7/20/22</a:t>
             </a:fld>
             <a:endParaRPr lang="en-US"/>
           </a:p>
@@ -1834,7 +2356,7 @@
           <a:p>
             <a:fld id="{F666A97E-4C60-DC4C-A42C-2CE969928CE5}" type="datetimeFigureOut">
               <a:rPr lang="en-US" smtClean="0"/>
-              <a:t>7/19/22</a:t>
+              <a:t>7/20/22</a:t>
             </a:fld>
             <a:endParaRPr lang="en-US"/>
           </a:p>
@@ -1976,7 +2498,7 @@
           <a:p>
             <a:fld id="{F666A97E-4C60-DC4C-A42C-2CE969928CE5}" type="datetimeFigureOut">
               <a:rPr lang="en-US" smtClean="0"/>
-              <a:t>7/19/22</a:t>
+              <a:t>7/20/22</a:t>
             </a:fld>
             <a:endParaRPr lang="en-US"/>
           </a:p>
@@ -2089,7 +2611,7 @@
           <a:p>
             <a:fld id="{F666A97E-4C60-DC4C-A42C-2CE969928CE5}" type="datetimeFigureOut">
               <a:rPr lang="en-US" smtClean="0"/>
-              <a:t>7/19/22</a:t>
+              <a:t>7/20/22</a:t>
             </a:fld>
             <a:endParaRPr lang="en-US"/>
           </a:p>
@@ -2402,7 +2924,7 @@
           <a:p>
             <a:fld id="{F666A97E-4C60-DC4C-A42C-2CE969928CE5}" type="datetimeFigureOut">
               <a:rPr lang="en-US" smtClean="0"/>
-              <a:t>7/19/22</a:t>
+              <a:t>7/20/22</a:t>
             </a:fld>
             <a:endParaRPr lang="en-US"/>
           </a:p>
@@ -2691,7 +3213,7 @@
           <a:p>
             <a:fld id="{F666A97E-4C60-DC4C-A42C-2CE969928CE5}" type="datetimeFigureOut">
               <a:rPr lang="en-US" smtClean="0"/>
-              <a:t>7/19/22</a:t>
+              <a:t>7/20/22</a:t>
             </a:fld>
             <a:endParaRPr lang="en-US"/>
           </a:p>
@@ -2934,7 +3456,7 @@
           <a:p>
             <a:fld id="{F666A97E-4C60-DC4C-A42C-2CE969928CE5}" type="datetimeFigureOut">
               <a:rPr lang="en-US" smtClean="0"/>
-              <a:t>7/19/22</a:t>
+              <a:t>7/20/22</a:t>
             </a:fld>
             <a:endParaRPr lang="en-US"/>
           </a:p>
@@ -5201,35 +5723,7 @@
                 <a:latin typeface="Arial" panose="020B0604020202020204" pitchFamily="34" charset="0"/>
                 <a:cs typeface="Arial" panose="020B0604020202020204" pitchFamily="34" charset="0"/>
               </a:rPr>
-              <a:t>App</a:t>
-            </a:r>
-            <a:r>
-              <a:rPr lang="zh-CN" altLang="en-US" dirty="0">
-                <a:latin typeface="Arial" panose="020B0604020202020204" pitchFamily="34" charset="0"/>
-                <a:cs typeface="Arial" panose="020B0604020202020204" pitchFamily="34" charset="0"/>
-              </a:rPr>
-              <a:t> </a:t>
-            </a:r>
-            <a:r>
-              <a:rPr lang="en-US" altLang="zh-CN" dirty="0">
-                <a:latin typeface="Arial" panose="020B0604020202020204" pitchFamily="34" charset="0"/>
-                <a:cs typeface="Arial" panose="020B0604020202020204" pitchFamily="34" charset="0"/>
-              </a:rPr>
-              <a:t>Rendering</a:t>
-            </a:r>
-            <a:r>
-              <a:rPr lang="zh-CN" altLang="en-US" dirty="0">
-                <a:latin typeface="Arial" panose="020B0604020202020204" pitchFamily="34" charset="0"/>
-                <a:cs typeface="Arial" panose="020B0604020202020204" pitchFamily="34" charset="0"/>
-              </a:rPr>
-              <a:t> </a:t>
-            </a:r>
-            <a:r>
-              <a:rPr lang="en-US" altLang="zh-CN" dirty="0">
-                <a:latin typeface="Arial" panose="020B0604020202020204" pitchFamily="34" charset="0"/>
-                <a:cs typeface="Arial" panose="020B0604020202020204" pitchFamily="34" charset="0"/>
-              </a:rPr>
-              <a:t>Flow</a:t>
+              <a:t>App Flow</a:t>
             </a:r>
             <a:r>
               <a:rPr lang="zh-CN" altLang="en-US" dirty="0">
@@ -8264,32 +8758,11 @@
               <a:t>SignIn</a:t>
             </a:r>
             <a:r>
-              <a:rPr lang="zh-CN" altLang="en-US" dirty="0">
-                <a:latin typeface="Arial" panose="020B0604020202020204" pitchFamily="34" charset="0"/>
-                <a:cs typeface="Arial" panose="020B0604020202020204" pitchFamily="34" charset="0"/>
-              </a:rPr>
-              <a:t> </a:t>
-            </a:r>
-            <a:r>
               <a:rPr lang="en-US" altLang="zh-CN" dirty="0">
                 <a:latin typeface="Arial" panose="020B0604020202020204" pitchFamily="34" charset="0"/>
                 <a:cs typeface="Arial" panose="020B0604020202020204" pitchFamily="34" charset="0"/>
               </a:rPr>
-              <a:t>Rendering</a:t>
-            </a:r>
-            <a:r>
-              <a:rPr lang="zh-CN" altLang="en-US" dirty="0">
-                <a:latin typeface="Arial" panose="020B0604020202020204" pitchFamily="34" charset="0"/>
-                <a:cs typeface="Arial" panose="020B0604020202020204" pitchFamily="34" charset="0"/>
-              </a:rPr>
-              <a:t> </a:t>
-            </a:r>
-            <a:r>
-              <a:rPr lang="en-US" altLang="zh-CN" dirty="0">
-                <a:latin typeface="Arial" panose="020B0604020202020204" pitchFamily="34" charset="0"/>
-                <a:cs typeface="Arial" panose="020B0604020202020204" pitchFamily="34" charset="0"/>
-              </a:rPr>
-              <a:t>Flow</a:t>
+              <a:t> Flow</a:t>
             </a:r>
             <a:r>
               <a:rPr lang="zh-CN" altLang="en-US" dirty="0">
@@ -11210,8 +11683,8 @@
         </p:nvSpPr>
         <p:spPr>
           <a:xfrm>
-            <a:off x="131522" y="-70572"/>
-            <a:ext cx="7426129" cy="1325563"/>
+            <a:off x="89130" y="2101"/>
+            <a:ext cx="7594572" cy="974596"/>
           </a:xfrm>
         </p:spPr>
         <p:txBody>
@@ -11225,21 +11698,8 @@
               </a:rPr>
               <a:t>GenerateQRCode</a:t>
             </a:r>
-            <a:br>
+            <a:r>
               <a:rPr lang="en-NZ" altLang="zh-CN" dirty="0">
-                <a:latin typeface="Arial" panose="020B0604020202020204" pitchFamily="34" charset="0"/>
-                <a:cs typeface="Arial" panose="020B0604020202020204" pitchFamily="34" charset="0"/>
-              </a:rPr>
-            </a:br>
-            <a:r>
-              <a:rPr lang="en-US" altLang="zh-CN" dirty="0">
-                <a:latin typeface="Arial" panose="020B0604020202020204" pitchFamily="34" charset="0"/>
-                <a:cs typeface="Arial" panose="020B0604020202020204" pitchFamily="34" charset="0"/>
-              </a:rPr>
-              <a:t>Rendering</a:t>
-            </a:r>
-            <a:r>
-              <a:rPr lang="zh-CN" altLang="en-US" dirty="0">
                 <a:latin typeface="Arial" panose="020B0604020202020204" pitchFamily="34" charset="0"/>
                 <a:cs typeface="Arial" panose="020B0604020202020204" pitchFamily="34" charset="0"/>
               </a:rPr>
@@ -14099,6 +14559,193 @@
           </p:txBody>
         </p:sp>
       </p:grpSp>
+      <p:pic>
+        <p:nvPicPr>
+          <p:cNvPr id="5" name="Picture 4">
+            <a:extLst>
+              <a:ext uri="{FF2B5EF4-FFF2-40B4-BE49-F238E27FC236}">
+                <a16:creationId xmlns:a16="http://schemas.microsoft.com/office/drawing/2014/main" id="{8B87337F-AE8A-8947-904D-498D3A73305B}"/>
+              </a:ext>
+            </a:extLst>
+          </p:cNvPr>
+          <p:cNvPicPr>
+            <a:picLocks noChangeAspect="1"/>
+          </p:cNvPicPr>
+          <p:nvPr/>
+        </p:nvPicPr>
+        <p:blipFill>
+          <a:blip r:embed="rId3"/>
+          <a:stretch>
+            <a:fillRect/>
+          </a:stretch>
+        </p:blipFill>
+        <p:spPr>
+          <a:xfrm>
+            <a:off x="247144" y="904024"/>
+            <a:ext cx="5215772" cy="5402791"/>
+          </a:xfrm>
+          <a:prstGeom prst="rect">
+            <a:avLst/>
+          </a:prstGeom>
+          <a:effectLst>
+            <a:outerShdw blurRad="50800" dist="38100" dir="2700000" algn="tl" rotWithShape="0">
+              <a:prstClr val="black">
+                <a:alpha val="40000"/>
+              </a:prstClr>
+            </a:outerShdw>
+          </a:effectLst>
+        </p:spPr>
+      </p:pic>
+      <p:pic>
+        <p:nvPicPr>
+          <p:cNvPr id="8" name="Picture 7">
+            <a:extLst>
+              <a:ext uri="{FF2B5EF4-FFF2-40B4-BE49-F238E27FC236}">
+                <a16:creationId xmlns:a16="http://schemas.microsoft.com/office/drawing/2014/main" id="{FB3C985D-C7E6-4140-B212-B51BA56BB7F5}"/>
+              </a:ext>
+            </a:extLst>
+          </p:cNvPr>
+          <p:cNvPicPr>
+            <a:picLocks noChangeAspect="1"/>
+          </p:cNvPicPr>
+          <p:nvPr/>
+        </p:nvPicPr>
+        <p:blipFill>
+          <a:blip r:embed="rId4"/>
+          <a:stretch>
+            <a:fillRect/>
+          </a:stretch>
+        </p:blipFill>
+        <p:spPr>
+          <a:xfrm>
+            <a:off x="1012726" y="2902007"/>
+            <a:ext cx="3684607" cy="2296639"/>
+          </a:xfrm>
+          <a:prstGeom prst="rect">
+            <a:avLst/>
+          </a:prstGeom>
+        </p:spPr>
+      </p:pic>
+      <p:pic>
+        <p:nvPicPr>
+          <p:cNvPr id="9" name="Picture 8">
+            <a:extLst>
+              <a:ext uri="{FF2B5EF4-FFF2-40B4-BE49-F238E27FC236}">
+                <a16:creationId xmlns:a16="http://schemas.microsoft.com/office/drawing/2014/main" id="{DDFD6A08-7B29-BB42-A959-72317B47838C}"/>
+              </a:ext>
+            </a:extLst>
+          </p:cNvPr>
+          <p:cNvPicPr>
+            <a:picLocks noChangeAspect="1"/>
+          </p:cNvPicPr>
+          <p:nvPr/>
+        </p:nvPicPr>
+        <p:blipFill>
+          <a:blip r:embed="rId5"/>
+          <a:stretch>
+            <a:fillRect/>
+          </a:stretch>
+        </p:blipFill>
+        <p:spPr>
+          <a:xfrm>
+            <a:off x="1604741" y="4394828"/>
+            <a:ext cx="2697952" cy="250972"/>
+          </a:xfrm>
+          <a:prstGeom prst="rect">
+            <a:avLst/>
+          </a:prstGeom>
+        </p:spPr>
+      </p:pic>
+      <p:pic>
+        <p:nvPicPr>
+          <p:cNvPr id="13" name="Picture 12">
+            <a:extLst>
+              <a:ext uri="{FF2B5EF4-FFF2-40B4-BE49-F238E27FC236}">
+                <a16:creationId xmlns:a16="http://schemas.microsoft.com/office/drawing/2014/main" id="{B9168DC2-3848-E44D-ACA8-6DF014AA56F2}"/>
+              </a:ext>
+            </a:extLst>
+          </p:cNvPr>
+          <p:cNvPicPr>
+            <a:picLocks noChangeAspect="1"/>
+          </p:cNvPicPr>
+          <p:nvPr/>
+        </p:nvPicPr>
+        <p:blipFill>
+          <a:blip r:embed="rId6"/>
+          <a:stretch>
+            <a:fillRect/>
+          </a:stretch>
+        </p:blipFill>
+        <p:spPr>
+          <a:xfrm>
+            <a:off x="1371316" y="3037645"/>
+            <a:ext cx="3036301" cy="2249623"/>
+          </a:xfrm>
+          <a:prstGeom prst="rect">
+            <a:avLst/>
+          </a:prstGeom>
+        </p:spPr>
+      </p:pic>
+      <p:pic>
+        <p:nvPicPr>
+          <p:cNvPr id="14" name="Picture 13">
+            <a:extLst>
+              <a:ext uri="{FF2B5EF4-FFF2-40B4-BE49-F238E27FC236}">
+                <a16:creationId xmlns:a16="http://schemas.microsoft.com/office/drawing/2014/main" id="{FCE25AD5-A713-4B47-81A2-4515ABBBF7B3}"/>
+              </a:ext>
+            </a:extLst>
+          </p:cNvPr>
+          <p:cNvPicPr>
+            <a:picLocks noChangeAspect="1"/>
+          </p:cNvPicPr>
+          <p:nvPr/>
+        </p:nvPicPr>
+        <p:blipFill>
+          <a:blip r:embed="rId7"/>
+          <a:stretch>
+            <a:fillRect/>
+          </a:stretch>
+        </p:blipFill>
+        <p:spPr>
+          <a:xfrm>
+            <a:off x="2203154" y="4825706"/>
+            <a:ext cx="1539427" cy="1238235"/>
+          </a:xfrm>
+          <a:prstGeom prst="rect">
+            <a:avLst/>
+          </a:prstGeom>
+        </p:spPr>
+      </p:pic>
+      <p:pic>
+        <p:nvPicPr>
+          <p:cNvPr id="20" name="Picture 19">
+            <a:extLst>
+              <a:ext uri="{FF2B5EF4-FFF2-40B4-BE49-F238E27FC236}">
+                <a16:creationId xmlns:a16="http://schemas.microsoft.com/office/drawing/2014/main" id="{4819426E-9206-6643-AD74-142AD7578C68}"/>
+              </a:ext>
+            </a:extLst>
+          </p:cNvPr>
+          <p:cNvPicPr>
+            <a:picLocks noChangeAspect="1"/>
+          </p:cNvPicPr>
+          <p:nvPr/>
+        </p:nvPicPr>
+        <p:blipFill>
+          <a:blip r:embed="rId8"/>
+          <a:stretch>
+            <a:fillRect/>
+          </a:stretch>
+        </p:blipFill>
+        <p:spPr>
+          <a:xfrm>
+            <a:off x="1292890" y="2976021"/>
+            <a:ext cx="3213111" cy="1968275"/>
+          </a:xfrm>
+          <a:prstGeom prst="rect">
+            <a:avLst/>
+          </a:prstGeom>
+        </p:spPr>
+      </p:pic>
     </p:spTree>
     <p:extLst>
       <p:ext uri="{BB962C8B-B14F-4D97-AF65-F5344CB8AC3E}">
@@ -14183,7 +14830,7 @@
                             </p:stCondLst>
                             <p:childTnLst>
                               <p:par>
-                                <p:cTn id="10" presetID="1" presetClass="exit" presetSubtype="0" fill="hold" nodeType="clickEffect">
+                                <p:cTn id="10" presetID="1" presetClass="entr" presetSubtype="0" fill="hold" nodeType="clickEffect">
                                   <p:stCondLst>
                                     <p:cond delay="0"/>
                                   </p:stCondLst>
@@ -14196,14 +14843,14 @@
                                           </p:stCondLst>
                                         </p:cTn>
                                         <p:tgtEl>
-                                          <p:spTgt spid="49"/>
+                                          <p:spTgt spid="8"/>
                                         </p:tgtEl>
                                         <p:attrNameLst>
                                           <p:attrName>style.visibility</p:attrName>
                                         </p:attrNameLst>
                                       </p:cBhvr>
                                       <p:to>
-                                        <p:strVal val="hidden"/>
+                                        <p:strVal val="visible"/>
                                       </p:to>
                                     </p:set>
                                   </p:childTnLst>
@@ -14228,7 +14875,7 @@
                             </p:stCondLst>
                             <p:childTnLst>
                               <p:par>
-                                <p:cTn id="14" presetID="3" presetClass="entr" presetSubtype="10" fill="hold" nodeType="clickEffect">
+                                <p:cTn id="14" presetID="1" presetClass="exit" presetSubtype="0" fill="hold" nodeType="clickEffect">
                                   <p:stCondLst>
                                     <p:cond delay="0"/>
                                   </p:stCondLst>
@@ -14236,6 +14883,78 @@
                                     <p:set>
                                       <p:cBhvr>
                                         <p:cTn id="15" dur="1" fill="hold">
+                                          <p:stCondLst>
+                                            <p:cond delay="0"/>
+                                          </p:stCondLst>
+                                        </p:cTn>
+                                        <p:tgtEl>
+                                          <p:spTgt spid="49"/>
+                                        </p:tgtEl>
+                                        <p:attrNameLst>
+                                          <p:attrName>style.visibility</p:attrName>
+                                        </p:attrNameLst>
+                                      </p:cBhvr>
+                                      <p:to>
+                                        <p:strVal val="hidden"/>
+                                      </p:to>
+                                    </p:set>
+                                  </p:childTnLst>
+                                </p:cTn>
+                              </p:par>
+                              <p:par>
+                                <p:cTn id="16" presetID="1" presetClass="entr" presetSubtype="0" fill="hold" nodeType="withEffect">
+                                  <p:stCondLst>
+                                    <p:cond delay="0"/>
+                                  </p:stCondLst>
+                                  <p:childTnLst>
+                                    <p:set>
+                                      <p:cBhvr>
+                                        <p:cTn id="17" dur="1" fill="hold">
+                                          <p:stCondLst>
+                                            <p:cond delay="0"/>
+                                          </p:stCondLst>
+                                        </p:cTn>
+                                        <p:tgtEl>
+                                          <p:spTgt spid="5"/>
+                                        </p:tgtEl>
+                                        <p:attrNameLst>
+                                          <p:attrName>style.visibility</p:attrName>
+                                        </p:attrNameLst>
+                                      </p:cBhvr>
+                                      <p:to>
+                                        <p:strVal val="visible"/>
+                                      </p:to>
+                                    </p:set>
+                                  </p:childTnLst>
+                                </p:cTn>
+                              </p:par>
+                            </p:childTnLst>
+                          </p:cTn>
+                        </p:par>
+                      </p:childTnLst>
+                    </p:cTn>
+                  </p:par>
+                  <p:par>
+                    <p:cTn id="18" fill="hold">
+                      <p:stCondLst>
+                        <p:cond delay="indefinite"/>
+                      </p:stCondLst>
+                      <p:childTnLst>
+                        <p:par>
+                          <p:cTn id="19" fill="hold">
+                            <p:stCondLst>
+                              <p:cond delay="0"/>
+                            </p:stCondLst>
+                            <p:childTnLst>
+                              <p:par>
+                                <p:cTn id="20" presetID="3" presetClass="entr" presetSubtype="10" fill="hold" nodeType="clickEffect">
+                                  <p:stCondLst>
+                                    <p:cond delay="0"/>
+                                  </p:stCondLst>
+                                  <p:childTnLst>
+                                    <p:set>
+                                      <p:cBhvr>
+                                        <p:cTn id="21" dur="1" fill="hold">
                                           <p:stCondLst>
                                             <p:cond delay="0"/>
                                           </p:stCondLst>
@@ -14253,7 +14972,7 @@
                                     </p:set>
                                     <p:animEffect transition="in" filter="blinds(horizontal)">
                                       <p:cBhvr>
-                                        <p:cTn id="16" dur="500"/>
+                                        <p:cTn id="22" dur="500"/>
                                         <p:tgtEl>
                                           <p:spTgt spid="56"/>
                                         </p:tgtEl>
@@ -14269,26 +14988,71 @@
                     </p:cTn>
                   </p:par>
                   <p:par>
-                    <p:cTn id="17" fill="hold">
+                    <p:cTn id="23" fill="hold">
                       <p:stCondLst>
                         <p:cond delay="indefinite"/>
                       </p:stCondLst>
                       <p:childTnLst>
                         <p:par>
-                          <p:cTn id="18" fill="hold">
+                          <p:cTn id="24" fill="hold">
                             <p:stCondLst>
                               <p:cond delay="0"/>
                             </p:stCondLst>
                             <p:childTnLst>
                               <p:par>
-                                <p:cTn id="19" presetID="1" presetClass="exit" presetSubtype="0" fill="hold" nodeType="clickEffect">
+                                <p:cTn id="25" presetID="1" presetClass="exit" presetSubtype="0" fill="hold" nodeType="clickEffect">
                                   <p:stCondLst>
                                     <p:cond delay="0"/>
                                   </p:stCondLst>
                                   <p:childTnLst>
                                     <p:set>
                                       <p:cBhvr>
-                                        <p:cTn id="20" dur="1" fill="hold">
+                                        <p:cTn id="26" dur="1" fill="hold">
+                                          <p:stCondLst>
+                                            <p:cond delay="0"/>
+                                          </p:stCondLst>
+                                        </p:cTn>
+                                        <p:tgtEl>
+                                          <p:spTgt spid="8"/>
+                                        </p:tgtEl>
+                                        <p:attrNameLst>
+                                          <p:attrName>style.visibility</p:attrName>
+                                        </p:attrNameLst>
+                                      </p:cBhvr>
+                                      <p:to>
+                                        <p:strVal val="hidden"/>
+                                      </p:to>
+                                    </p:set>
+                                  </p:childTnLst>
+                                </p:cTn>
+                              </p:par>
+                            </p:childTnLst>
+                          </p:cTn>
+                        </p:par>
+                      </p:childTnLst>
+                    </p:cTn>
+                  </p:par>
+                  <p:par>
+                    <p:cTn id="27" fill="hold">
+                      <p:stCondLst>
+                        <p:cond delay="indefinite"/>
+                      </p:stCondLst>
+                      <p:childTnLst>
+                        <p:par>
+                          <p:cTn id="28" fill="hold">
+                            <p:stCondLst>
+                              <p:cond delay="0"/>
+                            </p:stCondLst>
+                            <p:childTnLst>
+                              <p:par>
+                                <p:cTn id="29" presetID="1" presetClass="exit" presetSubtype="0" fill="hold" nodeType="clickEffect">
+                                  <p:stCondLst>
+                                    <p:cond delay="0"/>
+                                  </p:stCondLst>
+                                  <p:childTnLst>
+                                    <p:set>
+                                      <p:cBhvr>
+                                        <p:cTn id="30" dur="1" fill="hold">
                                           <p:stCondLst>
                                             <p:cond delay="0"/>
                                           </p:stCondLst>
@@ -14314,26 +15078,116 @@
                     </p:cTn>
                   </p:par>
                   <p:par>
-                    <p:cTn id="21" fill="hold">
+                    <p:cTn id="31" fill="hold">
                       <p:stCondLst>
                         <p:cond delay="indefinite"/>
                       </p:stCondLst>
                       <p:childTnLst>
                         <p:par>
-                          <p:cTn id="22" fill="hold">
+                          <p:cTn id="32" fill="hold">
                             <p:stCondLst>
                               <p:cond delay="0"/>
                             </p:stCondLst>
                             <p:childTnLst>
                               <p:par>
-                                <p:cTn id="23" presetID="3" presetClass="entr" presetSubtype="10" fill="hold" nodeType="clickEffect">
+                                <p:cTn id="33" presetID="1" presetClass="entr" presetSubtype="0" fill="hold" nodeType="clickEffect">
                                   <p:stCondLst>
                                     <p:cond delay="0"/>
                                   </p:stCondLst>
                                   <p:childTnLst>
                                     <p:set>
                                       <p:cBhvr>
-                                        <p:cTn id="24" dur="1" fill="hold">
+                                        <p:cTn id="34" dur="1" fill="hold">
+                                          <p:stCondLst>
+                                            <p:cond delay="0"/>
+                                          </p:stCondLst>
+                                        </p:cTn>
+                                        <p:tgtEl>
+                                          <p:spTgt spid="66"/>
+                                        </p:tgtEl>
+                                        <p:attrNameLst>
+                                          <p:attrName>style.visibility</p:attrName>
+                                        </p:attrNameLst>
+                                      </p:cBhvr>
+                                      <p:to>
+                                        <p:strVal val="visible"/>
+                                      </p:to>
+                                    </p:set>
+                                  </p:childTnLst>
+                                </p:cTn>
+                              </p:par>
+                            </p:childTnLst>
+                          </p:cTn>
+                        </p:par>
+                      </p:childTnLst>
+                    </p:cTn>
+                  </p:par>
+                  <p:par>
+                    <p:cTn id="35" fill="hold">
+                      <p:stCondLst>
+                        <p:cond delay="indefinite"/>
+                      </p:stCondLst>
+                      <p:childTnLst>
+                        <p:par>
+                          <p:cTn id="36" fill="hold">
+                            <p:stCondLst>
+                              <p:cond delay="0"/>
+                            </p:stCondLst>
+                            <p:childTnLst>
+                              <p:par>
+                                <p:cTn id="37" presetID="1" presetClass="exit" presetSubtype="0" fill="hold" nodeType="clickEffect">
+                                  <p:stCondLst>
+                                    <p:cond delay="0"/>
+                                  </p:stCondLst>
+                                  <p:childTnLst>
+                                    <p:set>
+                                      <p:cBhvr>
+                                        <p:cTn id="38" dur="1" fill="hold">
+                                          <p:stCondLst>
+                                            <p:cond delay="0"/>
+                                          </p:stCondLst>
+                                        </p:cTn>
+                                        <p:tgtEl>
+                                          <p:spTgt spid="66"/>
+                                        </p:tgtEl>
+                                        <p:attrNameLst>
+                                          <p:attrName>style.visibility</p:attrName>
+                                        </p:attrNameLst>
+                                      </p:cBhvr>
+                                      <p:to>
+                                        <p:strVal val="hidden"/>
+                                      </p:to>
+                                    </p:set>
+                                  </p:childTnLst>
+                                </p:cTn>
+                              </p:par>
+                            </p:childTnLst>
+                          </p:cTn>
+                        </p:par>
+                      </p:childTnLst>
+                    </p:cTn>
+                  </p:par>
+                  <p:par>
+                    <p:cTn id="39" fill="hold">
+                      <p:stCondLst>
+                        <p:cond delay="indefinite"/>
+                      </p:stCondLst>
+                      <p:childTnLst>
+                        <p:par>
+                          <p:cTn id="40" fill="hold">
+                            <p:stCondLst>
+                              <p:cond delay="0"/>
+                            </p:stCondLst>
+                            <p:childTnLst>
+                              <p:par>
+                                <p:cTn id="41" presetID="3" presetClass="entr" presetSubtype="10" fill="hold" nodeType="clickEffect">
+                                  <p:stCondLst>
+                                    <p:cond delay="0"/>
+                                  </p:stCondLst>
+                                  <p:childTnLst>
+                                    <p:set>
+                                      <p:cBhvr>
+                                        <p:cTn id="42" dur="1" fill="hold">
                                           <p:stCondLst>
                                             <p:cond delay="0"/>
                                           </p:stCondLst>
@@ -14351,7 +15205,7 @@
                                     </p:set>
                                     <p:animEffect transition="in" filter="blinds(horizontal)">
                                       <p:cBhvr>
-                                        <p:cTn id="25" dur="500"/>
+                                        <p:cTn id="43" dur="500"/>
                                         <p:tgtEl>
                                           <p:spTgt spid="59"/>
                                         </p:tgtEl>
@@ -14367,26 +15221,116 @@
                     </p:cTn>
                   </p:par>
                   <p:par>
-                    <p:cTn id="26" fill="hold">
+                    <p:cTn id="44" fill="hold">
                       <p:stCondLst>
                         <p:cond delay="indefinite"/>
                       </p:stCondLst>
                       <p:childTnLst>
                         <p:par>
-                          <p:cTn id="27" fill="hold">
+                          <p:cTn id="45" fill="hold">
                             <p:stCondLst>
                               <p:cond delay="0"/>
                             </p:stCondLst>
                             <p:childTnLst>
                               <p:par>
-                                <p:cTn id="28" presetID="1" presetClass="exit" presetSubtype="0" fill="hold" nodeType="clickEffect">
+                                <p:cTn id="46" presetID="1" presetClass="entr" presetSubtype="0" fill="hold" nodeType="clickEffect">
                                   <p:stCondLst>
                                     <p:cond delay="0"/>
                                   </p:stCondLst>
                                   <p:childTnLst>
                                     <p:set>
                                       <p:cBhvr>
-                                        <p:cTn id="29" dur="1" fill="hold">
+                                        <p:cTn id="47" dur="1" fill="hold">
+                                          <p:stCondLst>
+                                            <p:cond delay="0"/>
+                                          </p:stCondLst>
+                                        </p:cTn>
+                                        <p:tgtEl>
+                                          <p:spTgt spid="9"/>
+                                        </p:tgtEl>
+                                        <p:attrNameLst>
+                                          <p:attrName>style.visibility</p:attrName>
+                                        </p:attrNameLst>
+                                      </p:cBhvr>
+                                      <p:to>
+                                        <p:strVal val="visible"/>
+                                      </p:to>
+                                    </p:set>
+                                  </p:childTnLst>
+                                </p:cTn>
+                              </p:par>
+                            </p:childTnLst>
+                          </p:cTn>
+                        </p:par>
+                      </p:childTnLst>
+                    </p:cTn>
+                  </p:par>
+                  <p:par>
+                    <p:cTn id="48" fill="hold">
+                      <p:stCondLst>
+                        <p:cond delay="indefinite"/>
+                      </p:stCondLst>
+                      <p:childTnLst>
+                        <p:par>
+                          <p:cTn id="49" fill="hold">
+                            <p:stCondLst>
+                              <p:cond delay="0"/>
+                            </p:stCondLst>
+                            <p:childTnLst>
+                              <p:par>
+                                <p:cTn id="50" presetID="1" presetClass="exit" presetSubtype="0" fill="hold" nodeType="clickEffect">
+                                  <p:stCondLst>
+                                    <p:cond delay="0"/>
+                                  </p:stCondLst>
+                                  <p:childTnLst>
+                                    <p:set>
+                                      <p:cBhvr>
+                                        <p:cTn id="51" dur="1" fill="hold">
+                                          <p:stCondLst>
+                                            <p:cond delay="0"/>
+                                          </p:stCondLst>
+                                        </p:cTn>
+                                        <p:tgtEl>
+                                          <p:spTgt spid="9"/>
+                                        </p:tgtEl>
+                                        <p:attrNameLst>
+                                          <p:attrName>style.visibility</p:attrName>
+                                        </p:attrNameLst>
+                                      </p:cBhvr>
+                                      <p:to>
+                                        <p:strVal val="hidden"/>
+                                      </p:to>
+                                    </p:set>
+                                  </p:childTnLst>
+                                </p:cTn>
+                              </p:par>
+                            </p:childTnLst>
+                          </p:cTn>
+                        </p:par>
+                      </p:childTnLst>
+                    </p:cTn>
+                  </p:par>
+                  <p:par>
+                    <p:cTn id="52" fill="hold">
+                      <p:stCondLst>
+                        <p:cond delay="indefinite"/>
+                      </p:stCondLst>
+                      <p:childTnLst>
+                        <p:par>
+                          <p:cTn id="53" fill="hold">
+                            <p:stCondLst>
+                              <p:cond delay="0"/>
+                            </p:stCondLst>
+                            <p:childTnLst>
+                              <p:par>
+                                <p:cTn id="54" presetID="1" presetClass="exit" presetSubtype="0" fill="hold" nodeType="clickEffect">
+                                  <p:stCondLst>
+                                    <p:cond delay="0"/>
+                                  </p:stCondLst>
+                                  <p:childTnLst>
+                                    <p:set>
+                                      <p:cBhvr>
+                                        <p:cTn id="55" dur="1" fill="hold">
                                           <p:stCondLst>
                                             <p:cond delay="0"/>
                                           </p:stCondLst>
@@ -14412,26 +15356,26 @@
                     </p:cTn>
                   </p:par>
                   <p:par>
-                    <p:cTn id="30" fill="hold">
+                    <p:cTn id="56" fill="hold">
                       <p:stCondLst>
                         <p:cond delay="indefinite"/>
                       </p:stCondLst>
                       <p:childTnLst>
                         <p:par>
-                          <p:cTn id="31" fill="hold">
+                          <p:cTn id="57" fill="hold">
                             <p:stCondLst>
                               <p:cond delay="0"/>
                             </p:stCondLst>
                             <p:childTnLst>
                               <p:par>
-                                <p:cTn id="32" presetID="1" presetClass="entr" presetSubtype="0" fill="hold" nodeType="clickEffect">
+                                <p:cTn id="58" presetID="1" presetClass="entr" presetSubtype="0" fill="hold" nodeType="clickEffect">
                                   <p:stCondLst>
                                     <p:cond delay="0"/>
                                   </p:stCondLst>
                                   <p:childTnLst>
                                     <p:set>
                                       <p:cBhvr>
-                                        <p:cTn id="33" dur="1" fill="hold">
+                                        <p:cTn id="59" dur="1" fill="hold">
                                           <p:stCondLst>
                                             <p:cond delay="0"/>
                                           </p:stCondLst>
@@ -14457,26 +15401,71 @@
                     </p:cTn>
                   </p:par>
                   <p:par>
-                    <p:cTn id="34" fill="hold">
+                    <p:cTn id="60" fill="hold">
                       <p:stCondLst>
                         <p:cond delay="indefinite"/>
                       </p:stCondLst>
                       <p:childTnLst>
                         <p:par>
-                          <p:cTn id="35" fill="hold">
+                          <p:cTn id="61" fill="hold">
                             <p:stCondLst>
                               <p:cond delay="0"/>
                             </p:stCondLst>
                             <p:childTnLst>
                               <p:par>
-                                <p:cTn id="36" presetID="1" presetClass="exit" presetSubtype="0" fill="hold" nodeType="clickEffect">
+                                <p:cTn id="62" presetID="1" presetClass="entr" presetSubtype="0" fill="hold" nodeType="clickEffect">
                                   <p:stCondLst>
                                     <p:cond delay="0"/>
                                   </p:stCondLst>
                                   <p:childTnLst>
                                     <p:set>
                                       <p:cBhvr>
-                                        <p:cTn id="37" dur="1" fill="hold">
+                                        <p:cTn id="63" dur="1" fill="hold">
+                                          <p:stCondLst>
+                                            <p:cond delay="0"/>
+                                          </p:stCondLst>
+                                        </p:cTn>
+                                        <p:tgtEl>
+                                          <p:spTgt spid="13"/>
+                                        </p:tgtEl>
+                                        <p:attrNameLst>
+                                          <p:attrName>style.visibility</p:attrName>
+                                        </p:attrNameLst>
+                                      </p:cBhvr>
+                                      <p:to>
+                                        <p:strVal val="visible"/>
+                                      </p:to>
+                                    </p:set>
+                                  </p:childTnLst>
+                                </p:cTn>
+                              </p:par>
+                            </p:childTnLst>
+                          </p:cTn>
+                        </p:par>
+                      </p:childTnLst>
+                    </p:cTn>
+                  </p:par>
+                  <p:par>
+                    <p:cTn id="64" fill="hold">
+                      <p:stCondLst>
+                        <p:cond delay="indefinite"/>
+                      </p:stCondLst>
+                      <p:childTnLst>
+                        <p:par>
+                          <p:cTn id="65" fill="hold">
+                            <p:stCondLst>
+                              <p:cond delay="0"/>
+                            </p:stCondLst>
+                            <p:childTnLst>
+                              <p:par>
+                                <p:cTn id="66" presetID="1" presetClass="exit" presetSubtype="0" fill="hold" nodeType="clickEffect">
+                                  <p:stCondLst>
+                                    <p:cond delay="0"/>
+                                  </p:stCondLst>
+                                  <p:childTnLst>
+                                    <p:set>
+                                      <p:cBhvr>
+                                        <p:cTn id="67" dur="1" fill="hold">
                                           <p:stCondLst>
                                             <p:cond delay="0"/>
                                           </p:stCondLst>
@@ -14502,26 +15491,341 @@
                     </p:cTn>
                   </p:par>
                   <p:par>
-                    <p:cTn id="38" fill="hold">
+                    <p:cTn id="68" fill="hold">
                       <p:stCondLst>
                         <p:cond delay="indefinite"/>
                       </p:stCondLst>
                       <p:childTnLst>
                         <p:par>
-                          <p:cTn id="39" fill="hold">
+                          <p:cTn id="69" fill="hold">
                             <p:stCondLst>
                               <p:cond delay="0"/>
                             </p:stCondLst>
                             <p:childTnLst>
                               <p:par>
-                                <p:cTn id="40" presetID="1" presetClass="entr" presetSubtype="0" fill="hold" nodeType="clickEffect">
+                                <p:cTn id="70" presetID="1" presetClass="entr" presetSubtype="0" fill="hold" nodeType="clickEffect">
                                   <p:stCondLst>
                                     <p:cond delay="0"/>
                                   </p:stCondLst>
                                   <p:childTnLst>
                                     <p:set>
                                       <p:cBhvr>
-                                        <p:cTn id="41" dur="1" fill="hold">
+                                        <p:cTn id="71" dur="1" fill="hold">
+                                          <p:stCondLst>
+                                            <p:cond delay="0"/>
+                                          </p:stCondLst>
+                                        </p:cTn>
+                                        <p:tgtEl>
+                                          <p:spTgt spid="53"/>
+                                        </p:tgtEl>
+                                        <p:attrNameLst>
+                                          <p:attrName>style.visibility</p:attrName>
+                                        </p:attrNameLst>
+                                      </p:cBhvr>
+                                      <p:to>
+                                        <p:strVal val="visible"/>
+                                      </p:to>
+                                    </p:set>
+                                  </p:childTnLst>
+                                </p:cTn>
+                              </p:par>
+                            </p:childTnLst>
+                          </p:cTn>
+                        </p:par>
+                      </p:childTnLst>
+                    </p:cTn>
+                  </p:par>
+                  <p:par>
+                    <p:cTn id="72" fill="hold">
+                      <p:stCondLst>
+                        <p:cond delay="indefinite"/>
+                      </p:stCondLst>
+                      <p:childTnLst>
+                        <p:par>
+                          <p:cTn id="73" fill="hold">
+                            <p:stCondLst>
+                              <p:cond delay="0"/>
+                            </p:stCondLst>
+                            <p:childTnLst>
+                              <p:par>
+                                <p:cTn id="74" presetID="1" presetClass="entr" presetSubtype="0" fill="hold" nodeType="clickEffect">
+                                  <p:stCondLst>
+                                    <p:cond delay="0"/>
+                                  </p:stCondLst>
+                                  <p:childTnLst>
+                                    <p:set>
+                                      <p:cBhvr>
+                                        <p:cTn id="75" dur="1" fill="hold">
+                                          <p:stCondLst>
+                                            <p:cond delay="0"/>
+                                          </p:stCondLst>
+                                        </p:cTn>
+                                        <p:tgtEl>
+                                          <p:spTgt spid="14"/>
+                                        </p:tgtEl>
+                                        <p:attrNameLst>
+                                          <p:attrName>style.visibility</p:attrName>
+                                        </p:attrNameLst>
+                                      </p:cBhvr>
+                                      <p:to>
+                                        <p:strVal val="visible"/>
+                                      </p:to>
+                                    </p:set>
+                                  </p:childTnLst>
+                                </p:cTn>
+                              </p:par>
+                            </p:childTnLst>
+                          </p:cTn>
+                        </p:par>
+                      </p:childTnLst>
+                    </p:cTn>
+                  </p:par>
+                  <p:par>
+                    <p:cTn id="76" fill="hold">
+                      <p:stCondLst>
+                        <p:cond delay="indefinite"/>
+                      </p:stCondLst>
+                      <p:childTnLst>
+                        <p:par>
+                          <p:cTn id="77" fill="hold">
+                            <p:stCondLst>
+                              <p:cond delay="0"/>
+                            </p:stCondLst>
+                            <p:childTnLst>
+                              <p:par>
+                                <p:cTn id="78" presetID="1" presetClass="exit" presetSubtype="0" fill="hold" nodeType="clickEffect">
+                                  <p:stCondLst>
+                                    <p:cond delay="0"/>
+                                  </p:stCondLst>
+                                  <p:childTnLst>
+                                    <p:set>
+                                      <p:cBhvr>
+                                        <p:cTn id="79" dur="1" fill="hold">
+                                          <p:stCondLst>
+                                            <p:cond delay="0"/>
+                                          </p:stCondLst>
+                                        </p:cTn>
+                                        <p:tgtEl>
+                                          <p:spTgt spid="53"/>
+                                        </p:tgtEl>
+                                        <p:attrNameLst>
+                                          <p:attrName>style.visibility</p:attrName>
+                                        </p:attrNameLst>
+                                      </p:cBhvr>
+                                      <p:to>
+                                        <p:strVal val="hidden"/>
+                                      </p:to>
+                                    </p:set>
+                                  </p:childTnLst>
+                                </p:cTn>
+                              </p:par>
+                            </p:childTnLst>
+                          </p:cTn>
+                        </p:par>
+                      </p:childTnLst>
+                    </p:cTn>
+                  </p:par>
+                  <p:par>
+                    <p:cTn id="80" fill="hold">
+                      <p:stCondLst>
+                        <p:cond delay="indefinite"/>
+                      </p:stCondLst>
+                      <p:childTnLst>
+                        <p:par>
+                          <p:cTn id="81" fill="hold">
+                            <p:stCondLst>
+                              <p:cond delay="0"/>
+                            </p:stCondLst>
+                            <p:childTnLst>
+                              <p:par>
+                                <p:cTn id="82" presetID="1" presetClass="entr" presetSubtype="0" fill="hold" nodeType="clickEffect">
+                                  <p:stCondLst>
+                                    <p:cond delay="0"/>
+                                  </p:stCondLst>
+                                  <p:childTnLst>
+                                    <p:set>
+                                      <p:cBhvr>
+                                        <p:cTn id="83" dur="1" fill="hold">
+                                          <p:stCondLst>
+                                            <p:cond delay="0"/>
+                                          </p:stCondLst>
+                                        </p:cTn>
+                                        <p:tgtEl>
+                                          <p:spTgt spid="86"/>
+                                        </p:tgtEl>
+                                        <p:attrNameLst>
+                                          <p:attrName>style.visibility</p:attrName>
+                                        </p:attrNameLst>
+                                      </p:cBhvr>
+                                      <p:to>
+                                        <p:strVal val="visible"/>
+                                      </p:to>
+                                    </p:set>
+                                  </p:childTnLst>
+                                </p:cTn>
+                              </p:par>
+                            </p:childTnLst>
+                          </p:cTn>
+                        </p:par>
+                      </p:childTnLst>
+                    </p:cTn>
+                  </p:par>
+                  <p:par>
+                    <p:cTn id="84" fill="hold">
+                      <p:stCondLst>
+                        <p:cond delay="indefinite"/>
+                      </p:stCondLst>
+                      <p:childTnLst>
+                        <p:par>
+                          <p:cTn id="85" fill="hold">
+                            <p:stCondLst>
+                              <p:cond delay="0"/>
+                            </p:stCondLst>
+                            <p:childTnLst>
+                              <p:par>
+                                <p:cTn id="86" presetID="1" presetClass="entr" presetSubtype="0" fill="hold" nodeType="clickEffect">
+                                  <p:stCondLst>
+                                    <p:cond delay="0"/>
+                                  </p:stCondLst>
+                                  <p:childTnLst>
+                                    <p:set>
+                                      <p:cBhvr>
+                                        <p:cTn id="87" dur="1" fill="hold">
+                                          <p:stCondLst>
+                                            <p:cond delay="0"/>
+                                          </p:stCondLst>
+                                        </p:cTn>
+                                        <p:tgtEl>
+                                          <p:spTgt spid="20"/>
+                                        </p:tgtEl>
+                                        <p:attrNameLst>
+                                          <p:attrName>style.visibility</p:attrName>
+                                        </p:attrNameLst>
+                                      </p:cBhvr>
+                                      <p:to>
+                                        <p:strVal val="visible"/>
+                                      </p:to>
+                                    </p:set>
+                                  </p:childTnLst>
+                                </p:cTn>
+                              </p:par>
+                            </p:childTnLst>
+                          </p:cTn>
+                        </p:par>
+                      </p:childTnLst>
+                    </p:cTn>
+                  </p:par>
+                  <p:par>
+                    <p:cTn id="88" fill="hold">
+                      <p:stCondLst>
+                        <p:cond delay="indefinite"/>
+                      </p:stCondLst>
+                      <p:childTnLst>
+                        <p:par>
+                          <p:cTn id="89" fill="hold">
+                            <p:stCondLst>
+                              <p:cond delay="0"/>
+                            </p:stCondLst>
+                            <p:childTnLst>
+                              <p:par>
+                                <p:cTn id="90" presetID="1" presetClass="exit" presetSubtype="0" fill="hold" nodeType="clickEffect">
+                                  <p:stCondLst>
+                                    <p:cond delay="0"/>
+                                  </p:stCondLst>
+                                  <p:childTnLst>
+                                    <p:set>
+                                      <p:cBhvr>
+                                        <p:cTn id="91" dur="1" fill="hold">
+                                          <p:stCondLst>
+                                            <p:cond delay="0"/>
+                                          </p:stCondLst>
+                                        </p:cTn>
+                                        <p:tgtEl>
+                                          <p:spTgt spid="20"/>
+                                        </p:tgtEl>
+                                        <p:attrNameLst>
+                                          <p:attrName>style.visibility</p:attrName>
+                                        </p:attrNameLst>
+                                      </p:cBhvr>
+                                      <p:to>
+                                        <p:strVal val="hidden"/>
+                                      </p:to>
+                                    </p:set>
+                                  </p:childTnLst>
+                                </p:cTn>
+                              </p:par>
+                            </p:childTnLst>
+                          </p:cTn>
+                        </p:par>
+                      </p:childTnLst>
+                    </p:cTn>
+                  </p:par>
+                  <p:par>
+                    <p:cTn id="92" fill="hold">
+                      <p:stCondLst>
+                        <p:cond delay="indefinite"/>
+                      </p:stCondLst>
+                      <p:childTnLst>
+                        <p:par>
+                          <p:cTn id="93" fill="hold">
+                            <p:stCondLst>
+                              <p:cond delay="0"/>
+                            </p:stCondLst>
+                            <p:childTnLst>
+                              <p:par>
+                                <p:cTn id="94" presetID="1" presetClass="exit" presetSubtype="0" fill="hold" nodeType="clickEffect">
+                                  <p:stCondLst>
+                                    <p:cond delay="0"/>
+                                  </p:stCondLst>
+                                  <p:childTnLst>
+                                    <p:set>
+                                      <p:cBhvr>
+                                        <p:cTn id="95" dur="1" fill="hold">
+                                          <p:stCondLst>
+                                            <p:cond delay="0"/>
+                                          </p:stCondLst>
+                                        </p:cTn>
+                                        <p:tgtEl>
+                                          <p:spTgt spid="86"/>
+                                        </p:tgtEl>
+                                        <p:attrNameLst>
+                                          <p:attrName>style.visibility</p:attrName>
+                                        </p:attrNameLst>
+                                      </p:cBhvr>
+                                      <p:to>
+                                        <p:strVal val="hidden"/>
+                                      </p:to>
+                                    </p:set>
+                                  </p:childTnLst>
+                                </p:cTn>
+                              </p:par>
+                            </p:childTnLst>
+                          </p:cTn>
+                        </p:par>
+                      </p:childTnLst>
+                    </p:cTn>
+                  </p:par>
+                  <p:par>
+                    <p:cTn id="96" fill="hold">
+                      <p:stCondLst>
+                        <p:cond delay="indefinite"/>
+                      </p:stCondLst>
+                      <p:childTnLst>
+                        <p:par>
+                          <p:cTn id="97" fill="hold">
+                            <p:stCondLst>
+                              <p:cond delay="0"/>
+                            </p:stCondLst>
+                            <p:childTnLst>
+                              <p:par>
+                                <p:cTn id="98" presetID="1" presetClass="entr" presetSubtype="0" fill="hold" nodeType="clickEffect">
+                                  <p:stCondLst>
+                                    <p:cond delay="0"/>
+                                  </p:stCondLst>
+                                  <p:childTnLst>
+                                    <p:set>
+                                      <p:cBhvr>
+                                        <p:cTn id="99" dur="1" fill="hold">
                                           <p:stCondLst>
                                             <p:cond delay="0"/>
                                           </p:stCondLst>
@@ -14547,32 +15851,571 @@
                     </p:cTn>
                   </p:par>
                   <p:par>
-                    <p:cTn id="42" fill="hold">
+                    <p:cTn id="100" fill="hold">
                       <p:stCondLst>
                         <p:cond delay="indefinite"/>
                       </p:stCondLst>
                       <p:childTnLst>
                         <p:par>
-                          <p:cTn id="43" fill="hold">
+                          <p:cTn id="101" fill="hold">
                             <p:stCondLst>
                               <p:cond delay="0"/>
                             </p:stCondLst>
                             <p:childTnLst>
                               <p:par>
-                                <p:cTn id="44" presetID="1" presetClass="entr" presetSubtype="0" fill="hold" nodeType="clickEffect">
+                                <p:cTn id="102" presetID="1" presetClass="exit" presetSubtype="0" fill="hold" nodeType="clickEffect">
                                   <p:stCondLst>
                                     <p:cond delay="0"/>
                                   </p:stCondLst>
                                   <p:childTnLst>
                                     <p:set>
                                       <p:cBhvr>
-                                        <p:cTn id="45" dur="1" fill="hold">
+                                        <p:cTn id="103" dur="1" fill="hold">
                                           <p:stCondLst>
                                             <p:cond delay="0"/>
                                           </p:stCondLst>
                                         </p:cTn>
                                         <p:tgtEl>
-                                          <p:spTgt spid="66"/>
+                                          <p:spTgt spid="73"/>
+                                        </p:tgtEl>
+                                        <p:attrNameLst>
+                                          <p:attrName>style.visibility</p:attrName>
+                                        </p:attrNameLst>
+                                      </p:cBhvr>
+                                      <p:to>
+                                        <p:strVal val="hidden"/>
+                                      </p:to>
+                                    </p:set>
+                                  </p:childTnLst>
+                                </p:cTn>
+                              </p:par>
+                            </p:childTnLst>
+                          </p:cTn>
+                        </p:par>
+                      </p:childTnLst>
+                    </p:cTn>
+                  </p:par>
+                </p:childTnLst>
+              </p:cTn>
+              <p:prevCondLst>
+                <p:cond evt="onPrev" delay="0">
+                  <p:tgtEl>
+                    <p:sldTgt/>
+                  </p:tgtEl>
+                </p:cond>
+              </p:prevCondLst>
+              <p:nextCondLst>
+                <p:cond evt="onNext" delay="0">
+                  <p:tgtEl>
+                    <p:sldTgt/>
+                  </p:tgtEl>
+                </p:cond>
+              </p:nextCondLst>
+            </p:seq>
+          </p:childTnLst>
+        </p:cTn>
+      </p:par>
+    </p:tnLst>
+  </p:timing>
+</p:sld>
+</file>
+
+<file path=ppt/slides/slide6.xml><?xml version="1.0" encoding="utf-8"?>
+<p:sld xmlns:a="http://schemas.openxmlformats.org/drawingml/2006/main" xmlns:r="http://schemas.openxmlformats.org/officeDocument/2006/relationships" xmlns:p="http://schemas.openxmlformats.org/presentationml/2006/main">
+  <p:cSld>
+    <p:spTree>
+      <p:nvGrpSpPr>
+        <p:cNvPr id="1" name=""/>
+        <p:cNvGrpSpPr/>
+        <p:nvPr/>
+      </p:nvGrpSpPr>
+      <p:grpSpPr>
+        <a:xfrm>
+          <a:off x="0" y="0"/>
+          <a:ext cx="0" cy="0"/>
+          <a:chOff x="0" y="0"/>
+          <a:chExt cx="0" cy="0"/>
+        </a:xfrm>
+      </p:grpSpPr>
+      <p:sp>
+        <p:nvSpPr>
+          <p:cNvPr id="2" name="Title 1">
+            <a:extLst>
+              <a:ext uri="{FF2B5EF4-FFF2-40B4-BE49-F238E27FC236}">
+                <a16:creationId xmlns:a16="http://schemas.microsoft.com/office/drawing/2014/main" id="{C06AD34A-2051-4147-87C8-F1CD6ABB36B5}"/>
+              </a:ext>
+            </a:extLst>
+          </p:cNvPr>
+          <p:cNvSpPr>
+            <a:spLocks noGrp="1"/>
+          </p:cNvSpPr>
+          <p:nvPr>
+            <p:ph type="title"/>
+          </p:nvPr>
+        </p:nvSpPr>
+        <p:spPr>
+          <a:xfrm>
+            <a:off x="89130" y="2101"/>
+            <a:ext cx="7594572" cy="974596"/>
+          </a:xfrm>
+        </p:spPr>
+        <p:txBody>
+          <a:bodyPr/>
+          <a:lstStyle/>
+          <a:p>
+            <a:r>
+              <a:rPr lang="en-US" altLang="zh-CN" dirty="0">
+                <a:latin typeface="Arial" panose="020B0604020202020204" pitchFamily="34" charset="0"/>
+                <a:cs typeface="Arial" panose="020B0604020202020204" pitchFamily="34" charset="0"/>
+              </a:rPr>
+              <a:t>What</a:t>
+            </a:r>
+            <a:r>
+              <a:rPr lang="zh-CN" altLang="en-US" dirty="0">
+                <a:latin typeface="Arial" panose="020B0604020202020204" pitchFamily="34" charset="0"/>
+                <a:cs typeface="Arial" panose="020B0604020202020204" pitchFamily="34" charset="0"/>
+              </a:rPr>
+              <a:t> </a:t>
+            </a:r>
+            <a:r>
+              <a:rPr lang="en-US" altLang="zh-CN" dirty="0">
+                <a:latin typeface="Arial" panose="020B0604020202020204" pitchFamily="34" charset="0"/>
+                <a:cs typeface="Arial" panose="020B0604020202020204" pitchFamily="34" charset="0"/>
+              </a:rPr>
+              <a:t>to</a:t>
+            </a:r>
+            <a:r>
+              <a:rPr lang="zh-CN" altLang="en-US" dirty="0">
+                <a:latin typeface="Arial" panose="020B0604020202020204" pitchFamily="34" charset="0"/>
+                <a:cs typeface="Arial" panose="020B0604020202020204" pitchFamily="34" charset="0"/>
+              </a:rPr>
+              <a:t> </a:t>
+            </a:r>
+            <a:r>
+              <a:rPr lang="en-US" altLang="zh-CN" dirty="0">
+                <a:latin typeface="Arial" panose="020B0604020202020204" pitchFamily="34" charset="0"/>
+                <a:cs typeface="Arial" panose="020B0604020202020204" pitchFamily="34" charset="0"/>
+              </a:rPr>
+              <a:t>do</a:t>
+            </a:r>
+            <a:r>
+              <a:rPr lang="zh-CN" altLang="en-US" dirty="0">
+                <a:latin typeface="Arial" panose="020B0604020202020204" pitchFamily="34" charset="0"/>
+                <a:cs typeface="Arial" panose="020B0604020202020204" pitchFamily="34" charset="0"/>
+              </a:rPr>
+              <a:t> </a:t>
+            </a:r>
+            <a:r>
+              <a:rPr lang="en-US" altLang="zh-CN" dirty="0">
+                <a:latin typeface="Arial" panose="020B0604020202020204" pitchFamily="34" charset="0"/>
+                <a:cs typeface="Arial" panose="020B0604020202020204" pitchFamily="34" charset="0"/>
+              </a:rPr>
+              <a:t>next</a:t>
+            </a:r>
+            <a:endParaRPr lang="en-US" dirty="0">
+              <a:latin typeface="Arial" panose="020B0604020202020204" pitchFamily="34" charset="0"/>
+              <a:cs typeface="Arial" panose="020B0604020202020204" pitchFamily="34" charset="0"/>
+            </a:endParaRPr>
+          </a:p>
+        </p:txBody>
+      </p:sp>
+      <p:sp>
+        <p:nvSpPr>
+          <p:cNvPr id="74" name="Title 1">
+            <a:extLst>
+              <a:ext uri="{FF2B5EF4-FFF2-40B4-BE49-F238E27FC236}">
+                <a16:creationId xmlns:a16="http://schemas.microsoft.com/office/drawing/2014/main" id="{5C2A7995-B344-2945-A432-C5F1DF8D7EF5}"/>
+              </a:ext>
+            </a:extLst>
+          </p:cNvPr>
+          <p:cNvSpPr txBox="1">
+            <a:spLocks/>
+          </p:cNvSpPr>
+          <p:nvPr/>
+        </p:nvSpPr>
+        <p:spPr>
+          <a:xfrm>
+            <a:off x="89129" y="1105235"/>
+            <a:ext cx="11156173" cy="2473642"/>
+          </a:xfrm>
+          <a:prstGeom prst="rect">
+            <a:avLst/>
+          </a:prstGeom>
+        </p:spPr>
+        <p:txBody>
+          <a:bodyPr vert="horz" lIns="91440" tIns="45720" rIns="91440" bIns="45720" rtlCol="0" anchor="ctr">
+            <a:normAutofit fontScale="92500" lnSpcReduction="10000"/>
+          </a:bodyPr>
+          <a:lstStyle>
+            <a:lvl1pPr algn="l" defTabSz="914400" rtl="0" eaLnBrk="1" latinLnBrk="0" hangingPunct="1">
+              <a:lnSpc>
+                <a:spcPct val="90000"/>
+              </a:lnSpc>
+              <a:spcBef>
+                <a:spcPct val="0"/>
+              </a:spcBef>
+              <a:buNone/>
+              <a:defRPr sz="4400" kern="1200">
+                <a:solidFill>
+                  <a:schemeClr val="tx1"/>
+                </a:solidFill>
+                <a:latin typeface="+mj-lt"/>
+                <a:ea typeface="+mj-ea"/>
+                <a:cs typeface="+mj-cs"/>
+              </a:defRPr>
+            </a:lvl1pPr>
+          </a:lstStyle>
+          <a:p>
+            <a:pPr marL="457200" indent="-457200">
+              <a:lnSpc>
+                <a:spcPct val="160000"/>
+              </a:lnSpc>
+              <a:buFont typeface="Wingdings" pitchFamily="2" charset="2"/>
+              <a:buChar char="Ø"/>
+            </a:pPr>
+            <a:r>
+              <a:rPr lang="en-US" altLang="zh-CN" sz="3500" dirty="0">
+                <a:latin typeface="Arial" panose="020B0604020202020204" pitchFamily="34" charset="0"/>
+                <a:cs typeface="Arial" panose="020B0604020202020204" pitchFamily="34" charset="0"/>
+              </a:rPr>
+              <a:t>Use</a:t>
+            </a:r>
+            <a:r>
+              <a:rPr lang="zh-CN" altLang="en-US" sz="3500" dirty="0">
+                <a:latin typeface="Arial" panose="020B0604020202020204" pitchFamily="34" charset="0"/>
+                <a:cs typeface="Arial" panose="020B0604020202020204" pitchFamily="34" charset="0"/>
+              </a:rPr>
+              <a:t> </a:t>
+            </a:r>
+            <a:r>
+              <a:rPr lang="en-US" altLang="zh-CN" sz="3500" dirty="0">
+                <a:latin typeface="Arial" panose="020B0604020202020204" pitchFamily="34" charset="0"/>
+                <a:cs typeface="Arial" panose="020B0604020202020204" pitchFamily="34" charset="0"/>
+              </a:rPr>
+              <a:t>React</a:t>
+            </a:r>
+            <a:r>
+              <a:rPr lang="zh-CN" altLang="en-US" sz="3500" dirty="0">
+                <a:latin typeface="Arial" panose="020B0604020202020204" pitchFamily="34" charset="0"/>
+                <a:cs typeface="Arial" panose="020B0604020202020204" pitchFamily="34" charset="0"/>
+              </a:rPr>
+              <a:t> </a:t>
+            </a:r>
+            <a:r>
+              <a:rPr lang="en-US" altLang="zh-CN" sz="3500" dirty="0">
+                <a:latin typeface="Arial" panose="020B0604020202020204" pitchFamily="34" charset="0"/>
+                <a:cs typeface="Arial" panose="020B0604020202020204" pitchFamily="34" charset="0"/>
+              </a:rPr>
+              <a:t>Redux</a:t>
+            </a:r>
+          </a:p>
+          <a:p>
+            <a:pPr marL="914400" lvl="1" indent="-457200">
+              <a:lnSpc>
+                <a:spcPct val="160000"/>
+              </a:lnSpc>
+              <a:buFont typeface="Arial" panose="020B0604020202020204" pitchFamily="34" charset="0"/>
+              <a:buChar char="•"/>
+            </a:pPr>
+            <a:r>
+              <a:rPr lang="en-NZ" sz="2600" dirty="0">
+                <a:latin typeface="Arial" panose="020B0604020202020204" pitchFamily="34" charset="0"/>
+                <a:cs typeface="Arial" panose="020B0604020202020204" pitchFamily="34" charset="0"/>
+              </a:rPr>
+              <a:t>React components read data from a Redux store, and dispatch actions to the store to update state</a:t>
+            </a:r>
+          </a:p>
+          <a:p>
+            <a:pPr marL="914400" lvl="1" indent="-457200">
+              <a:lnSpc>
+                <a:spcPct val="160000"/>
+              </a:lnSpc>
+              <a:buFont typeface="Arial" panose="020B0604020202020204" pitchFamily="34" charset="0"/>
+              <a:buChar char="•"/>
+            </a:pPr>
+            <a:r>
+              <a:rPr lang="en-US" altLang="zh-CN" sz="2600" dirty="0">
+                <a:latin typeface="Arial" panose="020B0604020202020204" pitchFamily="34" charset="0"/>
+                <a:cs typeface="Arial" panose="020B0604020202020204" pitchFamily="34" charset="0"/>
+              </a:rPr>
+              <a:t>Login</a:t>
+            </a:r>
+            <a:r>
+              <a:rPr lang="zh-CN" altLang="en-US" sz="2600" dirty="0">
+                <a:latin typeface="Arial" panose="020B0604020202020204" pitchFamily="34" charset="0"/>
+                <a:cs typeface="Arial" panose="020B0604020202020204" pitchFamily="34" charset="0"/>
+              </a:rPr>
+              <a:t> </a:t>
+            </a:r>
+            <a:r>
+              <a:rPr lang="en-US" altLang="zh-CN" sz="2600" dirty="0">
+                <a:latin typeface="Arial" panose="020B0604020202020204" pitchFamily="34" charset="0"/>
+                <a:cs typeface="Arial" panose="020B0604020202020204" pitchFamily="34" charset="0"/>
+              </a:rPr>
+              <a:t>status,</a:t>
+            </a:r>
+            <a:r>
+              <a:rPr lang="zh-CN" altLang="en-US" sz="2600" dirty="0">
+                <a:latin typeface="Arial" panose="020B0604020202020204" pitchFamily="34" charset="0"/>
+                <a:cs typeface="Arial" panose="020B0604020202020204" pitchFamily="34" charset="0"/>
+              </a:rPr>
+              <a:t> </a:t>
+            </a:r>
+            <a:r>
+              <a:rPr lang="en-US" altLang="zh-CN" sz="2600" dirty="0">
+                <a:latin typeface="Arial" panose="020B0604020202020204" pitchFamily="34" charset="0"/>
+                <a:cs typeface="Arial" panose="020B0604020202020204" pitchFamily="34" charset="0"/>
+              </a:rPr>
+              <a:t>show</a:t>
+            </a:r>
+            <a:r>
+              <a:rPr lang="zh-CN" altLang="en-US" sz="2600" dirty="0">
+                <a:latin typeface="Arial" panose="020B0604020202020204" pitchFamily="34" charset="0"/>
+                <a:cs typeface="Arial" panose="020B0604020202020204" pitchFamily="34" charset="0"/>
+              </a:rPr>
+              <a:t> </a:t>
+            </a:r>
+            <a:r>
+              <a:rPr lang="en-US" altLang="zh-CN" sz="2600" dirty="0">
+                <a:latin typeface="Arial" panose="020B0604020202020204" pitchFamily="34" charset="0"/>
+                <a:cs typeface="Arial" panose="020B0604020202020204" pitchFamily="34" charset="0"/>
+              </a:rPr>
+              <a:t>the</a:t>
+            </a:r>
+            <a:r>
+              <a:rPr lang="zh-CN" altLang="en-US" sz="2600" dirty="0">
+                <a:latin typeface="Arial" panose="020B0604020202020204" pitchFamily="34" charset="0"/>
+                <a:cs typeface="Arial" panose="020B0604020202020204" pitchFamily="34" charset="0"/>
+              </a:rPr>
+              <a:t> </a:t>
+            </a:r>
+            <a:r>
+              <a:rPr lang="en-US" altLang="zh-CN" sz="2600" dirty="0">
+                <a:latin typeface="Arial" panose="020B0604020202020204" pitchFamily="34" charset="0"/>
+                <a:cs typeface="Arial" panose="020B0604020202020204" pitchFamily="34" charset="0"/>
+              </a:rPr>
+              <a:t>modal</a:t>
+            </a:r>
+            <a:endParaRPr lang="en-US" sz="2600" dirty="0">
+              <a:latin typeface="Arial" panose="020B0604020202020204" pitchFamily="34" charset="0"/>
+              <a:cs typeface="Arial" panose="020B0604020202020204" pitchFamily="34" charset="0"/>
+            </a:endParaRPr>
+          </a:p>
+        </p:txBody>
+      </p:sp>
+      <p:sp>
+        <p:nvSpPr>
+          <p:cNvPr id="75" name="Title 1">
+            <a:extLst>
+              <a:ext uri="{FF2B5EF4-FFF2-40B4-BE49-F238E27FC236}">
+                <a16:creationId xmlns:a16="http://schemas.microsoft.com/office/drawing/2014/main" id="{832F037E-7604-DE4E-B5A5-BA4D2FC54FFB}"/>
+              </a:ext>
+            </a:extLst>
+          </p:cNvPr>
+          <p:cNvSpPr txBox="1">
+            <a:spLocks/>
+          </p:cNvSpPr>
+          <p:nvPr/>
+        </p:nvSpPr>
+        <p:spPr>
+          <a:xfrm>
+            <a:off x="89129" y="3875603"/>
+            <a:ext cx="11156173" cy="1816691"/>
+          </a:xfrm>
+          <a:prstGeom prst="rect">
+            <a:avLst/>
+          </a:prstGeom>
+        </p:spPr>
+        <p:txBody>
+          <a:bodyPr vert="horz" lIns="91440" tIns="45720" rIns="91440" bIns="45720" rtlCol="0" anchor="ctr">
+            <a:normAutofit lnSpcReduction="10000"/>
+          </a:bodyPr>
+          <a:lstStyle>
+            <a:lvl1pPr algn="l" defTabSz="914400" rtl="0" eaLnBrk="1" latinLnBrk="0" hangingPunct="1">
+              <a:lnSpc>
+                <a:spcPct val="90000"/>
+              </a:lnSpc>
+              <a:spcBef>
+                <a:spcPct val="0"/>
+              </a:spcBef>
+              <a:buNone/>
+              <a:defRPr sz="4400" kern="1200">
+                <a:solidFill>
+                  <a:schemeClr val="tx1"/>
+                </a:solidFill>
+                <a:latin typeface="+mj-lt"/>
+                <a:ea typeface="+mj-ea"/>
+                <a:cs typeface="+mj-cs"/>
+              </a:defRPr>
+            </a:lvl1pPr>
+          </a:lstStyle>
+          <a:p>
+            <a:pPr marL="457200" indent="-457200">
+              <a:lnSpc>
+                <a:spcPct val="150000"/>
+              </a:lnSpc>
+              <a:buFont typeface="Wingdings" pitchFamily="2" charset="2"/>
+              <a:buChar char="Ø"/>
+            </a:pPr>
+            <a:r>
+              <a:rPr lang="en-US" altLang="zh-CN" sz="3200" dirty="0">
+                <a:latin typeface="Arial" panose="020B0604020202020204" pitchFamily="34" charset="0"/>
+                <a:cs typeface="Arial" panose="020B0604020202020204" pitchFamily="34" charset="0"/>
+              </a:rPr>
+              <a:t>Write</a:t>
+            </a:r>
+            <a:r>
+              <a:rPr lang="zh-CN" altLang="en-US" sz="3200" dirty="0">
+                <a:latin typeface="Arial" panose="020B0604020202020204" pitchFamily="34" charset="0"/>
+                <a:cs typeface="Arial" panose="020B0604020202020204" pitchFamily="34" charset="0"/>
+              </a:rPr>
+              <a:t> </a:t>
+            </a:r>
+            <a:r>
+              <a:rPr lang="en-US" altLang="zh-CN" sz="3200" dirty="0">
+                <a:latin typeface="Arial" panose="020B0604020202020204" pitchFamily="34" charset="0"/>
+                <a:cs typeface="Arial" panose="020B0604020202020204" pitchFamily="34" charset="0"/>
+              </a:rPr>
+              <a:t>Specs</a:t>
+            </a:r>
+            <a:endParaRPr lang="en-US" altLang="zh-CN" sz="2400" dirty="0">
+              <a:latin typeface="Arial" panose="020B0604020202020204" pitchFamily="34" charset="0"/>
+              <a:cs typeface="Arial" panose="020B0604020202020204" pitchFamily="34" charset="0"/>
+            </a:endParaRPr>
+          </a:p>
+          <a:p>
+            <a:pPr marL="914400" lvl="1" indent="-457200">
+              <a:lnSpc>
+                <a:spcPct val="150000"/>
+              </a:lnSpc>
+              <a:buFont typeface="Arial" panose="020B0604020202020204" pitchFamily="34" charset="0"/>
+              <a:buChar char="•"/>
+            </a:pPr>
+            <a:r>
+              <a:rPr lang="en-US" altLang="zh-CN" sz="2400" dirty="0">
+                <a:latin typeface="Arial" panose="020B0604020202020204" pitchFamily="34" charset="0"/>
+                <a:cs typeface="Arial" panose="020B0604020202020204" pitchFamily="34" charset="0"/>
+              </a:rPr>
+              <a:t>Jest,</a:t>
+            </a:r>
+            <a:r>
+              <a:rPr lang="zh-CN" altLang="en-US" sz="2400" dirty="0">
+                <a:latin typeface="Arial" panose="020B0604020202020204" pitchFamily="34" charset="0"/>
+                <a:cs typeface="Arial" panose="020B0604020202020204" pitchFamily="34" charset="0"/>
+              </a:rPr>
+              <a:t> </a:t>
+            </a:r>
+            <a:r>
+              <a:rPr lang="en-US" altLang="zh-CN" sz="2400" dirty="0">
+                <a:latin typeface="Arial" panose="020B0604020202020204" pitchFamily="34" charset="0"/>
+                <a:cs typeface="Arial" panose="020B0604020202020204" pitchFamily="34" charset="0"/>
+              </a:rPr>
+              <a:t>React</a:t>
+            </a:r>
+            <a:r>
+              <a:rPr lang="zh-CN" altLang="en-US" sz="2400" dirty="0">
+                <a:latin typeface="Arial" panose="020B0604020202020204" pitchFamily="34" charset="0"/>
+                <a:cs typeface="Arial" panose="020B0604020202020204" pitchFamily="34" charset="0"/>
+              </a:rPr>
+              <a:t> </a:t>
+            </a:r>
+            <a:r>
+              <a:rPr lang="en-US" altLang="zh-CN" sz="2400" dirty="0">
+                <a:latin typeface="Arial" panose="020B0604020202020204" pitchFamily="34" charset="0"/>
+                <a:cs typeface="Arial" panose="020B0604020202020204" pitchFamily="34" charset="0"/>
+              </a:rPr>
+              <a:t>Testing</a:t>
+            </a:r>
+            <a:r>
+              <a:rPr lang="zh-CN" altLang="en-US" sz="2400" dirty="0">
+                <a:latin typeface="Arial" panose="020B0604020202020204" pitchFamily="34" charset="0"/>
+                <a:cs typeface="Arial" panose="020B0604020202020204" pitchFamily="34" charset="0"/>
+              </a:rPr>
+              <a:t> </a:t>
+            </a:r>
+            <a:r>
+              <a:rPr lang="en-US" altLang="zh-CN" sz="2400" dirty="0">
+                <a:latin typeface="Arial" panose="020B0604020202020204" pitchFamily="34" charset="0"/>
+                <a:cs typeface="Arial" panose="020B0604020202020204" pitchFamily="34" charset="0"/>
+              </a:rPr>
+              <a:t>Library</a:t>
+            </a:r>
+            <a:endParaRPr lang="en-NZ" sz="2400" dirty="0">
+              <a:latin typeface="Arial" panose="020B0604020202020204" pitchFamily="34" charset="0"/>
+              <a:cs typeface="Arial" panose="020B0604020202020204" pitchFamily="34" charset="0"/>
+            </a:endParaRPr>
+          </a:p>
+          <a:p>
+            <a:pPr marL="914400" lvl="1" indent="-457200">
+              <a:lnSpc>
+                <a:spcPct val="150000"/>
+              </a:lnSpc>
+              <a:buFont typeface="Arial" panose="020B0604020202020204" pitchFamily="34" charset="0"/>
+              <a:buChar char="•"/>
+            </a:pPr>
+            <a:r>
+              <a:rPr lang="en-US" altLang="zh-CN" sz="2400" dirty="0">
+                <a:latin typeface="Arial" panose="020B0604020202020204" pitchFamily="34" charset="0"/>
+                <a:cs typeface="Arial" panose="020B0604020202020204" pitchFamily="34" charset="0"/>
+              </a:rPr>
+              <a:t>Cypress</a:t>
+            </a:r>
+            <a:endParaRPr lang="en-US" sz="2400" dirty="0">
+              <a:latin typeface="Arial" panose="020B0604020202020204" pitchFamily="34" charset="0"/>
+              <a:cs typeface="Arial" panose="020B0604020202020204" pitchFamily="34" charset="0"/>
+            </a:endParaRPr>
+          </a:p>
+        </p:txBody>
+      </p:sp>
+    </p:spTree>
+    <p:extLst>
+      <p:ext uri="{BB962C8B-B14F-4D97-AF65-F5344CB8AC3E}">
+        <p14:creationId xmlns:p14="http://schemas.microsoft.com/office/powerpoint/2010/main" val="1971515841"/>
+      </p:ext>
+    </p:extLst>
+  </p:cSld>
+  <p:clrMapOvr>
+    <a:masterClrMapping/>
+  </p:clrMapOvr>
+  <p:timing>
+    <p:tnLst>
+      <p:par>
+        <p:cTn id="1" dur="indefinite" restart="never" nodeType="tmRoot">
+          <p:childTnLst>
+            <p:seq concurrent="1" nextAc="seek">
+              <p:cTn id="2" dur="indefinite" nodeType="mainSeq">
+                <p:childTnLst>
+                  <p:par>
+                    <p:cTn id="3" fill="hold">
+                      <p:stCondLst>
+                        <p:cond delay="indefinite"/>
+                      </p:stCondLst>
+                      <p:childTnLst>
+                        <p:par>
+                          <p:cTn id="4" fill="hold">
+                            <p:stCondLst>
+                              <p:cond delay="0"/>
+                            </p:stCondLst>
+                            <p:childTnLst>
+                              <p:par>
+                                <p:cTn id="5" presetID="1" presetClass="entr" presetSubtype="0" fill="hold" nodeType="clickEffect">
+                                  <p:stCondLst>
+                                    <p:cond delay="0"/>
+                                  </p:stCondLst>
+                                  <p:childTnLst>
+                                    <p:set>
+                                      <p:cBhvr>
+                                        <p:cTn id="6" dur="1" fill="hold">
+                                          <p:stCondLst>
+                                            <p:cond delay="0"/>
+                                          </p:stCondLst>
+                                        </p:cTn>
+                                        <p:tgtEl>
+                                          <p:spTgt spid="74">
+                                            <p:txEl>
+                                              <p:pRg st="0" end="0"/>
+                                            </p:txEl>
+                                          </p:spTgt>
                                         </p:tgtEl>
                                         <p:attrNameLst>
                                           <p:attrName>style.visibility</p:attrName>
@@ -14592,39 +16435,203 @@
                     </p:cTn>
                   </p:par>
                   <p:par>
-                    <p:cTn id="46" fill="hold">
+                    <p:cTn id="7" fill="hold">
                       <p:stCondLst>
                         <p:cond delay="indefinite"/>
                       </p:stCondLst>
                       <p:childTnLst>
                         <p:par>
-                          <p:cTn id="47" fill="hold">
+                          <p:cTn id="8" fill="hold">
                             <p:stCondLst>
                               <p:cond delay="0"/>
                             </p:stCondLst>
                             <p:childTnLst>
                               <p:par>
-                                <p:cTn id="48" presetID="1" presetClass="exit" presetSubtype="0" fill="hold" nodeType="clickEffect">
+                                <p:cTn id="9" presetID="1" presetClass="entr" presetSubtype="0" fill="hold" nodeType="clickEffect">
                                   <p:stCondLst>
                                     <p:cond delay="0"/>
                                   </p:stCondLst>
                                   <p:childTnLst>
                                     <p:set>
                                       <p:cBhvr>
-                                        <p:cTn id="49" dur="1" fill="hold">
+                                        <p:cTn id="10" dur="1" fill="hold">
                                           <p:stCondLst>
                                             <p:cond delay="0"/>
                                           </p:stCondLst>
                                         </p:cTn>
                                         <p:tgtEl>
-                                          <p:spTgt spid="66"/>
+                                          <p:spTgt spid="74">
+                                            <p:txEl>
+                                              <p:pRg st="1" end="1"/>
+                                            </p:txEl>
+                                          </p:spTgt>
                                         </p:tgtEl>
                                         <p:attrNameLst>
                                           <p:attrName>style.visibility</p:attrName>
                                         </p:attrNameLst>
                                       </p:cBhvr>
                                       <p:to>
-                                        <p:strVal val="hidden"/>
+                                        <p:strVal val="visible"/>
+                                      </p:to>
+                                    </p:set>
+                                  </p:childTnLst>
+                                </p:cTn>
+                              </p:par>
+                              <p:par>
+                                <p:cTn id="11" presetID="1" presetClass="entr" presetSubtype="0" fill="hold" nodeType="withEffect">
+                                  <p:stCondLst>
+                                    <p:cond delay="0"/>
+                                  </p:stCondLst>
+                                  <p:childTnLst>
+                                    <p:set>
+                                      <p:cBhvr>
+                                        <p:cTn id="12" dur="1" fill="hold">
+                                          <p:stCondLst>
+                                            <p:cond delay="0"/>
+                                          </p:stCondLst>
+                                        </p:cTn>
+                                        <p:tgtEl>
+                                          <p:spTgt spid="74">
+                                            <p:txEl>
+                                              <p:pRg st="2" end="2"/>
+                                            </p:txEl>
+                                          </p:spTgt>
+                                        </p:tgtEl>
+                                        <p:attrNameLst>
+                                          <p:attrName>style.visibility</p:attrName>
+                                        </p:attrNameLst>
+                                      </p:cBhvr>
+                                      <p:to>
+                                        <p:strVal val="visible"/>
+                                      </p:to>
+                                    </p:set>
+                                  </p:childTnLst>
+                                </p:cTn>
+                              </p:par>
+                            </p:childTnLst>
+                          </p:cTn>
+                        </p:par>
+                      </p:childTnLst>
+                    </p:cTn>
+                  </p:par>
+                  <p:par>
+                    <p:cTn id="13" fill="hold">
+                      <p:stCondLst>
+                        <p:cond delay="indefinite"/>
+                      </p:stCondLst>
+                      <p:childTnLst>
+                        <p:par>
+                          <p:cTn id="14" fill="hold">
+                            <p:stCondLst>
+                              <p:cond delay="0"/>
+                            </p:stCondLst>
+                            <p:childTnLst>
+                              <p:par>
+                                <p:cTn id="15" presetID="1" presetClass="entr" presetSubtype="0" fill="hold" nodeType="clickEffect">
+                                  <p:stCondLst>
+                                    <p:cond delay="0"/>
+                                  </p:stCondLst>
+                                  <p:childTnLst>
+                                    <p:set>
+                                      <p:cBhvr>
+                                        <p:cTn id="16" dur="1" fill="hold">
+                                          <p:stCondLst>
+                                            <p:cond delay="0"/>
+                                          </p:stCondLst>
+                                        </p:cTn>
+                                        <p:tgtEl>
+                                          <p:spTgt spid="75">
+                                            <p:txEl>
+                                              <p:pRg st="0" end="0"/>
+                                            </p:txEl>
+                                          </p:spTgt>
+                                        </p:tgtEl>
+                                        <p:attrNameLst>
+                                          <p:attrName>style.visibility</p:attrName>
+                                        </p:attrNameLst>
+                                      </p:cBhvr>
+                                      <p:to>
+                                        <p:strVal val="visible"/>
+                                      </p:to>
+                                    </p:set>
+                                  </p:childTnLst>
+                                </p:cTn>
+                              </p:par>
+                            </p:childTnLst>
+                          </p:cTn>
+                        </p:par>
+                      </p:childTnLst>
+                    </p:cTn>
+                  </p:par>
+                  <p:par>
+                    <p:cTn id="17" fill="hold">
+                      <p:stCondLst>
+                        <p:cond delay="indefinite"/>
+                      </p:stCondLst>
+                      <p:childTnLst>
+                        <p:par>
+                          <p:cTn id="18" fill="hold">
+                            <p:stCondLst>
+                              <p:cond delay="0"/>
+                            </p:stCondLst>
+                            <p:childTnLst>
+                              <p:par>
+                                <p:cTn id="19" presetID="1" presetClass="entr" presetSubtype="0" fill="hold" nodeType="clickEffect">
+                                  <p:stCondLst>
+                                    <p:cond delay="0"/>
+                                  </p:stCondLst>
+                                  <p:childTnLst>
+                                    <p:set>
+                                      <p:cBhvr>
+                                        <p:cTn id="20" dur="1" fill="hold">
+                                          <p:stCondLst>
+                                            <p:cond delay="0"/>
+                                          </p:stCondLst>
+                                        </p:cTn>
+                                        <p:tgtEl>
+                                          <p:spTgt spid="75">
+                                            <p:txEl>
+                                              <p:pRg st="1" end="1"/>
+                                            </p:txEl>
+                                          </p:spTgt>
+                                        </p:tgtEl>
+                                        <p:attrNameLst>
+                                          <p:attrName>style.visibility</p:attrName>
+                                        </p:attrNameLst>
+                                      </p:cBhvr>
+                                      <p:to>
+                                        <p:strVal val="visible"/>
+                                      </p:to>
+                                    </p:set>
+                                  </p:childTnLst>
+                                </p:cTn>
+                              </p:par>
+                              <p:par>
+                                <p:cTn id="21" presetID="1" presetClass="entr" presetSubtype="0" fill="hold" nodeType="withEffect">
+                                  <p:stCondLst>
+                                    <p:cond delay="0"/>
+                                  </p:stCondLst>
+                                  <p:childTnLst>
+                                    <p:set>
+                                      <p:cBhvr>
+                                        <p:cTn id="22" dur="1" fill="hold">
+                                          <p:stCondLst>
+                                            <p:cond delay="0"/>
+                                          </p:stCondLst>
+                                        </p:cTn>
+                                        <p:tgtEl>
+                                          <p:spTgt spid="75">
+                                            <p:txEl>
+                                              <p:pRg st="2" end="2"/>
+                                            </p:txEl>
+                                          </p:spTgt>
+                                        </p:tgtEl>
+                                        <p:attrNameLst>
+                                          <p:attrName>style.visibility</p:attrName>
+                                        </p:attrNameLst>
+                                      </p:cBhvr>
+                                      <p:to>
+                                        <p:strVal val="visible"/>
                                       </p:to>
                                     </p:set>
                                   </p:childTnLst>
@@ -14954,4 +16961,299 @@
     </a:ext>
   </a:extLst>
 </a:theme>
+</file>
+
+<file path=ppt/theme/theme2.xml><?xml version="1.0" encoding="utf-8"?>
+<a:theme xmlns:a="http://schemas.openxmlformats.org/drawingml/2006/main" name="Office Theme">
+  <a:themeElements>
+    <a:clrScheme name="Office">
+      <a:dk1>
+        <a:sysClr val="windowText" lastClr="000000"/>
+      </a:dk1>
+      <a:lt1>
+        <a:sysClr val="window" lastClr="FFFFFF"/>
+      </a:lt1>
+      <a:dk2>
+        <a:srgbClr val="44546A"/>
+      </a:dk2>
+      <a:lt2>
+        <a:srgbClr val="E7E6E6"/>
+      </a:lt2>
+      <a:accent1>
+        <a:srgbClr val="4472C4"/>
+      </a:accent1>
+      <a:accent2>
+        <a:srgbClr val="ED7D31"/>
+      </a:accent2>
+      <a:accent3>
+        <a:srgbClr val="A5A5A5"/>
+      </a:accent3>
+      <a:accent4>
+        <a:srgbClr val="FFC000"/>
+      </a:accent4>
+      <a:accent5>
+        <a:srgbClr val="5B9BD5"/>
+      </a:accent5>
+      <a:accent6>
+        <a:srgbClr val="70AD47"/>
+      </a:accent6>
+      <a:hlink>
+        <a:srgbClr val="0563C1"/>
+      </a:hlink>
+      <a:folHlink>
+        <a:srgbClr val="954F72"/>
+      </a:folHlink>
+    </a:clrScheme>
+    <a:fontScheme name="Office">
+      <a:majorFont>
+        <a:latin typeface="Calibri Light" panose="020F0302020204030204"/>
+        <a:ea typeface=""/>
+        <a:cs typeface=""/>
+        <a:font script="Jpan" typeface="游ゴシック Light"/>
+        <a:font script="Hang" typeface="맑은 고딕"/>
+        <a:font script="Hans" typeface="等线 Light"/>
+        <a:font script="Hant" typeface="新細明體"/>
+        <a:font script="Arab" typeface="Times New Roman"/>
+        <a:font script="Hebr" typeface="Times New Roman"/>
+        <a:font script="Thai" typeface="Angsana New"/>
+        <a:font script="Ethi" typeface="Nyala"/>
+        <a:font script="Beng" typeface="Vrinda"/>
+        <a:font script="Gujr" typeface="Shruti"/>
+        <a:font script="Khmr" typeface="MoolBoran"/>
+        <a:font script="Knda" typeface="Tunga"/>
+        <a:font script="Guru" typeface="Raavi"/>
+        <a:font script="Cans" typeface="Euphemia"/>
+        <a:font script="Cher" typeface="Plantagenet Cherokee"/>
+        <a:font script="Yiii" typeface="Microsoft Yi Baiti"/>
+        <a:font script="Tibt" typeface="Microsoft Himalaya"/>
+        <a:font script="Thaa" typeface="MV Boli"/>
+        <a:font script="Deva" typeface="Mangal"/>
+        <a:font script="Telu" typeface="Gautami"/>
+        <a:font script="Taml" typeface="Latha"/>
+        <a:font script="Syrc" typeface="Estrangelo Edessa"/>
+        <a:font script="Orya" typeface="Kalinga"/>
+        <a:font script="Mlym" typeface="Kartika"/>
+        <a:font script="Laoo" typeface="DokChampa"/>
+        <a:font script="Sinh" typeface="Iskoola Pota"/>
+        <a:font script="Mong" typeface="Mongolian Baiti"/>
+        <a:font script="Viet" typeface="Times New Roman"/>
+        <a:font script="Uigh" typeface="Microsoft Uighur"/>
+        <a:font script="Geor" typeface="Sylfaen"/>
+        <a:font script="Armn" typeface="Arial"/>
+        <a:font script="Bugi" typeface="Leelawadee UI"/>
+        <a:font script="Bopo" typeface="Microsoft JhengHei"/>
+        <a:font script="Java" typeface="Javanese Text"/>
+        <a:font script="Lisu" typeface="Segoe UI"/>
+        <a:font script="Mymr" typeface="Myanmar Text"/>
+        <a:font script="Nkoo" typeface="Ebrima"/>
+        <a:font script="Olck" typeface="Nirmala UI"/>
+        <a:font script="Osma" typeface="Ebrima"/>
+        <a:font script="Phag" typeface="Phagspa"/>
+        <a:font script="Syrn" typeface="Estrangelo Edessa"/>
+        <a:font script="Syrj" typeface="Estrangelo Edessa"/>
+        <a:font script="Syre" typeface="Estrangelo Edessa"/>
+        <a:font script="Sora" typeface="Nirmala UI"/>
+        <a:font script="Tale" typeface="Microsoft Tai Le"/>
+        <a:font script="Talu" typeface="Microsoft New Tai Lue"/>
+        <a:font script="Tfng" typeface="Ebrima"/>
+      </a:majorFont>
+      <a:minorFont>
+        <a:latin typeface="Calibri" panose="020F0502020204030204"/>
+        <a:ea typeface=""/>
+        <a:cs typeface=""/>
+        <a:font script="Jpan" typeface="游ゴシック"/>
+        <a:font script="Hang" typeface="맑은 고딕"/>
+        <a:font script="Hans" typeface="等线"/>
+        <a:font script="Hant" typeface="新細明體"/>
+        <a:font script="Arab" typeface="Arial"/>
+        <a:font script="Hebr" typeface="Arial"/>
+        <a:font script="Thai" typeface="Cordia New"/>
+        <a:font script="Ethi" typeface="Nyala"/>
+        <a:font script="Beng" typeface="Vrinda"/>
+        <a:font script="Gujr" typeface="Shruti"/>
+        <a:font script="Khmr" typeface="DaunPenh"/>
+        <a:font script="Knda" typeface="Tunga"/>
+        <a:font script="Guru" typeface="Raavi"/>
+        <a:font script="Cans" typeface="Euphemia"/>
+        <a:font script="Cher" typeface="Plantagenet Cherokee"/>
+        <a:font script="Yiii" typeface="Microsoft Yi Baiti"/>
+        <a:font script="Tibt" typeface="Microsoft Himalaya"/>
+        <a:font script="Thaa" typeface="MV Boli"/>
+        <a:font script="Deva" typeface="Mangal"/>
+        <a:font script="Telu" typeface="Gautami"/>
+        <a:font script="Taml" typeface="Latha"/>
+        <a:font script="Syrc" typeface="Estrangelo Edessa"/>
+        <a:font script="Orya" typeface="Kalinga"/>
+        <a:font script="Mlym" typeface="Kartika"/>
+        <a:font script="Laoo" typeface="DokChampa"/>
+        <a:font script="Sinh" typeface="Iskoola Pota"/>
+        <a:font script="Mong" typeface="Mongolian Baiti"/>
+        <a:font script="Viet" typeface="Arial"/>
+        <a:font script="Uigh" typeface="Microsoft Uighur"/>
+        <a:font script="Geor" typeface="Sylfaen"/>
+        <a:font script="Armn" typeface="Arial"/>
+        <a:font script="Bugi" typeface="Leelawadee UI"/>
+        <a:font script="Bopo" typeface="Microsoft JhengHei"/>
+        <a:font script="Java" typeface="Javanese Text"/>
+        <a:font script="Lisu" typeface="Segoe UI"/>
+        <a:font script="Mymr" typeface="Myanmar Text"/>
+        <a:font script="Nkoo" typeface="Ebrima"/>
+        <a:font script="Olck" typeface="Nirmala UI"/>
+        <a:font script="Osma" typeface="Ebrima"/>
+        <a:font script="Phag" typeface="Phagspa"/>
+        <a:font script="Syrn" typeface="Estrangelo Edessa"/>
+        <a:font script="Syrj" typeface="Estrangelo Edessa"/>
+        <a:font script="Syre" typeface="Estrangelo Edessa"/>
+        <a:font script="Sora" typeface="Nirmala UI"/>
+        <a:font script="Tale" typeface="Microsoft Tai Le"/>
+        <a:font script="Talu" typeface="Microsoft New Tai Lue"/>
+        <a:font script="Tfng" typeface="Ebrima"/>
+      </a:minorFont>
+    </a:fontScheme>
+    <a:fmtScheme name="Office">
+      <a:fillStyleLst>
+        <a:solidFill>
+          <a:schemeClr val="phClr"/>
+        </a:solidFill>
+        <a:gradFill rotWithShape="1">
+          <a:gsLst>
+            <a:gs pos="0">
+              <a:schemeClr val="phClr">
+                <a:lumMod val="110000"/>
+                <a:satMod val="105000"/>
+                <a:tint val="67000"/>
+              </a:schemeClr>
+            </a:gs>
+            <a:gs pos="50000">
+              <a:schemeClr val="phClr">
+                <a:lumMod val="105000"/>
+                <a:satMod val="103000"/>
+                <a:tint val="73000"/>
+              </a:schemeClr>
+            </a:gs>
+            <a:gs pos="100000">
+              <a:schemeClr val="phClr">
+                <a:lumMod val="105000"/>
+                <a:satMod val="109000"/>
+                <a:tint val="81000"/>
+              </a:schemeClr>
+            </a:gs>
+          </a:gsLst>
+          <a:lin ang="5400000" scaled="0"/>
+        </a:gradFill>
+        <a:gradFill rotWithShape="1">
+          <a:gsLst>
+            <a:gs pos="0">
+              <a:schemeClr val="phClr">
+                <a:satMod val="103000"/>
+                <a:lumMod val="102000"/>
+                <a:tint val="94000"/>
+              </a:schemeClr>
+            </a:gs>
+            <a:gs pos="50000">
+              <a:schemeClr val="phClr">
+                <a:satMod val="110000"/>
+                <a:lumMod val="100000"/>
+                <a:shade val="100000"/>
+              </a:schemeClr>
+            </a:gs>
+            <a:gs pos="100000">
+              <a:schemeClr val="phClr">
+                <a:lumMod val="99000"/>
+                <a:satMod val="120000"/>
+                <a:shade val="78000"/>
+              </a:schemeClr>
+            </a:gs>
+          </a:gsLst>
+          <a:lin ang="5400000" scaled="0"/>
+        </a:gradFill>
+      </a:fillStyleLst>
+      <a:lnStyleLst>
+        <a:ln w="6350" cap="flat" cmpd="sng" algn="ctr">
+          <a:solidFill>
+            <a:schemeClr val="phClr"/>
+          </a:solidFill>
+          <a:prstDash val="solid"/>
+          <a:miter lim="800000"/>
+        </a:ln>
+        <a:ln w="12700" cap="flat" cmpd="sng" algn="ctr">
+          <a:solidFill>
+            <a:schemeClr val="phClr"/>
+          </a:solidFill>
+          <a:prstDash val="solid"/>
+          <a:miter lim="800000"/>
+        </a:ln>
+        <a:ln w="19050" cap="flat" cmpd="sng" algn="ctr">
+          <a:solidFill>
+            <a:schemeClr val="phClr"/>
+          </a:solidFill>
+          <a:prstDash val="solid"/>
+          <a:miter lim="800000"/>
+        </a:ln>
+      </a:lnStyleLst>
+      <a:effectStyleLst>
+        <a:effectStyle>
+          <a:effectLst/>
+        </a:effectStyle>
+        <a:effectStyle>
+          <a:effectLst/>
+        </a:effectStyle>
+        <a:effectStyle>
+          <a:effectLst>
+            <a:outerShdw blurRad="57150" dist="19050" dir="5400000" algn="ctr" rotWithShape="0">
+              <a:srgbClr val="000000">
+                <a:alpha val="63000"/>
+              </a:srgbClr>
+            </a:outerShdw>
+          </a:effectLst>
+        </a:effectStyle>
+      </a:effectStyleLst>
+      <a:bgFillStyleLst>
+        <a:solidFill>
+          <a:schemeClr val="phClr"/>
+        </a:solidFill>
+        <a:solidFill>
+          <a:schemeClr val="phClr">
+            <a:tint val="95000"/>
+            <a:satMod val="170000"/>
+          </a:schemeClr>
+        </a:solidFill>
+        <a:gradFill rotWithShape="1">
+          <a:gsLst>
+            <a:gs pos="0">
+              <a:schemeClr val="phClr">
+                <a:tint val="93000"/>
+                <a:satMod val="150000"/>
+                <a:shade val="98000"/>
+                <a:lumMod val="102000"/>
+              </a:schemeClr>
+            </a:gs>
+            <a:gs pos="50000">
+              <a:schemeClr val="phClr">
+                <a:tint val="98000"/>
+                <a:satMod val="130000"/>
+                <a:shade val="90000"/>
+                <a:lumMod val="103000"/>
+              </a:schemeClr>
+            </a:gs>
+            <a:gs pos="100000">
+              <a:schemeClr val="phClr">
+                <a:shade val="63000"/>
+                <a:satMod val="120000"/>
+              </a:schemeClr>
+            </a:gs>
+          </a:gsLst>
+          <a:lin ang="5400000" scaled="0"/>
+        </a:gradFill>
+      </a:bgFillStyleLst>
+    </a:fmtScheme>
+  </a:themeElements>
+  <a:objectDefaults/>
+  <a:extraClrSchemeLst/>
+  <a:extLst>
+    <a:ext uri="{05A4C25C-085E-4340-85A3-A5531E510DB2}">
+      <thm15:themeFamily xmlns:thm15="http://schemas.microsoft.com/office/thememl/2012/main" name="Office Theme" id="{62F939B6-93AF-4DB8-9C6B-D6C7DFDC589F}" vid="{4A3C46E8-61CC-4603-A589-7422A47A8E4A}"/>
+    </a:ext>
+  </a:extLst>
+</a:theme>
 </file>
--- a/docs/QRCode.pptx
+++ b/docs/QRCode.pptx
@@ -5,15 +5,16 @@
     <p:sldMasterId id="2147483648" r:id="rId1"/>
   </p:sldMasterIdLst>
   <p:notesMasterIdLst>
-    <p:notesMasterId r:id="rId8"/>
+    <p:notesMasterId r:id="rId9"/>
   </p:notesMasterIdLst>
   <p:sldIdLst>
     <p:sldId id="256" r:id="rId2"/>
     <p:sldId id="257" r:id="rId3"/>
-    <p:sldId id="258" r:id="rId4"/>
-    <p:sldId id="259" r:id="rId5"/>
-    <p:sldId id="260" r:id="rId6"/>
-    <p:sldId id="261" r:id="rId7"/>
+    <p:sldId id="262" r:id="rId4"/>
+    <p:sldId id="258" r:id="rId5"/>
+    <p:sldId id="259" r:id="rId6"/>
+    <p:sldId id="260" r:id="rId7"/>
+    <p:sldId id="261" r:id="rId8"/>
   </p:sldIdLst>
   <p:sldSz cx="12192000" cy="6858000"/>
   <p:notesSz cx="6858000" cy="9144000"/>
@@ -202,7 +203,7 @@
           <a:p>
             <a:fld id="{0EC48EE7-1059-4545-A118-5A5EE7178B35}" type="datetimeFigureOut">
               <a:rPr lang="en-US" smtClean="0"/>
-              <a:t>7/20/22</a:t>
+              <a:t>7/21/22</a:t>
             </a:fld>
             <a:endParaRPr lang="en-US"/>
           </a:p>
@@ -535,7 +536,7 @@
           <a:p>
             <a:fld id="{26FBBF15-D587-7F42-95AF-2D23FAA36CD1}" type="slidenum">
               <a:rPr lang="en-US" smtClean="0"/>
-              <a:t>5</a:t>
+              <a:t>6</a:t>
             </a:fld>
             <a:endParaRPr lang="en-US"/>
           </a:p>
@@ -619,7 +620,7 @@
           <a:p>
             <a:fld id="{26FBBF15-D587-7F42-95AF-2D23FAA36CD1}" type="slidenum">
               <a:rPr lang="en-US" smtClean="0"/>
-              <a:t>6</a:t>
+              <a:t>7</a:t>
             </a:fld>
             <a:endParaRPr lang="en-US"/>
           </a:p>
@@ -787,7 +788,7 @@
           <a:p>
             <a:fld id="{F666A97E-4C60-DC4C-A42C-2CE969928CE5}" type="datetimeFigureOut">
               <a:rPr lang="en-US" smtClean="0"/>
-              <a:t>7/20/22</a:t>
+              <a:t>7/21/22</a:t>
             </a:fld>
             <a:endParaRPr lang="en-US"/>
           </a:p>
@@ -987,7 +988,7 @@
           <a:p>
             <a:fld id="{F666A97E-4C60-DC4C-A42C-2CE969928CE5}" type="datetimeFigureOut">
               <a:rPr lang="en-US" smtClean="0"/>
-              <a:t>7/20/22</a:t>
+              <a:t>7/21/22</a:t>
             </a:fld>
             <a:endParaRPr lang="en-US"/>
           </a:p>
@@ -1197,7 +1198,7 @@
           <a:p>
             <a:fld id="{F666A97E-4C60-DC4C-A42C-2CE969928CE5}" type="datetimeFigureOut">
               <a:rPr lang="en-US" smtClean="0"/>
-              <a:t>7/20/22</a:t>
+              <a:t>7/21/22</a:t>
             </a:fld>
             <a:endParaRPr lang="en-US"/>
           </a:p>
@@ -1397,7 +1398,7 @@
           <a:p>
             <a:fld id="{F666A97E-4C60-DC4C-A42C-2CE969928CE5}" type="datetimeFigureOut">
               <a:rPr lang="en-US" smtClean="0"/>
-              <a:t>7/20/22</a:t>
+              <a:t>7/21/22</a:t>
             </a:fld>
             <a:endParaRPr lang="en-US"/>
           </a:p>
@@ -1673,7 +1674,7 @@
           <a:p>
             <a:fld id="{F666A97E-4C60-DC4C-A42C-2CE969928CE5}" type="datetimeFigureOut">
               <a:rPr lang="en-US" smtClean="0"/>
-              <a:t>7/20/22</a:t>
+              <a:t>7/21/22</a:t>
             </a:fld>
             <a:endParaRPr lang="en-US"/>
           </a:p>
@@ -1941,7 +1942,7 @@
           <a:p>
             <a:fld id="{F666A97E-4C60-DC4C-A42C-2CE969928CE5}" type="datetimeFigureOut">
               <a:rPr lang="en-US" smtClean="0"/>
-              <a:t>7/20/22</a:t>
+              <a:t>7/21/22</a:t>
             </a:fld>
             <a:endParaRPr lang="en-US"/>
           </a:p>
@@ -2356,7 +2357,7 @@
           <a:p>
             <a:fld id="{F666A97E-4C60-DC4C-A42C-2CE969928CE5}" type="datetimeFigureOut">
               <a:rPr lang="en-US" smtClean="0"/>
-              <a:t>7/20/22</a:t>
+              <a:t>7/21/22</a:t>
             </a:fld>
             <a:endParaRPr lang="en-US"/>
           </a:p>
@@ -2498,7 +2499,7 @@
           <a:p>
             <a:fld id="{F666A97E-4C60-DC4C-A42C-2CE969928CE5}" type="datetimeFigureOut">
               <a:rPr lang="en-US" smtClean="0"/>
-              <a:t>7/20/22</a:t>
+              <a:t>7/21/22</a:t>
             </a:fld>
             <a:endParaRPr lang="en-US"/>
           </a:p>
@@ -2611,7 +2612,7 @@
           <a:p>
             <a:fld id="{F666A97E-4C60-DC4C-A42C-2CE969928CE5}" type="datetimeFigureOut">
               <a:rPr lang="en-US" smtClean="0"/>
-              <a:t>7/20/22</a:t>
+              <a:t>7/21/22</a:t>
             </a:fld>
             <a:endParaRPr lang="en-US"/>
           </a:p>
@@ -2924,7 +2925,7 @@
           <a:p>
             <a:fld id="{F666A97E-4C60-DC4C-A42C-2CE969928CE5}" type="datetimeFigureOut">
               <a:rPr lang="en-US" smtClean="0"/>
-              <a:t>7/20/22</a:t>
+              <a:t>7/21/22</a:t>
             </a:fld>
             <a:endParaRPr lang="en-US"/>
           </a:p>
@@ -3213,7 +3214,7 @@
           <a:p>
             <a:fld id="{F666A97E-4C60-DC4C-A42C-2CE969928CE5}" type="datetimeFigureOut">
               <a:rPr lang="en-US" smtClean="0"/>
-              <a:t>7/20/22</a:t>
+              <a:t>7/21/22</a:t>
             </a:fld>
             <a:endParaRPr lang="en-US"/>
           </a:p>
@@ -3456,7 +3457,7 @@
           <a:p>
             <a:fld id="{F666A97E-4C60-DC4C-A42C-2CE969928CE5}" type="datetimeFigureOut">
               <a:rPr lang="en-US" smtClean="0"/>
-              <a:t>7/20/22</a:t>
+              <a:t>7/21/22</a:t>
             </a:fld>
             <a:endParaRPr lang="en-US"/>
           </a:p>
@@ -5676,6 +5677,1540 @@
 </file>
 
 <file path=ppt/slides/slide3.xml><?xml version="1.0" encoding="utf-8"?>
+<p:sld xmlns:a="http://schemas.openxmlformats.org/drawingml/2006/main" xmlns:r="http://schemas.openxmlformats.org/officeDocument/2006/relationships" xmlns:p="http://schemas.openxmlformats.org/presentationml/2006/main">
+  <p:cSld>
+    <p:spTree>
+      <p:nvGrpSpPr>
+        <p:cNvPr id="1" name=""/>
+        <p:cNvGrpSpPr/>
+        <p:nvPr/>
+      </p:nvGrpSpPr>
+      <p:grpSpPr>
+        <a:xfrm>
+          <a:off x="0" y="0"/>
+          <a:ext cx="0" cy="0"/>
+          <a:chOff x="0" y="0"/>
+          <a:chExt cx="0" cy="0"/>
+        </a:xfrm>
+      </p:grpSpPr>
+      <p:sp>
+        <p:nvSpPr>
+          <p:cNvPr id="2" name="Title 1">
+            <a:extLst>
+              <a:ext uri="{FF2B5EF4-FFF2-40B4-BE49-F238E27FC236}">
+                <a16:creationId xmlns:a16="http://schemas.microsoft.com/office/drawing/2014/main" id="{C06AD34A-2051-4147-87C8-F1CD6ABB36B5}"/>
+              </a:ext>
+            </a:extLst>
+          </p:cNvPr>
+          <p:cNvSpPr>
+            <a:spLocks noGrp="1"/>
+          </p:cNvSpPr>
+          <p:nvPr>
+            <p:ph type="title"/>
+          </p:nvPr>
+        </p:nvSpPr>
+        <p:spPr>
+          <a:xfrm>
+            <a:off x="131523" y="60865"/>
+            <a:ext cx="4792850" cy="1325563"/>
+          </a:xfrm>
+        </p:spPr>
+        <p:txBody>
+          <a:bodyPr/>
+          <a:lstStyle/>
+          <a:p>
+            <a:r>
+              <a:rPr lang="en-US" altLang="zh-CN" dirty="0">
+                <a:latin typeface="Arial" panose="020B0604020202020204" pitchFamily="34" charset="0"/>
+                <a:cs typeface="Arial" panose="020B0604020202020204" pitchFamily="34" charset="0"/>
+              </a:rPr>
+              <a:t>Overview</a:t>
+            </a:r>
+            <a:endParaRPr lang="en-US" dirty="0">
+              <a:latin typeface="Arial" panose="020B0604020202020204" pitchFamily="34" charset="0"/>
+              <a:cs typeface="Arial" panose="020B0604020202020204" pitchFamily="34" charset="0"/>
+            </a:endParaRPr>
+          </a:p>
+        </p:txBody>
+      </p:sp>
+      <p:sp>
+        <p:nvSpPr>
+          <p:cNvPr id="11" name="Title 1">
+            <a:extLst>
+              <a:ext uri="{FF2B5EF4-FFF2-40B4-BE49-F238E27FC236}">
+                <a16:creationId xmlns:a16="http://schemas.microsoft.com/office/drawing/2014/main" id="{9831048B-3864-814E-A663-666D0C2DEC06}"/>
+              </a:ext>
+            </a:extLst>
+          </p:cNvPr>
+          <p:cNvSpPr txBox="1">
+            <a:spLocks/>
+          </p:cNvSpPr>
+          <p:nvPr/>
+        </p:nvSpPr>
+        <p:spPr>
+          <a:xfrm>
+            <a:off x="7456682" y="291271"/>
+            <a:ext cx="758464" cy="789139"/>
+          </a:xfrm>
+          <a:prstGeom prst="rect">
+            <a:avLst/>
+          </a:prstGeom>
+        </p:spPr>
+        <p:txBody>
+          <a:bodyPr vert="horz" lIns="91440" tIns="45720" rIns="91440" bIns="45720" rtlCol="0" anchor="ctr">
+            <a:normAutofit/>
+          </a:bodyPr>
+          <a:lstStyle>
+            <a:lvl1pPr algn="l" defTabSz="914400" rtl="0" eaLnBrk="1" latinLnBrk="0" hangingPunct="1">
+              <a:lnSpc>
+                <a:spcPct val="90000"/>
+              </a:lnSpc>
+              <a:spcBef>
+                <a:spcPct val="0"/>
+              </a:spcBef>
+              <a:buNone/>
+              <a:defRPr sz="4400" kern="1200">
+                <a:solidFill>
+                  <a:schemeClr val="tx1"/>
+                </a:solidFill>
+                <a:latin typeface="+mj-lt"/>
+                <a:ea typeface="+mj-ea"/>
+                <a:cs typeface="+mj-cs"/>
+              </a:defRPr>
+            </a:lvl1pPr>
+          </a:lstStyle>
+          <a:p>
+            <a:r>
+              <a:rPr lang="en-US" sz="1600" dirty="0" err="1">
+                <a:solidFill>
+                  <a:srgbClr val="0070C0"/>
+                </a:solidFill>
+                <a:latin typeface="Arial" panose="020B0604020202020204" pitchFamily="34" charset="0"/>
+                <a:cs typeface="Arial" panose="020B0604020202020204" pitchFamily="34" charset="0"/>
+              </a:rPr>
+              <a:t>SignIn</a:t>
+            </a:r>
+            <a:endParaRPr lang="en-US" sz="1600" dirty="0">
+              <a:solidFill>
+                <a:srgbClr val="0070C0"/>
+              </a:solidFill>
+              <a:latin typeface="Arial" panose="020B0604020202020204" pitchFamily="34" charset="0"/>
+              <a:cs typeface="Arial" panose="020B0604020202020204" pitchFamily="34" charset="0"/>
+            </a:endParaRPr>
+          </a:p>
+        </p:txBody>
+      </p:sp>
+      <p:sp>
+        <p:nvSpPr>
+          <p:cNvPr id="12" name="Title 1">
+            <a:extLst>
+              <a:ext uri="{FF2B5EF4-FFF2-40B4-BE49-F238E27FC236}">
+                <a16:creationId xmlns:a16="http://schemas.microsoft.com/office/drawing/2014/main" id="{1F23C512-6B57-7B44-81F7-1C26BF70C08B}"/>
+              </a:ext>
+            </a:extLst>
+          </p:cNvPr>
+          <p:cNvSpPr txBox="1">
+            <a:spLocks/>
+          </p:cNvSpPr>
+          <p:nvPr/>
+        </p:nvSpPr>
+        <p:spPr>
+          <a:xfrm>
+            <a:off x="6385881" y="1471221"/>
+            <a:ext cx="1829265" cy="447557"/>
+          </a:xfrm>
+          <a:prstGeom prst="rect">
+            <a:avLst/>
+          </a:prstGeom>
+        </p:spPr>
+        <p:txBody>
+          <a:bodyPr vert="horz" lIns="91440" tIns="45720" rIns="91440" bIns="45720" rtlCol="0" anchor="ctr">
+            <a:noAutofit/>
+          </a:bodyPr>
+          <a:lstStyle>
+            <a:lvl1pPr algn="l" defTabSz="914400" rtl="0" eaLnBrk="1" latinLnBrk="0" hangingPunct="1">
+              <a:lnSpc>
+                <a:spcPct val="90000"/>
+              </a:lnSpc>
+              <a:spcBef>
+                <a:spcPct val="0"/>
+              </a:spcBef>
+              <a:buNone/>
+              <a:defRPr sz="4400" kern="1200">
+                <a:solidFill>
+                  <a:schemeClr val="tx1"/>
+                </a:solidFill>
+                <a:latin typeface="+mj-lt"/>
+                <a:ea typeface="+mj-ea"/>
+                <a:cs typeface="+mj-cs"/>
+              </a:defRPr>
+            </a:lvl1pPr>
+          </a:lstStyle>
+          <a:p>
+            <a:r>
+              <a:rPr lang="en-US" sz="1600" dirty="0" err="1">
+                <a:solidFill>
+                  <a:srgbClr val="00B050"/>
+                </a:solidFill>
+                <a:latin typeface="Arial" panose="020B0604020202020204" pitchFamily="34" charset="0"/>
+                <a:cs typeface="Arial" panose="020B0604020202020204" pitchFamily="34" charset="0"/>
+              </a:rPr>
+              <a:t>GenerateQRCode</a:t>
+            </a:r>
+            <a:endParaRPr lang="en-US" sz="1600" dirty="0">
+              <a:solidFill>
+                <a:srgbClr val="00B050"/>
+              </a:solidFill>
+              <a:latin typeface="Arial" panose="020B0604020202020204" pitchFamily="34" charset="0"/>
+              <a:cs typeface="Arial" panose="020B0604020202020204" pitchFamily="34" charset="0"/>
+            </a:endParaRPr>
+          </a:p>
+        </p:txBody>
+      </p:sp>
+      <p:pic>
+        <p:nvPicPr>
+          <p:cNvPr id="3" name="Picture 2">
+            <a:extLst>
+              <a:ext uri="{FF2B5EF4-FFF2-40B4-BE49-F238E27FC236}">
+                <a16:creationId xmlns:a16="http://schemas.microsoft.com/office/drawing/2014/main" id="{13FA3554-EAF0-6A4F-8E7C-9E1D3D4D2A84}"/>
+              </a:ext>
+            </a:extLst>
+          </p:cNvPr>
+          <p:cNvPicPr>
+            <a:picLocks noChangeAspect="1"/>
+          </p:cNvPicPr>
+          <p:nvPr/>
+        </p:nvPicPr>
+        <p:blipFill>
+          <a:blip r:embed="rId2"/>
+          <a:stretch>
+            <a:fillRect/>
+          </a:stretch>
+        </p:blipFill>
+        <p:spPr>
+          <a:xfrm>
+            <a:off x="8215146" y="258041"/>
+            <a:ext cx="3663847" cy="3217110"/>
+          </a:xfrm>
+          <a:prstGeom prst="rect">
+            <a:avLst/>
+          </a:prstGeom>
+        </p:spPr>
+      </p:pic>
+      <p:sp>
+        <p:nvSpPr>
+          <p:cNvPr id="34" name="Title 1">
+            <a:extLst>
+              <a:ext uri="{FF2B5EF4-FFF2-40B4-BE49-F238E27FC236}">
+                <a16:creationId xmlns:a16="http://schemas.microsoft.com/office/drawing/2014/main" id="{DBE41125-4514-BC49-9EDC-B9F5C6C8016D}"/>
+              </a:ext>
+            </a:extLst>
+          </p:cNvPr>
+          <p:cNvSpPr txBox="1">
+            <a:spLocks/>
+          </p:cNvSpPr>
+          <p:nvPr/>
+        </p:nvSpPr>
+        <p:spPr>
+          <a:xfrm>
+            <a:off x="4059375" y="2856004"/>
+            <a:ext cx="843679" cy="306043"/>
+          </a:xfrm>
+          <a:prstGeom prst="rect">
+            <a:avLst/>
+          </a:prstGeom>
+        </p:spPr>
+        <p:txBody>
+          <a:bodyPr vert="horz" lIns="91440" tIns="45720" rIns="91440" bIns="45720" rtlCol="0" anchor="ctr">
+            <a:normAutofit lnSpcReduction="10000"/>
+          </a:bodyPr>
+          <a:lstStyle>
+            <a:lvl1pPr algn="l" defTabSz="914400" rtl="0" eaLnBrk="1" latinLnBrk="0" hangingPunct="1">
+              <a:lnSpc>
+                <a:spcPct val="90000"/>
+              </a:lnSpc>
+              <a:spcBef>
+                <a:spcPct val="0"/>
+              </a:spcBef>
+              <a:buNone/>
+              <a:defRPr sz="4400" kern="1200">
+                <a:solidFill>
+                  <a:schemeClr val="tx1"/>
+                </a:solidFill>
+                <a:latin typeface="+mj-lt"/>
+                <a:ea typeface="+mj-ea"/>
+                <a:cs typeface="+mj-cs"/>
+              </a:defRPr>
+            </a:lvl1pPr>
+          </a:lstStyle>
+          <a:p>
+            <a:r>
+              <a:rPr lang="en-US" altLang="zh-CN" sz="1600" dirty="0">
+                <a:latin typeface="Arial" panose="020B0604020202020204" pitchFamily="34" charset="0"/>
+                <a:cs typeface="Arial" panose="020B0604020202020204" pitchFamily="34" charset="0"/>
+              </a:rPr>
+              <a:t>&lt;App/&gt;</a:t>
+            </a:r>
+            <a:endParaRPr lang="en-US" sz="1600" dirty="0">
+              <a:latin typeface="Arial" panose="020B0604020202020204" pitchFamily="34" charset="0"/>
+              <a:cs typeface="Arial" panose="020B0604020202020204" pitchFamily="34" charset="0"/>
+            </a:endParaRPr>
+          </a:p>
+        </p:txBody>
+      </p:sp>
+      <p:sp>
+        <p:nvSpPr>
+          <p:cNvPr id="35" name="Title 1">
+            <a:extLst>
+              <a:ext uri="{FF2B5EF4-FFF2-40B4-BE49-F238E27FC236}">
+                <a16:creationId xmlns:a16="http://schemas.microsoft.com/office/drawing/2014/main" id="{F4B77EEB-EAEF-1543-B61F-68C6DEB66C56}"/>
+              </a:ext>
+            </a:extLst>
+          </p:cNvPr>
+          <p:cNvSpPr txBox="1">
+            <a:spLocks/>
+          </p:cNvSpPr>
+          <p:nvPr/>
+        </p:nvSpPr>
+        <p:spPr>
+          <a:xfrm>
+            <a:off x="2003766" y="3689687"/>
+            <a:ext cx="1090649" cy="551318"/>
+          </a:xfrm>
+          <a:prstGeom prst="rect">
+            <a:avLst/>
+          </a:prstGeom>
+        </p:spPr>
+        <p:txBody>
+          <a:bodyPr vert="horz" lIns="91440" tIns="45720" rIns="91440" bIns="45720" rtlCol="0" anchor="ctr">
+            <a:normAutofit/>
+          </a:bodyPr>
+          <a:lstStyle>
+            <a:lvl1pPr algn="l" defTabSz="914400" rtl="0" eaLnBrk="1" latinLnBrk="0" hangingPunct="1">
+              <a:lnSpc>
+                <a:spcPct val="90000"/>
+              </a:lnSpc>
+              <a:spcBef>
+                <a:spcPct val="0"/>
+              </a:spcBef>
+              <a:buNone/>
+              <a:defRPr sz="4400" kern="1200">
+                <a:solidFill>
+                  <a:schemeClr val="tx1"/>
+                </a:solidFill>
+                <a:latin typeface="+mj-lt"/>
+                <a:ea typeface="+mj-ea"/>
+                <a:cs typeface="+mj-cs"/>
+              </a:defRPr>
+            </a:lvl1pPr>
+          </a:lstStyle>
+          <a:p>
+            <a:r>
+              <a:rPr lang="en-US" altLang="zh-CN" sz="1600" dirty="0">
+                <a:latin typeface="Arial" panose="020B0604020202020204" pitchFamily="34" charset="0"/>
+                <a:cs typeface="Arial" panose="020B0604020202020204" pitchFamily="34" charset="0"/>
+              </a:rPr>
+              <a:t>&lt;</a:t>
+            </a:r>
+            <a:r>
+              <a:rPr lang="en-US" altLang="zh-CN" sz="1600" dirty="0" err="1">
+                <a:latin typeface="Arial" panose="020B0604020202020204" pitchFamily="34" charset="0"/>
+                <a:cs typeface="Arial" panose="020B0604020202020204" pitchFamily="34" charset="0"/>
+              </a:rPr>
+              <a:t>SignIn</a:t>
+            </a:r>
+            <a:r>
+              <a:rPr lang="en-US" altLang="zh-CN" sz="1600" dirty="0">
+                <a:latin typeface="Arial" panose="020B0604020202020204" pitchFamily="34" charset="0"/>
+                <a:cs typeface="Arial" panose="020B0604020202020204" pitchFamily="34" charset="0"/>
+              </a:rPr>
+              <a:t>/&gt;</a:t>
+            </a:r>
+            <a:endParaRPr lang="en-US" sz="1600" dirty="0">
+              <a:latin typeface="Arial" panose="020B0604020202020204" pitchFamily="34" charset="0"/>
+              <a:cs typeface="Arial" panose="020B0604020202020204" pitchFamily="34" charset="0"/>
+            </a:endParaRPr>
+          </a:p>
+        </p:txBody>
+      </p:sp>
+      <p:sp>
+        <p:nvSpPr>
+          <p:cNvPr id="36" name="Title 1">
+            <a:extLst>
+              <a:ext uri="{FF2B5EF4-FFF2-40B4-BE49-F238E27FC236}">
+                <a16:creationId xmlns:a16="http://schemas.microsoft.com/office/drawing/2014/main" id="{6458B851-CC71-FE45-A8D0-57342371C469}"/>
+              </a:ext>
+            </a:extLst>
+          </p:cNvPr>
+          <p:cNvSpPr txBox="1">
+            <a:spLocks/>
+          </p:cNvSpPr>
+          <p:nvPr/>
+        </p:nvSpPr>
+        <p:spPr>
+          <a:xfrm>
+            <a:off x="5014385" y="3859246"/>
+            <a:ext cx="2127463" cy="295924"/>
+          </a:xfrm>
+          <a:prstGeom prst="rect">
+            <a:avLst/>
+          </a:prstGeom>
+        </p:spPr>
+        <p:txBody>
+          <a:bodyPr vert="horz" lIns="91440" tIns="45720" rIns="91440" bIns="45720" rtlCol="0" anchor="ctr">
+            <a:normAutofit lnSpcReduction="10000"/>
+          </a:bodyPr>
+          <a:lstStyle>
+            <a:lvl1pPr algn="l" defTabSz="914400" rtl="0" eaLnBrk="1" latinLnBrk="0" hangingPunct="1">
+              <a:lnSpc>
+                <a:spcPct val="90000"/>
+              </a:lnSpc>
+              <a:spcBef>
+                <a:spcPct val="0"/>
+              </a:spcBef>
+              <a:buNone/>
+              <a:defRPr sz="4400" kern="1200">
+                <a:solidFill>
+                  <a:schemeClr val="tx1"/>
+                </a:solidFill>
+                <a:latin typeface="+mj-lt"/>
+                <a:ea typeface="+mj-ea"/>
+                <a:cs typeface="+mj-cs"/>
+              </a:defRPr>
+            </a:lvl1pPr>
+          </a:lstStyle>
+          <a:p>
+            <a:r>
+              <a:rPr lang="en-US" altLang="zh-CN" sz="1600" dirty="0">
+                <a:latin typeface="Arial" panose="020B0604020202020204" pitchFamily="34" charset="0"/>
+                <a:cs typeface="Arial" panose="020B0604020202020204" pitchFamily="34" charset="0"/>
+              </a:rPr>
+              <a:t>&lt;</a:t>
+            </a:r>
+            <a:r>
+              <a:rPr lang="en-US" altLang="zh-CN" sz="1600" dirty="0" err="1">
+                <a:latin typeface="Arial" panose="020B0604020202020204" pitchFamily="34" charset="0"/>
+                <a:cs typeface="Arial" panose="020B0604020202020204" pitchFamily="34" charset="0"/>
+              </a:rPr>
+              <a:t>GenerateQRCode</a:t>
+            </a:r>
+            <a:r>
+              <a:rPr lang="en-US" altLang="zh-CN" sz="1600" dirty="0">
+                <a:latin typeface="Arial" panose="020B0604020202020204" pitchFamily="34" charset="0"/>
+                <a:cs typeface="Arial" panose="020B0604020202020204" pitchFamily="34" charset="0"/>
+              </a:rPr>
+              <a:t>/&gt;</a:t>
+            </a:r>
+            <a:endParaRPr lang="en-US" sz="1600" dirty="0">
+              <a:latin typeface="Arial" panose="020B0604020202020204" pitchFamily="34" charset="0"/>
+              <a:cs typeface="Arial" panose="020B0604020202020204" pitchFamily="34" charset="0"/>
+            </a:endParaRPr>
+          </a:p>
+        </p:txBody>
+      </p:sp>
+      <p:sp>
+        <p:nvSpPr>
+          <p:cNvPr id="37" name="Title 1">
+            <a:extLst>
+              <a:ext uri="{FF2B5EF4-FFF2-40B4-BE49-F238E27FC236}">
+                <a16:creationId xmlns:a16="http://schemas.microsoft.com/office/drawing/2014/main" id="{77F31075-A6B7-4547-A375-0243B9D077E7}"/>
+              </a:ext>
+            </a:extLst>
+          </p:cNvPr>
+          <p:cNvSpPr txBox="1">
+            <a:spLocks/>
+          </p:cNvSpPr>
+          <p:nvPr/>
+        </p:nvSpPr>
+        <p:spPr>
+          <a:xfrm>
+            <a:off x="7615025" y="3689687"/>
+            <a:ext cx="1384717" cy="551318"/>
+          </a:xfrm>
+          <a:prstGeom prst="rect">
+            <a:avLst/>
+          </a:prstGeom>
+        </p:spPr>
+        <p:txBody>
+          <a:bodyPr vert="horz" lIns="91440" tIns="45720" rIns="91440" bIns="45720" rtlCol="0" anchor="ctr">
+            <a:normAutofit/>
+          </a:bodyPr>
+          <a:lstStyle>
+            <a:lvl1pPr algn="l" defTabSz="914400" rtl="0" eaLnBrk="1" latinLnBrk="0" hangingPunct="1">
+              <a:lnSpc>
+                <a:spcPct val="90000"/>
+              </a:lnSpc>
+              <a:spcBef>
+                <a:spcPct val="0"/>
+              </a:spcBef>
+              <a:buNone/>
+              <a:defRPr sz="4400" kern="1200">
+                <a:solidFill>
+                  <a:schemeClr val="tx1"/>
+                </a:solidFill>
+                <a:latin typeface="+mj-lt"/>
+                <a:ea typeface="+mj-ea"/>
+                <a:cs typeface="+mj-cs"/>
+              </a:defRPr>
+            </a:lvl1pPr>
+          </a:lstStyle>
+          <a:p>
+            <a:r>
+              <a:rPr lang="en-US" altLang="zh-CN" sz="1600" dirty="0">
+                <a:latin typeface="Arial" panose="020B0604020202020204" pitchFamily="34" charset="0"/>
+                <a:cs typeface="Arial" panose="020B0604020202020204" pitchFamily="34" charset="0"/>
+              </a:rPr>
+              <a:t>&lt;Welcome/&gt;</a:t>
+            </a:r>
+            <a:endParaRPr lang="en-US" sz="1600" dirty="0">
+              <a:latin typeface="Arial" panose="020B0604020202020204" pitchFamily="34" charset="0"/>
+              <a:cs typeface="Arial" panose="020B0604020202020204" pitchFamily="34" charset="0"/>
+            </a:endParaRPr>
+          </a:p>
+        </p:txBody>
+      </p:sp>
+      <p:sp>
+        <p:nvSpPr>
+          <p:cNvPr id="38" name="Title 1">
+            <a:extLst>
+              <a:ext uri="{FF2B5EF4-FFF2-40B4-BE49-F238E27FC236}">
+                <a16:creationId xmlns:a16="http://schemas.microsoft.com/office/drawing/2014/main" id="{2D983FE1-B6A3-F94F-B9C3-2625B334839E}"/>
+              </a:ext>
+            </a:extLst>
+          </p:cNvPr>
+          <p:cNvSpPr txBox="1">
+            <a:spLocks/>
+          </p:cNvSpPr>
+          <p:nvPr/>
+        </p:nvSpPr>
+        <p:spPr>
+          <a:xfrm>
+            <a:off x="4587800" y="4781010"/>
+            <a:ext cx="1090649" cy="551318"/>
+          </a:xfrm>
+          <a:prstGeom prst="rect">
+            <a:avLst/>
+          </a:prstGeom>
+        </p:spPr>
+        <p:txBody>
+          <a:bodyPr vert="horz" lIns="91440" tIns="45720" rIns="91440" bIns="45720" rtlCol="0" anchor="ctr">
+            <a:normAutofit/>
+          </a:bodyPr>
+          <a:lstStyle>
+            <a:lvl1pPr algn="l" defTabSz="914400" rtl="0" eaLnBrk="1" latinLnBrk="0" hangingPunct="1">
+              <a:lnSpc>
+                <a:spcPct val="90000"/>
+              </a:lnSpc>
+              <a:spcBef>
+                <a:spcPct val="0"/>
+              </a:spcBef>
+              <a:buNone/>
+              <a:defRPr sz="4400" kern="1200">
+                <a:solidFill>
+                  <a:schemeClr val="tx1"/>
+                </a:solidFill>
+                <a:latin typeface="+mj-lt"/>
+                <a:ea typeface="+mj-ea"/>
+                <a:cs typeface="+mj-cs"/>
+              </a:defRPr>
+            </a:lvl1pPr>
+          </a:lstStyle>
+          <a:p>
+            <a:r>
+              <a:rPr lang="en-US" altLang="zh-CN" sz="1600" dirty="0">
+                <a:latin typeface="Arial" panose="020B0604020202020204" pitchFamily="34" charset="0"/>
+                <a:cs typeface="Arial" panose="020B0604020202020204" pitchFamily="34" charset="0"/>
+              </a:rPr>
+              <a:t>&lt;Button/&gt;</a:t>
+            </a:r>
+            <a:endParaRPr lang="en-US" sz="1600" dirty="0">
+              <a:latin typeface="Arial" panose="020B0604020202020204" pitchFamily="34" charset="0"/>
+              <a:cs typeface="Arial" panose="020B0604020202020204" pitchFamily="34" charset="0"/>
+            </a:endParaRPr>
+          </a:p>
+        </p:txBody>
+      </p:sp>
+      <p:sp>
+        <p:nvSpPr>
+          <p:cNvPr id="39" name="Title 1">
+            <a:extLst>
+              <a:ext uri="{FF2B5EF4-FFF2-40B4-BE49-F238E27FC236}">
+                <a16:creationId xmlns:a16="http://schemas.microsoft.com/office/drawing/2014/main" id="{819B6AEC-1409-A14E-BFDC-4CE52BCB1AEF}"/>
+              </a:ext>
+            </a:extLst>
+          </p:cNvPr>
+          <p:cNvSpPr txBox="1">
+            <a:spLocks/>
+          </p:cNvSpPr>
+          <p:nvPr/>
+        </p:nvSpPr>
+        <p:spPr>
+          <a:xfrm>
+            <a:off x="5550709" y="4782448"/>
+            <a:ext cx="1405198" cy="551318"/>
+          </a:xfrm>
+          <a:prstGeom prst="rect">
+            <a:avLst/>
+          </a:prstGeom>
+        </p:spPr>
+        <p:txBody>
+          <a:bodyPr vert="horz" lIns="91440" tIns="45720" rIns="91440" bIns="45720" rtlCol="0" anchor="ctr">
+            <a:noAutofit/>
+          </a:bodyPr>
+          <a:lstStyle>
+            <a:lvl1pPr algn="l" defTabSz="914400" rtl="0" eaLnBrk="1" latinLnBrk="0" hangingPunct="1">
+              <a:lnSpc>
+                <a:spcPct val="90000"/>
+              </a:lnSpc>
+              <a:spcBef>
+                <a:spcPct val="0"/>
+              </a:spcBef>
+              <a:buNone/>
+              <a:defRPr sz="4400" kern="1200">
+                <a:solidFill>
+                  <a:schemeClr val="tx1"/>
+                </a:solidFill>
+                <a:latin typeface="+mj-lt"/>
+                <a:ea typeface="+mj-ea"/>
+                <a:cs typeface="+mj-cs"/>
+              </a:defRPr>
+            </a:lvl1pPr>
+          </a:lstStyle>
+          <a:p>
+            <a:r>
+              <a:rPr lang="en-US" altLang="zh-CN" sz="1600" dirty="0">
+                <a:latin typeface="Arial" panose="020B0604020202020204" pitchFamily="34" charset="0"/>
+                <a:cs typeface="Arial" panose="020B0604020202020204" pitchFamily="34" charset="0"/>
+              </a:rPr>
+              <a:t>&lt;Dropdown/&gt;</a:t>
+            </a:r>
+            <a:endParaRPr lang="en-US" sz="1600" dirty="0">
+              <a:latin typeface="Arial" panose="020B0604020202020204" pitchFamily="34" charset="0"/>
+              <a:cs typeface="Arial" panose="020B0604020202020204" pitchFamily="34" charset="0"/>
+            </a:endParaRPr>
+          </a:p>
+        </p:txBody>
+      </p:sp>
+      <p:sp>
+        <p:nvSpPr>
+          <p:cNvPr id="40" name="Title 1">
+            <a:extLst>
+              <a:ext uri="{FF2B5EF4-FFF2-40B4-BE49-F238E27FC236}">
+                <a16:creationId xmlns:a16="http://schemas.microsoft.com/office/drawing/2014/main" id="{C8A75AFE-417C-D448-B430-F0F00462429F}"/>
+              </a:ext>
+            </a:extLst>
+          </p:cNvPr>
+          <p:cNvSpPr txBox="1">
+            <a:spLocks/>
+          </p:cNvSpPr>
+          <p:nvPr/>
+        </p:nvSpPr>
+        <p:spPr>
+          <a:xfrm>
+            <a:off x="6911733" y="4780415"/>
+            <a:ext cx="1781687" cy="551318"/>
+          </a:xfrm>
+          <a:prstGeom prst="rect">
+            <a:avLst/>
+          </a:prstGeom>
+        </p:spPr>
+        <p:txBody>
+          <a:bodyPr vert="horz" lIns="91440" tIns="45720" rIns="91440" bIns="45720" rtlCol="0" anchor="ctr">
+            <a:noAutofit/>
+          </a:bodyPr>
+          <a:lstStyle>
+            <a:lvl1pPr algn="l" defTabSz="914400" rtl="0" eaLnBrk="1" latinLnBrk="0" hangingPunct="1">
+              <a:lnSpc>
+                <a:spcPct val="90000"/>
+              </a:lnSpc>
+              <a:spcBef>
+                <a:spcPct val="0"/>
+              </a:spcBef>
+              <a:buNone/>
+              <a:defRPr sz="4400" kern="1200">
+                <a:solidFill>
+                  <a:schemeClr val="tx1"/>
+                </a:solidFill>
+                <a:latin typeface="+mj-lt"/>
+                <a:ea typeface="+mj-ea"/>
+                <a:cs typeface="+mj-cs"/>
+              </a:defRPr>
+            </a:lvl1pPr>
+          </a:lstStyle>
+          <a:p>
+            <a:r>
+              <a:rPr lang="en-US" altLang="zh-CN" sz="1600" dirty="0">
+                <a:latin typeface="Arial" panose="020B0604020202020204" pitchFamily="34" charset="0"/>
+                <a:cs typeface="Arial" panose="020B0604020202020204" pitchFamily="34" charset="0"/>
+              </a:rPr>
+              <a:t>&lt;</a:t>
+            </a:r>
+            <a:r>
+              <a:rPr lang="en-US" altLang="zh-CN" sz="1600" dirty="0" err="1">
+                <a:latin typeface="Arial" panose="020B0604020202020204" pitchFamily="34" charset="0"/>
+                <a:cs typeface="Arial" panose="020B0604020202020204" pitchFamily="34" charset="0"/>
+              </a:rPr>
+              <a:t>ErrorMessage</a:t>
+            </a:r>
+            <a:r>
+              <a:rPr lang="en-US" altLang="zh-CN" sz="1600" dirty="0">
+                <a:latin typeface="Arial" panose="020B0604020202020204" pitchFamily="34" charset="0"/>
+                <a:cs typeface="Arial" panose="020B0604020202020204" pitchFamily="34" charset="0"/>
+              </a:rPr>
+              <a:t>/&gt;</a:t>
+            </a:r>
+            <a:endParaRPr lang="en-US" sz="1600" dirty="0">
+              <a:latin typeface="Arial" panose="020B0604020202020204" pitchFamily="34" charset="0"/>
+              <a:cs typeface="Arial" panose="020B0604020202020204" pitchFamily="34" charset="0"/>
+            </a:endParaRPr>
+          </a:p>
+        </p:txBody>
+      </p:sp>
+      <p:sp>
+        <p:nvSpPr>
+          <p:cNvPr id="41" name="Title 1">
+            <a:extLst>
+              <a:ext uri="{FF2B5EF4-FFF2-40B4-BE49-F238E27FC236}">
+                <a16:creationId xmlns:a16="http://schemas.microsoft.com/office/drawing/2014/main" id="{33CCED26-E414-AA4F-B90A-6852A713E2C4}"/>
+              </a:ext>
+            </a:extLst>
+          </p:cNvPr>
+          <p:cNvSpPr txBox="1">
+            <a:spLocks/>
+          </p:cNvSpPr>
+          <p:nvPr/>
+        </p:nvSpPr>
+        <p:spPr>
+          <a:xfrm>
+            <a:off x="8620536" y="4780415"/>
+            <a:ext cx="1280704" cy="551318"/>
+          </a:xfrm>
+          <a:prstGeom prst="rect">
+            <a:avLst/>
+          </a:prstGeom>
+        </p:spPr>
+        <p:txBody>
+          <a:bodyPr vert="horz" lIns="91440" tIns="45720" rIns="91440" bIns="45720" rtlCol="0" anchor="ctr">
+            <a:noAutofit/>
+          </a:bodyPr>
+          <a:lstStyle>
+            <a:lvl1pPr algn="l" defTabSz="914400" rtl="0" eaLnBrk="1" latinLnBrk="0" hangingPunct="1">
+              <a:lnSpc>
+                <a:spcPct val="90000"/>
+              </a:lnSpc>
+              <a:spcBef>
+                <a:spcPct val="0"/>
+              </a:spcBef>
+              <a:buNone/>
+              <a:defRPr sz="4400" kern="1200">
+                <a:solidFill>
+                  <a:schemeClr val="tx1"/>
+                </a:solidFill>
+                <a:latin typeface="+mj-lt"/>
+                <a:ea typeface="+mj-ea"/>
+                <a:cs typeface="+mj-cs"/>
+              </a:defRPr>
+            </a:lvl1pPr>
+          </a:lstStyle>
+          <a:p>
+            <a:r>
+              <a:rPr lang="en-US" altLang="zh-CN" sz="1600" dirty="0">
+                <a:latin typeface="Arial" panose="020B0604020202020204" pitchFamily="34" charset="0"/>
+                <a:cs typeface="Arial" panose="020B0604020202020204" pitchFamily="34" charset="0"/>
+              </a:rPr>
+              <a:t>&lt;</a:t>
+            </a:r>
+            <a:r>
+              <a:rPr lang="en-US" altLang="zh-CN" sz="1600" dirty="0" err="1">
+                <a:latin typeface="Arial" panose="020B0604020202020204" pitchFamily="34" charset="0"/>
+                <a:cs typeface="Arial" panose="020B0604020202020204" pitchFamily="34" charset="0"/>
+              </a:rPr>
+              <a:t>QRCode</a:t>
+            </a:r>
+            <a:r>
+              <a:rPr lang="en-US" altLang="zh-CN" sz="1600" dirty="0">
+                <a:latin typeface="Arial" panose="020B0604020202020204" pitchFamily="34" charset="0"/>
+                <a:cs typeface="Arial" panose="020B0604020202020204" pitchFamily="34" charset="0"/>
+              </a:rPr>
+              <a:t>/&gt;</a:t>
+            </a:r>
+            <a:endParaRPr lang="en-US" sz="1600" dirty="0">
+              <a:latin typeface="Arial" panose="020B0604020202020204" pitchFamily="34" charset="0"/>
+              <a:cs typeface="Arial" panose="020B0604020202020204" pitchFamily="34" charset="0"/>
+            </a:endParaRPr>
+          </a:p>
+        </p:txBody>
+      </p:sp>
+      <p:sp>
+        <p:nvSpPr>
+          <p:cNvPr id="42" name="Title 1">
+            <a:extLst>
+              <a:ext uri="{FF2B5EF4-FFF2-40B4-BE49-F238E27FC236}">
+                <a16:creationId xmlns:a16="http://schemas.microsoft.com/office/drawing/2014/main" id="{BA779465-452E-0945-83CC-B7EFD83E2BA5}"/>
+              </a:ext>
+            </a:extLst>
+          </p:cNvPr>
+          <p:cNvSpPr txBox="1">
+            <a:spLocks/>
+          </p:cNvSpPr>
+          <p:nvPr/>
+        </p:nvSpPr>
+        <p:spPr>
+          <a:xfrm>
+            <a:off x="131523" y="4778382"/>
+            <a:ext cx="1538904" cy="551318"/>
+          </a:xfrm>
+          <a:prstGeom prst="rect">
+            <a:avLst/>
+          </a:prstGeom>
+        </p:spPr>
+        <p:txBody>
+          <a:bodyPr vert="horz" lIns="91440" tIns="45720" rIns="91440" bIns="45720" rtlCol="0" anchor="ctr">
+            <a:normAutofit/>
+          </a:bodyPr>
+          <a:lstStyle>
+            <a:lvl1pPr algn="l" defTabSz="914400" rtl="0" eaLnBrk="1" latinLnBrk="0" hangingPunct="1">
+              <a:lnSpc>
+                <a:spcPct val="90000"/>
+              </a:lnSpc>
+              <a:spcBef>
+                <a:spcPct val="0"/>
+              </a:spcBef>
+              <a:buNone/>
+              <a:defRPr sz="4400" kern="1200">
+                <a:solidFill>
+                  <a:schemeClr val="tx1"/>
+                </a:solidFill>
+                <a:latin typeface="+mj-lt"/>
+                <a:ea typeface="+mj-ea"/>
+                <a:cs typeface="+mj-cs"/>
+              </a:defRPr>
+            </a:lvl1pPr>
+          </a:lstStyle>
+          <a:p>
+            <a:r>
+              <a:rPr lang="en-US" altLang="zh-CN" sz="1600" dirty="0">
+                <a:latin typeface="Arial" panose="020B0604020202020204" pitchFamily="34" charset="0"/>
+                <a:cs typeface="Arial" panose="020B0604020202020204" pitchFamily="34" charset="0"/>
+              </a:rPr>
+              <a:t>&lt;</a:t>
+            </a:r>
+            <a:r>
+              <a:rPr lang="en-US" altLang="zh-CN" sz="1600" dirty="0" err="1">
+                <a:latin typeface="Arial" panose="020B0604020202020204" pitchFamily="34" charset="0"/>
+                <a:cs typeface="Arial" panose="020B0604020202020204" pitchFamily="34" charset="0"/>
+              </a:rPr>
+              <a:t>UserProfile</a:t>
+            </a:r>
+            <a:r>
+              <a:rPr lang="en-US" altLang="zh-CN" sz="1600" dirty="0">
+                <a:latin typeface="Arial" panose="020B0604020202020204" pitchFamily="34" charset="0"/>
+                <a:cs typeface="Arial" panose="020B0604020202020204" pitchFamily="34" charset="0"/>
+              </a:rPr>
+              <a:t>/&gt;</a:t>
+            </a:r>
+            <a:endParaRPr lang="en-US" sz="1600" dirty="0">
+              <a:latin typeface="Arial" panose="020B0604020202020204" pitchFamily="34" charset="0"/>
+              <a:cs typeface="Arial" panose="020B0604020202020204" pitchFamily="34" charset="0"/>
+            </a:endParaRPr>
+          </a:p>
+        </p:txBody>
+      </p:sp>
+      <p:sp>
+        <p:nvSpPr>
+          <p:cNvPr id="43" name="Title 1">
+            <a:extLst>
+              <a:ext uri="{FF2B5EF4-FFF2-40B4-BE49-F238E27FC236}">
+                <a16:creationId xmlns:a16="http://schemas.microsoft.com/office/drawing/2014/main" id="{C79D2966-55FE-2C4D-87E0-D7E996BB8054}"/>
+              </a:ext>
+            </a:extLst>
+          </p:cNvPr>
+          <p:cNvSpPr txBox="1">
+            <a:spLocks/>
+          </p:cNvSpPr>
+          <p:nvPr/>
+        </p:nvSpPr>
+        <p:spPr>
+          <a:xfrm>
+            <a:off x="1466818" y="4782129"/>
+            <a:ext cx="1672466" cy="551318"/>
+          </a:xfrm>
+          <a:prstGeom prst="rect">
+            <a:avLst/>
+          </a:prstGeom>
+        </p:spPr>
+        <p:txBody>
+          <a:bodyPr vert="horz" lIns="91440" tIns="45720" rIns="91440" bIns="45720" rtlCol="0" anchor="ctr">
+            <a:normAutofit/>
+          </a:bodyPr>
+          <a:lstStyle>
+            <a:lvl1pPr algn="l" defTabSz="914400" rtl="0" eaLnBrk="1" latinLnBrk="0" hangingPunct="1">
+              <a:lnSpc>
+                <a:spcPct val="90000"/>
+              </a:lnSpc>
+              <a:spcBef>
+                <a:spcPct val="0"/>
+              </a:spcBef>
+              <a:buNone/>
+              <a:defRPr sz="4400" kern="1200">
+                <a:solidFill>
+                  <a:schemeClr val="tx1"/>
+                </a:solidFill>
+                <a:latin typeface="+mj-lt"/>
+                <a:ea typeface="+mj-ea"/>
+                <a:cs typeface="+mj-cs"/>
+              </a:defRPr>
+            </a:lvl1pPr>
+          </a:lstStyle>
+          <a:p>
+            <a:r>
+              <a:rPr lang="en-US" altLang="zh-CN" sz="1600" dirty="0">
+                <a:latin typeface="Arial" panose="020B0604020202020204" pitchFamily="34" charset="0"/>
+                <a:cs typeface="Arial" panose="020B0604020202020204" pitchFamily="34" charset="0"/>
+              </a:rPr>
+              <a:t>&lt;</a:t>
+            </a:r>
+            <a:r>
+              <a:rPr lang="en-US" altLang="zh-CN" sz="1600" dirty="0" err="1">
+                <a:latin typeface="Arial" panose="020B0604020202020204" pitchFamily="34" charset="0"/>
+                <a:cs typeface="Arial" panose="020B0604020202020204" pitchFamily="34" charset="0"/>
+              </a:rPr>
+              <a:t>GoogleLogin</a:t>
+            </a:r>
+            <a:r>
+              <a:rPr lang="en-US" altLang="zh-CN" sz="1600" dirty="0">
+                <a:latin typeface="Arial" panose="020B0604020202020204" pitchFamily="34" charset="0"/>
+                <a:cs typeface="Arial" panose="020B0604020202020204" pitchFamily="34" charset="0"/>
+              </a:rPr>
+              <a:t>/&gt;</a:t>
+            </a:r>
+            <a:endParaRPr lang="en-US" sz="1600" dirty="0">
+              <a:latin typeface="Arial" panose="020B0604020202020204" pitchFamily="34" charset="0"/>
+              <a:cs typeface="Arial" panose="020B0604020202020204" pitchFamily="34" charset="0"/>
+            </a:endParaRPr>
+          </a:p>
+        </p:txBody>
+      </p:sp>
+      <p:sp>
+        <p:nvSpPr>
+          <p:cNvPr id="44" name="Title 1">
+            <a:extLst>
+              <a:ext uri="{FF2B5EF4-FFF2-40B4-BE49-F238E27FC236}">
+                <a16:creationId xmlns:a16="http://schemas.microsoft.com/office/drawing/2014/main" id="{55D101C9-49C6-D54F-B0F2-AD47594EC5F1}"/>
+              </a:ext>
+            </a:extLst>
+          </p:cNvPr>
+          <p:cNvSpPr txBox="1">
+            <a:spLocks/>
+          </p:cNvSpPr>
+          <p:nvPr/>
+        </p:nvSpPr>
+        <p:spPr>
+          <a:xfrm>
+            <a:off x="2930220" y="4785876"/>
+            <a:ext cx="1804497" cy="551318"/>
+          </a:xfrm>
+          <a:prstGeom prst="rect">
+            <a:avLst/>
+          </a:prstGeom>
+        </p:spPr>
+        <p:txBody>
+          <a:bodyPr vert="horz" lIns="91440" tIns="45720" rIns="91440" bIns="45720" rtlCol="0" anchor="ctr">
+            <a:normAutofit/>
+          </a:bodyPr>
+          <a:lstStyle>
+            <a:lvl1pPr algn="l" defTabSz="914400" rtl="0" eaLnBrk="1" latinLnBrk="0" hangingPunct="1">
+              <a:lnSpc>
+                <a:spcPct val="90000"/>
+              </a:lnSpc>
+              <a:spcBef>
+                <a:spcPct val="0"/>
+              </a:spcBef>
+              <a:buNone/>
+              <a:defRPr sz="4400" kern="1200">
+                <a:solidFill>
+                  <a:schemeClr val="tx1"/>
+                </a:solidFill>
+                <a:latin typeface="+mj-lt"/>
+                <a:ea typeface="+mj-ea"/>
+                <a:cs typeface="+mj-cs"/>
+              </a:defRPr>
+            </a:lvl1pPr>
+          </a:lstStyle>
+          <a:p>
+            <a:r>
+              <a:rPr lang="en-US" altLang="zh-CN" sz="1600" dirty="0">
+                <a:latin typeface="Arial" panose="020B0604020202020204" pitchFamily="34" charset="0"/>
+                <a:cs typeface="Arial" panose="020B0604020202020204" pitchFamily="34" charset="0"/>
+              </a:rPr>
+              <a:t>&lt;</a:t>
+            </a:r>
+            <a:r>
+              <a:rPr lang="en-US" altLang="zh-CN" sz="1600" dirty="0" err="1">
+                <a:latin typeface="Arial" panose="020B0604020202020204" pitchFamily="34" charset="0"/>
+                <a:cs typeface="Arial" panose="020B0604020202020204" pitchFamily="34" charset="0"/>
+              </a:rPr>
+              <a:t>GoogleLogout</a:t>
+            </a:r>
+            <a:r>
+              <a:rPr lang="en-US" altLang="zh-CN" sz="1600" dirty="0">
+                <a:latin typeface="Arial" panose="020B0604020202020204" pitchFamily="34" charset="0"/>
+                <a:cs typeface="Arial" panose="020B0604020202020204" pitchFamily="34" charset="0"/>
+              </a:rPr>
+              <a:t>/&gt;</a:t>
+            </a:r>
+            <a:endParaRPr lang="en-US" sz="1600" dirty="0">
+              <a:latin typeface="Arial" panose="020B0604020202020204" pitchFamily="34" charset="0"/>
+              <a:cs typeface="Arial" panose="020B0604020202020204" pitchFamily="34" charset="0"/>
+            </a:endParaRPr>
+          </a:p>
+        </p:txBody>
+      </p:sp>
+      <p:sp>
+        <p:nvSpPr>
+          <p:cNvPr id="45" name="Title 1">
+            <a:extLst>
+              <a:ext uri="{FF2B5EF4-FFF2-40B4-BE49-F238E27FC236}">
+                <a16:creationId xmlns:a16="http://schemas.microsoft.com/office/drawing/2014/main" id="{D172AA6A-40B2-164C-BDB8-7339A904AFAB}"/>
+              </a:ext>
+            </a:extLst>
+          </p:cNvPr>
+          <p:cNvSpPr txBox="1">
+            <a:spLocks/>
+          </p:cNvSpPr>
+          <p:nvPr/>
+        </p:nvSpPr>
+        <p:spPr>
+          <a:xfrm>
+            <a:off x="9260888" y="5660715"/>
+            <a:ext cx="1892420" cy="551318"/>
+          </a:xfrm>
+          <a:prstGeom prst="rect">
+            <a:avLst/>
+          </a:prstGeom>
+        </p:spPr>
+        <p:txBody>
+          <a:bodyPr vert="horz" lIns="91440" tIns="45720" rIns="91440" bIns="45720" rtlCol="0" anchor="ctr">
+            <a:normAutofit/>
+          </a:bodyPr>
+          <a:lstStyle>
+            <a:lvl1pPr algn="l" defTabSz="914400" rtl="0" eaLnBrk="1" latinLnBrk="0" hangingPunct="1">
+              <a:lnSpc>
+                <a:spcPct val="90000"/>
+              </a:lnSpc>
+              <a:spcBef>
+                <a:spcPct val="0"/>
+              </a:spcBef>
+              <a:buNone/>
+              <a:defRPr sz="4400" kern="1200">
+                <a:solidFill>
+                  <a:schemeClr val="tx1"/>
+                </a:solidFill>
+                <a:latin typeface="+mj-lt"/>
+                <a:ea typeface="+mj-ea"/>
+                <a:cs typeface="+mj-cs"/>
+              </a:defRPr>
+            </a:lvl1pPr>
+          </a:lstStyle>
+          <a:p>
+            <a:r>
+              <a:rPr lang="en-US" altLang="zh-CN" sz="1600" dirty="0">
+                <a:latin typeface="Arial" panose="020B0604020202020204" pitchFamily="34" charset="0"/>
+                <a:cs typeface="Arial" panose="020B0604020202020204" pitchFamily="34" charset="0"/>
+              </a:rPr>
+              <a:t>&lt;</a:t>
+            </a:r>
+            <a:r>
+              <a:rPr lang="en-US" altLang="zh-CN" sz="1600" dirty="0" err="1">
+                <a:latin typeface="Arial" panose="020B0604020202020204" pitchFamily="34" charset="0"/>
+                <a:cs typeface="Arial" panose="020B0604020202020204" pitchFamily="34" charset="0"/>
+              </a:rPr>
+              <a:t>MessageModal</a:t>
+            </a:r>
+            <a:r>
+              <a:rPr lang="en-US" altLang="zh-CN" sz="1600" dirty="0">
+                <a:latin typeface="Arial" panose="020B0604020202020204" pitchFamily="34" charset="0"/>
+                <a:cs typeface="Arial" panose="020B0604020202020204" pitchFamily="34" charset="0"/>
+              </a:rPr>
+              <a:t>/&gt;</a:t>
+            </a:r>
+            <a:endParaRPr lang="en-US" sz="1600" dirty="0">
+              <a:latin typeface="Arial" panose="020B0604020202020204" pitchFamily="34" charset="0"/>
+              <a:cs typeface="Arial" panose="020B0604020202020204" pitchFamily="34" charset="0"/>
+            </a:endParaRPr>
+          </a:p>
+        </p:txBody>
+      </p:sp>
+      <p:cxnSp>
+        <p:nvCxnSpPr>
+          <p:cNvPr id="7" name="Straight Arrow Connector 6">
+            <a:extLst>
+              <a:ext uri="{FF2B5EF4-FFF2-40B4-BE49-F238E27FC236}">
+                <a16:creationId xmlns:a16="http://schemas.microsoft.com/office/drawing/2014/main" id="{67A46B41-179F-B744-BAF5-942DFEDD6174}"/>
+              </a:ext>
+            </a:extLst>
+          </p:cNvPr>
+          <p:cNvCxnSpPr>
+            <a:stCxn id="34" idx="2"/>
+          </p:cNvCxnSpPr>
+          <p:nvPr/>
+        </p:nvCxnSpPr>
+        <p:spPr>
+          <a:xfrm flipH="1">
+            <a:off x="2597867" y="3162047"/>
+            <a:ext cx="1883348" cy="678229"/>
+          </a:xfrm>
+          <a:prstGeom prst="straightConnector1">
+            <a:avLst/>
+          </a:prstGeom>
+          <a:ln>
+            <a:tailEnd type="triangle"/>
+          </a:ln>
+        </p:spPr>
+        <p:style>
+          <a:lnRef idx="1">
+            <a:schemeClr val="dk1"/>
+          </a:lnRef>
+          <a:fillRef idx="0">
+            <a:schemeClr val="dk1"/>
+          </a:fillRef>
+          <a:effectRef idx="0">
+            <a:schemeClr val="dk1"/>
+          </a:effectRef>
+          <a:fontRef idx="minor">
+            <a:schemeClr val="tx1"/>
+          </a:fontRef>
+        </p:style>
+      </p:cxnSp>
+      <p:cxnSp>
+        <p:nvCxnSpPr>
+          <p:cNvPr id="46" name="Straight Arrow Connector 45">
+            <a:extLst>
+              <a:ext uri="{FF2B5EF4-FFF2-40B4-BE49-F238E27FC236}">
+                <a16:creationId xmlns:a16="http://schemas.microsoft.com/office/drawing/2014/main" id="{9BEE4FB5-C73F-7E49-B0CF-DAB4250BF339}"/>
+              </a:ext>
+            </a:extLst>
+          </p:cNvPr>
+          <p:cNvCxnSpPr>
+            <a:cxnSpLocks/>
+          </p:cNvCxnSpPr>
+          <p:nvPr/>
+        </p:nvCxnSpPr>
+        <p:spPr>
+          <a:xfrm>
+            <a:off x="4481214" y="3162261"/>
+            <a:ext cx="1590413" cy="664660"/>
+          </a:xfrm>
+          <a:prstGeom prst="straightConnector1">
+            <a:avLst/>
+          </a:prstGeom>
+          <a:ln>
+            <a:tailEnd type="triangle"/>
+          </a:ln>
+        </p:spPr>
+        <p:style>
+          <a:lnRef idx="1">
+            <a:schemeClr val="dk1"/>
+          </a:lnRef>
+          <a:fillRef idx="0">
+            <a:schemeClr val="dk1"/>
+          </a:fillRef>
+          <a:effectRef idx="0">
+            <a:schemeClr val="dk1"/>
+          </a:effectRef>
+          <a:fontRef idx="minor">
+            <a:schemeClr val="tx1"/>
+          </a:fontRef>
+        </p:style>
+      </p:cxnSp>
+      <p:cxnSp>
+        <p:nvCxnSpPr>
+          <p:cNvPr id="47" name="Straight Arrow Connector 46">
+            <a:extLst>
+              <a:ext uri="{FF2B5EF4-FFF2-40B4-BE49-F238E27FC236}">
+                <a16:creationId xmlns:a16="http://schemas.microsoft.com/office/drawing/2014/main" id="{A6919439-66F0-E443-9FB5-A11A95FF141C}"/>
+              </a:ext>
+            </a:extLst>
+          </p:cNvPr>
+          <p:cNvCxnSpPr>
+            <a:cxnSpLocks/>
+            <a:stCxn id="34" idx="2"/>
+          </p:cNvCxnSpPr>
+          <p:nvPr/>
+        </p:nvCxnSpPr>
+        <p:spPr>
+          <a:xfrm>
+            <a:off x="4481215" y="3162047"/>
+            <a:ext cx="3802260" cy="703915"/>
+          </a:xfrm>
+          <a:prstGeom prst="straightConnector1">
+            <a:avLst/>
+          </a:prstGeom>
+          <a:ln>
+            <a:tailEnd type="triangle"/>
+          </a:ln>
+        </p:spPr>
+        <p:style>
+          <a:lnRef idx="1">
+            <a:schemeClr val="dk1"/>
+          </a:lnRef>
+          <a:fillRef idx="0">
+            <a:schemeClr val="dk1"/>
+          </a:fillRef>
+          <a:effectRef idx="0">
+            <a:schemeClr val="dk1"/>
+          </a:effectRef>
+          <a:fontRef idx="minor">
+            <a:schemeClr val="tx1"/>
+          </a:fontRef>
+        </p:style>
+      </p:cxnSp>
+      <p:cxnSp>
+        <p:nvCxnSpPr>
+          <p:cNvPr id="49" name="Straight Arrow Connector 48">
+            <a:extLst>
+              <a:ext uri="{FF2B5EF4-FFF2-40B4-BE49-F238E27FC236}">
+                <a16:creationId xmlns:a16="http://schemas.microsoft.com/office/drawing/2014/main" id="{D62276D8-2199-DE4A-B604-CE182D28C865}"/>
+              </a:ext>
+            </a:extLst>
+          </p:cNvPr>
+          <p:cNvCxnSpPr>
+            <a:cxnSpLocks/>
+          </p:cNvCxnSpPr>
+          <p:nvPr/>
+        </p:nvCxnSpPr>
+        <p:spPr>
+          <a:xfrm flipH="1">
+            <a:off x="884355" y="4093010"/>
+            <a:ext cx="1572688" cy="825168"/>
+          </a:xfrm>
+          <a:prstGeom prst="straightConnector1">
+            <a:avLst/>
+          </a:prstGeom>
+          <a:ln>
+            <a:tailEnd type="triangle"/>
+          </a:ln>
+        </p:spPr>
+        <p:style>
+          <a:lnRef idx="1">
+            <a:schemeClr val="dk1"/>
+          </a:lnRef>
+          <a:fillRef idx="0">
+            <a:schemeClr val="dk1"/>
+          </a:fillRef>
+          <a:effectRef idx="0">
+            <a:schemeClr val="dk1"/>
+          </a:effectRef>
+          <a:fontRef idx="minor">
+            <a:schemeClr val="tx1"/>
+          </a:fontRef>
+        </p:style>
+      </p:cxnSp>
+      <p:cxnSp>
+        <p:nvCxnSpPr>
+          <p:cNvPr id="50" name="Straight Arrow Connector 49">
+            <a:extLst>
+              <a:ext uri="{FF2B5EF4-FFF2-40B4-BE49-F238E27FC236}">
+                <a16:creationId xmlns:a16="http://schemas.microsoft.com/office/drawing/2014/main" id="{B6F7EC23-73E3-F543-A293-5147A24EAE9E}"/>
+              </a:ext>
+            </a:extLst>
+          </p:cNvPr>
+          <p:cNvCxnSpPr>
+            <a:cxnSpLocks/>
+          </p:cNvCxnSpPr>
+          <p:nvPr/>
+        </p:nvCxnSpPr>
+        <p:spPr>
+          <a:xfrm flipH="1">
+            <a:off x="2310577" y="4093010"/>
+            <a:ext cx="157594" cy="837114"/>
+          </a:xfrm>
+          <a:prstGeom prst="straightConnector1">
+            <a:avLst/>
+          </a:prstGeom>
+          <a:ln>
+            <a:tailEnd type="triangle"/>
+          </a:ln>
+        </p:spPr>
+        <p:style>
+          <a:lnRef idx="1">
+            <a:schemeClr val="dk1"/>
+          </a:lnRef>
+          <a:fillRef idx="0">
+            <a:schemeClr val="dk1"/>
+          </a:fillRef>
+          <a:effectRef idx="0">
+            <a:schemeClr val="dk1"/>
+          </a:effectRef>
+          <a:fontRef idx="minor">
+            <a:schemeClr val="tx1"/>
+          </a:fontRef>
+        </p:style>
+      </p:cxnSp>
+      <p:cxnSp>
+        <p:nvCxnSpPr>
+          <p:cNvPr id="51" name="Straight Arrow Connector 50">
+            <a:extLst>
+              <a:ext uri="{FF2B5EF4-FFF2-40B4-BE49-F238E27FC236}">
+                <a16:creationId xmlns:a16="http://schemas.microsoft.com/office/drawing/2014/main" id="{63FA2669-DC02-A647-B9E6-4649D54D2EC5}"/>
+              </a:ext>
+            </a:extLst>
+          </p:cNvPr>
+          <p:cNvCxnSpPr>
+            <a:cxnSpLocks/>
+          </p:cNvCxnSpPr>
+          <p:nvPr/>
+        </p:nvCxnSpPr>
+        <p:spPr>
+          <a:xfrm>
+            <a:off x="2481465" y="4106302"/>
+            <a:ext cx="1324662" cy="811876"/>
+          </a:xfrm>
+          <a:prstGeom prst="straightConnector1">
+            <a:avLst/>
+          </a:prstGeom>
+          <a:ln>
+            <a:tailEnd type="triangle"/>
+          </a:ln>
+        </p:spPr>
+        <p:style>
+          <a:lnRef idx="1">
+            <a:schemeClr val="dk1"/>
+          </a:lnRef>
+          <a:fillRef idx="0">
+            <a:schemeClr val="dk1"/>
+          </a:fillRef>
+          <a:effectRef idx="0">
+            <a:schemeClr val="dk1"/>
+          </a:effectRef>
+          <a:fontRef idx="minor">
+            <a:schemeClr val="tx1"/>
+          </a:fontRef>
+        </p:style>
+      </p:cxnSp>
+      <p:cxnSp>
+        <p:nvCxnSpPr>
+          <p:cNvPr id="61" name="Straight Arrow Connector 60">
+            <a:extLst>
+              <a:ext uri="{FF2B5EF4-FFF2-40B4-BE49-F238E27FC236}">
+                <a16:creationId xmlns:a16="http://schemas.microsoft.com/office/drawing/2014/main" id="{5E5D900D-0803-9446-8C1E-0E0996A74AA1}"/>
+              </a:ext>
+            </a:extLst>
+          </p:cNvPr>
+          <p:cNvCxnSpPr>
+            <a:cxnSpLocks/>
+            <a:stCxn id="36" idx="2"/>
+          </p:cNvCxnSpPr>
+          <p:nvPr/>
+        </p:nvCxnSpPr>
+        <p:spPr>
+          <a:xfrm flipH="1">
+            <a:off x="5128573" y="4155170"/>
+            <a:ext cx="949544" cy="763008"/>
+          </a:xfrm>
+          <a:prstGeom prst="straightConnector1">
+            <a:avLst/>
+          </a:prstGeom>
+          <a:ln>
+            <a:tailEnd type="triangle"/>
+          </a:ln>
+        </p:spPr>
+        <p:style>
+          <a:lnRef idx="1">
+            <a:schemeClr val="dk1"/>
+          </a:lnRef>
+          <a:fillRef idx="0">
+            <a:schemeClr val="dk1"/>
+          </a:fillRef>
+          <a:effectRef idx="0">
+            <a:schemeClr val="dk1"/>
+          </a:effectRef>
+          <a:fontRef idx="minor">
+            <a:schemeClr val="tx1"/>
+          </a:fontRef>
+        </p:style>
+      </p:cxnSp>
+      <p:cxnSp>
+        <p:nvCxnSpPr>
+          <p:cNvPr id="66" name="Straight Arrow Connector 65">
+            <a:extLst>
+              <a:ext uri="{FF2B5EF4-FFF2-40B4-BE49-F238E27FC236}">
+                <a16:creationId xmlns:a16="http://schemas.microsoft.com/office/drawing/2014/main" id="{2109523D-44C4-4C4B-B7F2-2065A6517901}"/>
+              </a:ext>
+            </a:extLst>
+          </p:cNvPr>
+          <p:cNvCxnSpPr>
+            <a:cxnSpLocks/>
+            <a:stCxn id="36" idx="2"/>
+          </p:cNvCxnSpPr>
+          <p:nvPr/>
+        </p:nvCxnSpPr>
+        <p:spPr>
+          <a:xfrm>
+            <a:off x="6078117" y="4155170"/>
+            <a:ext cx="231850" cy="783034"/>
+          </a:xfrm>
+          <a:prstGeom prst="straightConnector1">
+            <a:avLst/>
+          </a:prstGeom>
+          <a:ln>
+            <a:tailEnd type="triangle"/>
+          </a:ln>
+        </p:spPr>
+        <p:style>
+          <a:lnRef idx="1">
+            <a:schemeClr val="dk1"/>
+          </a:lnRef>
+          <a:fillRef idx="0">
+            <a:schemeClr val="dk1"/>
+          </a:fillRef>
+          <a:effectRef idx="0">
+            <a:schemeClr val="dk1"/>
+          </a:effectRef>
+          <a:fontRef idx="minor">
+            <a:schemeClr val="tx1"/>
+          </a:fontRef>
+        </p:style>
+      </p:cxnSp>
+      <p:cxnSp>
+        <p:nvCxnSpPr>
+          <p:cNvPr id="69" name="Straight Arrow Connector 68">
+            <a:extLst>
+              <a:ext uri="{FF2B5EF4-FFF2-40B4-BE49-F238E27FC236}">
+                <a16:creationId xmlns:a16="http://schemas.microsoft.com/office/drawing/2014/main" id="{293265C1-AAE0-C743-993B-1F6916C84F9D}"/>
+              </a:ext>
+            </a:extLst>
+          </p:cNvPr>
+          <p:cNvCxnSpPr>
+            <a:cxnSpLocks/>
+            <a:stCxn id="36" idx="2"/>
+          </p:cNvCxnSpPr>
+          <p:nvPr/>
+        </p:nvCxnSpPr>
+        <p:spPr>
+          <a:xfrm>
+            <a:off x="6078117" y="4155170"/>
+            <a:ext cx="1724459" cy="783034"/>
+          </a:xfrm>
+          <a:prstGeom prst="straightConnector1">
+            <a:avLst/>
+          </a:prstGeom>
+          <a:ln>
+            <a:tailEnd type="triangle"/>
+          </a:ln>
+        </p:spPr>
+        <p:style>
+          <a:lnRef idx="1">
+            <a:schemeClr val="dk1"/>
+          </a:lnRef>
+          <a:fillRef idx="0">
+            <a:schemeClr val="dk1"/>
+          </a:fillRef>
+          <a:effectRef idx="0">
+            <a:schemeClr val="dk1"/>
+          </a:effectRef>
+          <a:fontRef idx="minor">
+            <a:schemeClr val="tx1"/>
+          </a:fontRef>
+        </p:style>
+      </p:cxnSp>
+      <p:cxnSp>
+        <p:nvCxnSpPr>
+          <p:cNvPr id="72" name="Straight Arrow Connector 71">
+            <a:extLst>
+              <a:ext uri="{FF2B5EF4-FFF2-40B4-BE49-F238E27FC236}">
+                <a16:creationId xmlns:a16="http://schemas.microsoft.com/office/drawing/2014/main" id="{1C0CFA70-AAE8-504F-8CA6-766CE632EA48}"/>
+              </a:ext>
+            </a:extLst>
+          </p:cNvPr>
+          <p:cNvCxnSpPr>
+            <a:cxnSpLocks/>
+            <a:stCxn id="36" idx="2"/>
+          </p:cNvCxnSpPr>
+          <p:nvPr/>
+        </p:nvCxnSpPr>
+        <p:spPr>
+          <a:xfrm>
+            <a:off x="6078117" y="4155170"/>
+            <a:ext cx="3182771" cy="763008"/>
+          </a:xfrm>
+          <a:prstGeom prst="straightConnector1">
+            <a:avLst/>
+          </a:prstGeom>
+          <a:ln>
+            <a:tailEnd type="triangle"/>
+          </a:ln>
+        </p:spPr>
+        <p:style>
+          <a:lnRef idx="1">
+            <a:schemeClr val="dk1"/>
+          </a:lnRef>
+          <a:fillRef idx="0">
+            <a:schemeClr val="dk1"/>
+          </a:fillRef>
+          <a:effectRef idx="0">
+            <a:schemeClr val="dk1"/>
+          </a:effectRef>
+          <a:fontRef idx="minor">
+            <a:schemeClr val="tx1"/>
+          </a:fontRef>
+        </p:style>
+      </p:cxnSp>
+      <p:cxnSp>
+        <p:nvCxnSpPr>
+          <p:cNvPr id="75" name="Straight Arrow Connector 74">
+            <a:extLst>
+              <a:ext uri="{FF2B5EF4-FFF2-40B4-BE49-F238E27FC236}">
+                <a16:creationId xmlns:a16="http://schemas.microsoft.com/office/drawing/2014/main" id="{0A064F82-220C-AE4C-A266-1B6BFDAFCE00}"/>
+              </a:ext>
+            </a:extLst>
+          </p:cNvPr>
+          <p:cNvCxnSpPr>
+            <a:cxnSpLocks/>
+          </p:cNvCxnSpPr>
+          <p:nvPr/>
+        </p:nvCxnSpPr>
+        <p:spPr>
+          <a:xfrm>
+            <a:off x="9307505" y="5207386"/>
+            <a:ext cx="981011" cy="663757"/>
+          </a:xfrm>
+          <a:prstGeom prst="straightConnector1">
+            <a:avLst/>
+          </a:prstGeom>
+          <a:ln>
+            <a:tailEnd type="triangle"/>
+          </a:ln>
+        </p:spPr>
+        <p:style>
+          <a:lnRef idx="1">
+            <a:schemeClr val="dk1"/>
+          </a:lnRef>
+          <a:fillRef idx="0">
+            <a:schemeClr val="dk1"/>
+          </a:fillRef>
+          <a:effectRef idx="0">
+            <a:schemeClr val="dk1"/>
+          </a:effectRef>
+          <a:fontRef idx="minor">
+            <a:schemeClr val="tx1"/>
+          </a:fontRef>
+        </p:style>
+      </p:cxnSp>
+    </p:spTree>
+    <p:extLst>
+      <p:ext uri="{BB962C8B-B14F-4D97-AF65-F5344CB8AC3E}">
+        <p14:creationId xmlns:p14="http://schemas.microsoft.com/office/powerpoint/2010/main" val="3667582544"/>
+      </p:ext>
+    </p:extLst>
+  </p:cSld>
+  <p:clrMapOvr>
+    <a:masterClrMapping/>
+  </p:clrMapOvr>
+</p:sld>
+</file>
+
+<file path=ppt/slides/slide4.xml><?xml version="1.0" encoding="utf-8"?>
 <p:sld xmlns:a="http://schemas.openxmlformats.org/drawingml/2006/main" xmlns:r="http://schemas.openxmlformats.org/officeDocument/2006/relationships" xmlns:p="http://schemas.openxmlformats.org/presentationml/2006/main">
   <p:cSld>
     <p:spTree>
@@ -8707,7 +10242,7 @@
 </p:sld>
 </file>
 
-<file path=ppt/slides/slide4.xml><?xml version="1.0" encoding="utf-8"?>
+<file path=ppt/slides/slide5.xml><?xml version="1.0" encoding="utf-8"?>
 <p:sld xmlns:a="http://schemas.openxmlformats.org/drawingml/2006/main" xmlns:r="http://schemas.openxmlformats.org/officeDocument/2006/relationships" xmlns:p="http://schemas.openxmlformats.org/presentationml/2006/main">
   <p:cSld>
     <p:spTree>
@@ -11648,7 +13183,7 @@
 </p:sld>
 </file>
 
-<file path=ppt/slides/slide5.xml><?xml version="1.0" encoding="utf-8"?>
+<file path=ppt/slides/slide6.xml><?xml version="1.0" encoding="utf-8"?>
 <p:sld xmlns:a="http://schemas.openxmlformats.org/drawingml/2006/main" xmlns:r="http://schemas.openxmlformats.org/officeDocument/2006/relationships" xmlns:p="http://schemas.openxmlformats.org/presentationml/2006/main">
   <p:cSld>
     <p:spTree>
@@ -15920,7 +17455,7 @@
 </p:sld>
 </file>
 
-<file path=ppt/slides/slide6.xml><?xml version="1.0" encoding="utf-8"?>
+<file path=ppt/slides/slide7.xml><?xml version="1.0" encoding="utf-8"?>
 <p:sld xmlns:a="http://schemas.openxmlformats.org/drawingml/2006/main" xmlns:r="http://schemas.openxmlformats.org/officeDocument/2006/relationships" xmlns:p="http://schemas.openxmlformats.org/presentationml/2006/main">
   <p:cSld>
     <p:spTree>

--- a/docs/QRCode.pptx
+++ b/docs/QRCode.pptx
@@ -203,7 +203,7 @@
           <a:p>
             <a:fld id="{0EC48EE7-1059-4545-A118-5A5EE7178B35}" type="datetimeFigureOut">
               <a:rPr lang="en-US" smtClean="0"/>
-              <a:t>7/21/22</a:t>
+              <a:t>7/24/22</a:t>
             </a:fld>
             <a:endParaRPr lang="en-US"/>
           </a:p>
@@ -788,7 +788,7 @@
           <a:p>
             <a:fld id="{F666A97E-4C60-DC4C-A42C-2CE969928CE5}" type="datetimeFigureOut">
               <a:rPr lang="en-US" smtClean="0"/>
-              <a:t>7/21/22</a:t>
+              <a:t>7/24/22</a:t>
             </a:fld>
             <a:endParaRPr lang="en-US"/>
           </a:p>
@@ -988,7 +988,7 @@
           <a:p>
             <a:fld id="{F666A97E-4C60-DC4C-A42C-2CE969928CE5}" type="datetimeFigureOut">
               <a:rPr lang="en-US" smtClean="0"/>
-              <a:t>7/21/22</a:t>
+              <a:t>7/24/22</a:t>
             </a:fld>
             <a:endParaRPr lang="en-US"/>
           </a:p>
@@ -1198,7 +1198,7 @@
           <a:p>
             <a:fld id="{F666A97E-4C60-DC4C-A42C-2CE969928CE5}" type="datetimeFigureOut">
               <a:rPr lang="en-US" smtClean="0"/>
-              <a:t>7/21/22</a:t>
+              <a:t>7/24/22</a:t>
             </a:fld>
             <a:endParaRPr lang="en-US"/>
           </a:p>
@@ -1398,7 +1398,7 @@
           <a:p>
             <a:fld id="{F666A97E-4C60-DC4C-A42C-2CE969928CE5}" type="datetimeFigureOut">
               <a:rPr lang="en-US" smtClean="0"/>
-              <a:t>7/21/22</a:t>
+              <a:t>7/24/22</a:t>
             </a:fld>
             <a:endParaRPr lang="en-US"/>
           </a:p>
@@ -1674,7 +1674,7 @@
           <a:p>
             <a:fld id="{F666A97E-4C60-DC4C-A42C-2CE969928CE5}" type="datetimeFigureOut">
               <a:rPr lang="en-US" smtClean="0"/>
-              <a:t>7/21/22</a:t>
+              <a:t>7/24/22</a:t>
             </a:fld>
             <a:endParaRPr lang="en-US"/>
           </a:p>
@@ -1942,7 +1942,7 @@
           <a:p>
             <a:fld id="{F666A97E-4C60-DC4C-A42C-2CE969928CE5}" type="datetimeFigureOut">
               <a:rPr lang="en-US" smtClean="0"/>
-              <a:t>7/21/22</a:t>
+              <a:t>7/24/22</a:t>
             </a:fld>
             <a:endParaRPr lang="en-US"/>
           </a:p>
@@ -2357,7 +2357,7 @@
           <a:p>
             <a:fld id="{F666A97E-4C60-DC4C-A42C-2CE969928CE5}" type="datetimeFigureOut">
               <a:rPr lang="en-US" smtClean="0"/>
-              <a:t>7/21/22</a:t>
+              <a:t>7/24/22</a:t>
             </a:fld>
             <a:endParaRPr lang="en-US"/>
           </a:p>
@@ -2499,7 +2499,7 @@
           <a:p>
             <a:fld id="{F666A97E-4C60-DC4C-A42C-2CE969928CE5}" type="datetimeFigureOut">
               <a:rPr lang="en-US" smtClean="0"/>
-              <a:t>7/21/22</a:t>
+              <a:t>7/24/22</a:t>
             </a:fld>
             <a:endParaRPr lang="en-US"/>
           </a:p>
@@ -2612,7 +2612,7 @@
           <a:p>
             <a:fld id="{F666A97E-4C60-DC4C-A42C-2CE969928CE5}" type="datetimeFigureOut">
               <a:rPr lang="en-US" smtClean="0"/>
-              <a:t>7/21/22</a:t>
+              <a:t>7/24/22</a:t>
             </a:fld>
             <a:endParaRPr lang="en-US"/>
           </a:p>
@@ -2925,7 +2925,7 @@
           <a:p>
             <a:fld id="{F666A97E-4C60-DC4C-A42C-2CE969928CE5}" type="datetimeFigureOut">
               <a:rPr lang="en-US" smtClean="0"/>
-              <a:t>7/21/22</a:t>
+              <a:t>7/24/22</a:t>
             </a:fld>
             <a:endParaRPr lang="en-US"/>
           </a:p>
@@ -3214,7 +3214,7 @@
           <a:p>
             <a:fld id="{F666A97E-4C60-DC4C-A42C-2CE969928CE5}" type="datetimeFigureOut">
               <a:rPr lang="en-US" smtClean="0"/>
-              <a:t>7/21/22</a:t>
+              <a:t>7/24/22</a:t>
             </a:fld>
             <a:endParaRPr lang="en-US"/>
           </a:p>
@@ -3457,7 +3457,7 @@
           <a:p>
             <a:fld id="{F666A97E-4C60-DC4C-A42C-2CE969928CE5}" type="datetimeFigureOut">
               <a:rPr lang="en-US" smtClean="0"/>
-              <a:t>7/21/22</a:t>
+              <a:t>7/24/22</a:t>
             </a:fld>
             <a:endParaRPr lang="en-US"/>
           </a:p>
@@ -17807,11 +17807,11 @@
               <a:t> </a:t>
             </a:r>
             <a:r>
-              <a:rPr lang="en-US" altLang="zh-CN" sz="3200" dirty="0">
+              <a:rPr lang="en-US" altLang="zh-CN" sz="3200">
                 <a:latin typeface="Arial" panose="020B0604020202020204" pitchFamily="34" charset="0"/>
                 <a:cs typeface="Arial" panose="020B0604020202020204" pitchFamily="34" charset="0"/>
               </a:rPr>
-              <a:t>Specs</a:t>
+              <a:t>Tests</a:t>
             </a:r>
             <a:endParaRPr lang="en-US" altLang="zh-CN" sz="2400" dirty="0">
               <a:latin typeface="Arial" panose="020B0604020202020204" pitchFamily="34" charset="0"/>
